--- a/WebLecture/Lecture13-Javascript4.pptx
+++ b/WebLecture/Lecture13-Javascript4.pptx
@@ -5,7 +5,7 @@
     <p:sldMasterId id="2147483648" r:id="rId1"/>
   </p:sldMasterIdLst>
   <p:notesMasterIdLst>
-    <p:notesMasterId r:id="rId20"/>
+    <p:notesMasterId r:id="rId26"/>
   </p:notesMasterIdLst>
   <p:sldIdLst>
     <p:sldId id="256" r:id="rId2"/>
@@ -25,7 +25,13 @@
     <p:sldId id="306" r:id="rId16"/>
     <p:sldId id="307" r:id="rId17"/>
     <p:sldId id="311" r:id="rId18"/>
-    <p:sldId id="282" r:id="rId19"/>
+    <p:sldId id="329" r:id="rId19"/>
+    <p:sldId id="328" r:id="rId20"/>
+    <p:sldId id="327" r:id="rId21"/>
+    <p:sldId id="330" r:id="rId22"/>
+    <p:sldId id="331" r:id="rId23"/>
+    <p:sldId id="332" r:id="rId24"/>
+    <p:sldId id="282" r:id="rId25"/>
   </p:sldIdLst>
   <p:sldSz cx="12192000" cy="6858000"/>
   <p:notesSz cx="7104063" cy="10234613"/>
@@ -10217,6 +10223,1120 @@
           </a:p>
         </p:txBody>
       </p:sp>
+      <p:graphicFrame>
+        <p:nvGraphicFramePr>
+          <p:cNvPr id="2" name="Table 1">
+            <a:extLst>
+              <a:ext uri="{FF2B5EF4-FFF2-40B4-BE49-F238E27FC236}">
+                <a16:creationId xmlns:a16="http://schemas.microsoft.com/office/drawing/2014/main" id="{75837AA7-25D6-4756-B69D-00C7A0509653}"/>
+              </a:ext>
+            </a:extLst>
+          </p:cNvPr>
+          <p:cNvGraphicFramePr>
+            <a:graphicFrameLocks noGrp="1"/>
+          </p:cNvGraphicFramePr>
+          <p:nvPr>
+            <p:extLst>
+              <p:ext uri="{D42A27DB-BD31-4B8C-83A1-F6EECF244321}">
+                <p14:modId xmlns:p14="http://schemas.microsoft.com/office/powerpoint/2010/main" val="1180574323"/>
+              </p:ext>
+            </p:extLst>
+          </p:nvPr>
+        </p:nvGraphicFramePr>
+        <p:xfrm>
+          <a:off x="1171851" y="3897296"/>
+          <a:ext cx="9818704" cy="2773928"/>
+        </p:xfrm>
+        <a:graphic>
+          <a:graphicData uri="http://schemas.openxmlformats.org/drawingml/2006/table">
+            <a:tbl>
+              <a:tblPr/>
+              <a:tblGrid>
+                <a:gridCol w="2454676">
+                  <a:extLst>
+                    <a:ext uri="{9D8B030D-6E8A-4147-A177-3AD203B41FA5}">
+                      <a16:colId xmlns:a16="http://schemas.microsoft.com/office/drawing/2014/main" val="4265147693"/>
+                    </a:ext>
+                  </a:extLst>
+                </a:gridCol>
+                <a:gridCol w="3682014">
+                  <a:extLst>
+                    <a:ext uri="{9D8B030D-6E8A-4147-A177-3AD203B41FA5}">
+                      <a16:colId xmlns:a16="http://schemas.microsoft.com/office/drawing/2014/main" val="3517380281"/>
+                    </a:ext>
+                  </a:extLst>
+                </a:gridCol>
+                <a:gridCol w="3682014">
+                  <a:extLst>
+                    <a:ext uri="{9D8B030D-6E8A-4147-A177-3AD203B41FA5}">
+                      <a16:colId xmlns:a16="http://schemas.microsoft.com/office/drawing/2014/main" val="636634164"/>
+                    </a:ext>
+                  </a:extLst>
+                </a:gridCol>
+              </a:tblGrid>
+              <a:tr h="693482">
+                <a:tc>
+                  <a:txBody>
+                    <a:bodyPr/>
+                    <a:lstStyle/>
+                    <a:p>
+                      <a:pPr algn="l" fontAlgn="t"/>
+                      <a:r>
+                        <a:rPr lang="en-CA">
+                          <a:effectLst/>
+                        </a:rPr>
+                        <a:t>Code</a:t>
+                      </a:r>
+                    </a:p>
+                  </a:txBody>
+                  <a:tcPr marL="121920" marR="60960" marT="60960" marB="60960">
+                    <a:lnL w="7620" cap="flat" cmpd="sng" algn="ctr">
+                      <a:solidFill>
+                        <a:srgbClr val="CCCCCC"/>
+                      </a:solidFill>
+                      <a:prstDash val="solid"/>
+                      <a:round/>
+                      <a:headEnd type="none" w="med" len="med"/>
+                      <a:tailEnd type="none" w="med" len="med"/>
+                    </a:lnL>
+                    <a:lnR w="7620" cap="flat" cmpd="sng" algn="ctr">
+                      <a:solidFill>
+                        <a:srgbClr val="CCCCCC"/>
+                      </a:solidFill>
+                      <a:prstDash val="solid"/>
+                      <a:round/>
+                      <a:headEnd type="none" w="med" len="med"/>
+                      <a:tailEnd type="none" w="med" len="med"/>
+                    </a:lnR>
+                    <a:lnT w="7620" cap="flat" cmpd="sng" algn="ctr">
+                      <a:solidFill>
+                        <a:srgbClr val="CCCCCC"/>
+                      </a:solidFill>
+                      <a:prstDash val="solid"/>
+                      <a:round/>
+                      <a:headEnd type="none" w="med" len="med"/>
+                      <a:tailEnd type="none" w="med" len="med"/>
+                    </a:lnT>
+                    <a:lnB w="7620" cap="flat" cmpd="sng" algn="ctr">
+                      <a:solidFill>
+                        <a:srgbClr val="CCCCCC"/>
+                      </a:solidFill>
+                      <a:prstDash val="solid"/>
+                      <a:round/>
+                      <a:headEnd type="none" w="med" len="med"/>
+                      <a:tailEnd type="none" w="med" len="med"/>
+                    </a:lnB>
+                    <a:solidFill>
+                      <a:srgbClr val="FFFFFF"/>
+                    </a:solidFill>
+                  </a:tcPr>
+                </a:tc>
+                <a:tc>
+                  <a:txBody>
+                    <a:bodyPr/>
+                    <a:lstStyle/>
+                    <a:p>
+                      <a:pPr algn="l" fontAlgn="t"/>
+                      <a:r>
+                        <a:rPr lang="en-CA">
+                          <a:effectLst/>
+                        </a:rPr>
+                        <a:t>Result</a:t>
+                      </a:r>
+                    </a:p>
+                  </a:txBody>
+                  <a:tcPr marL="60960" marR="60960" marT="60960" marB="60960">
+                    <a:lnL w="7620" cap="flat" cmpd="sng" algn="ctr">
+                      <a:solidFill>
+                        <a:srgbClr val="CCCCCC"/>
+                      </a:solidFill>
+                      <a:prstDash val="solid"/>
+                      <a:round/>
+                      <a:headEnd type="none" w="med" len="med"/>
+                      <a:tailEnd type="none" w="med" len="med"/>
+                    </a:lnL>
+                    <a:lnR w="7620" cap="flat" cmpd="sng" algn="ctr">
+                      <a:solidFill>
+                        <a:srgbClr val="CCCCCC"/>
+                      </a:solidFill>
+                      <a:prstDash val="solid"/>
+                      <a:round/>
+                      <a:headEnd type="none" w="med" len="med"/>
+                      <a:tailEnd type="none" w="med" len="med"/>
+                    </a:lnR>
+                    <a:lnT w="7620" cap="flat" cmpd="sng" algn="ctr">
+                      <a:solidFill>
+                        <a:srgbClr val="CCCCCC"/>
+                      </a:solidFill>
+                      <a:prstDash val="solid"/>
+                      <a:round/>
+                      <a:headEnd type="none" w="med" len="med"/>
+                      <a:tailEnd type="none" w="med" len="med"/>
+                    </a:lnT>
+                    <a:lnB w="7620" cap="flat" cmpd="sng" algn="ctr">
+                      <a:solidFill>
+                        <a:srgbClr val="CCCCCC"/>
+                      </a:solidFill>
+                      <a:prstDash val="solid"/>
+                      <a:round/>
+                      <a:headEnd type="none" w="med" len="med"/>
+                      <a:tailEnd type="none" w="med" len="med"/>
+                    </a:lnB>
+                    <a:solidFill>
+                      <a:srgbClr val="FFFFFF"/>
+                    </a:solidFill>
+                  </a:tcPr>
+                </a:tc>
+                <a:tc>
+                  <a:txBody>
+                    <a:bodyPr/>
+                    <a:lstStyle/>
+                    <a:p>
+                      <a:pPr algn="l" fontAlgn="t"/>
+                      <a:r>
+                        <a:rPr lang="en-CA">
+                          <a:effectLst/>
+                        </a:rPr>
+                        <a:t>Description</a:t>
+                      </a:r>
+                    </a:p>
+                  </a:txBody>
+                  <a:tcPr marL="60960" marR="60960" marT="60960" marB="60960">
+                    <a:lnL w="7620" cap="flat" cmpd="sng" algn="ctr">
+                      <a:solidFill>
+                        <a:srgbClr val="CCCCCC"/>
+                      </a:solidFill>
+                      <a:prstDash val="solid"/>
+                      <a:round/>
+                      <a:headEnd type="none" w="med" len="med"/>
+                      <a:tailEnd type="none" w="med" len="med"/>
+                    </a:lnL>
+                    <a:lnR w="7620" cap="flat" cmpd="sng" algn="ctr">
+                      <a:solidFill>
+                        <a:srgbClr val="CCCCCC"/>
+                      </a:solidFill>
+                      <a:prstDash val="solid"/>
+                      <a:round/>
+                      <a:headEnd type="none" w="med" len="med"/>
+                      <a:tailEnd type="none" w="med" len="med"/>
+                    </a:lnR>
+                    <a:lnT w="7620" cap="flat" cmpd="sng" algn="ctr">
+                      <a:solidFill>
+                        <a:srgbClr val="CCCCCC"/>
+                      </a:solidFill>
+                      <a:prstDash val="solid"/>
+                      <a:round/>
+                      <a:headEnd type="none" w="med" len="med"/>
+                      <a:tailEnd type="none" w="med" len="med"/>
+                    </a:lnT>
+                    <a:lnB w="7620" cap="flat" cmpd="sng" algn="ctr">
+                      <a:solidFill>
+                        <a:srgbClr val="CCCCCC"/>
+                      </a:solidFill>
+                      <a:prstDash val="solid"/>
+                      <a:round/>
+                      <a:headEnd type="none" w="med" len="med"/>
+                      <a:tailEnd type="none" w="med" len="med"/>
+                    </a:lnB>
+                    <a:solidFill>
+                      <a:srgbClr val="FFFFFF"/>
+                    </a:solidFill>
+                  </a:tcPr>
+                </a:tc>
+                <a:extLst>
+                  <a:ext uri="{0D108BD9-81ED-4DB2-BD59-A6C34878D82A}">
+                    <a16:rowId xmlns:a16="http://schemas.microsoft.com/office/drawing/2014/main" val="4118874631"/>
+                  </a:ext>
+                </a:extLst>
+              </a:tr>
+              <a:tr h="693482">
+                <a:tc>
+                  <a:txBody>
+                    <a:bodyPr/>
+                    <a:lstStyle/>
+                    <a:p>
+                      <a:pPr algn="l" fontAlgn="t"/>
+                      <a:r>
+                        <a:rPr lang="en-CA">
+                          <a:effectLst/>
+                        </a:rPr>
+                        <a:t>\'</a:t>
+                      </a:r>
+                    </a:p>
+                  </a:txBody>
+                  <a:tcPr marL="121920" marR="60960" marT="60960" marB="60960">
+                    <a:lnL w="7620" cap="flat" cmpd="sng" algn="ctr">
+                      <a:solidFill>
+                        <a:srgbClr val="CCCCCC"/>
+                      </a:solidFill>
+                      <a:prstDash val="solid"/>
+                      <a:round/>
+                      <a:headEnd type="none" w="med" len="med"/>
+                      <a:tailEnd type="none" w="med" len="med"/>
+                    </a:lnL>
+                    <a:lnR w="7620" cap="flat" cmpd="sng" algn="ctr">
+                      <a:solidFill>
+                        <a:srgbClr val="CCCCCC"/>
+                      </a:solidFill>
+                      <a:prstDash val="solid"/>
+                      <a:round/>
+                      <a:headEnd type="none" w="med" len="med"/>
+                      <a:tailEnd type="none" w="med" len="med"/>
+                    </a:lnR>
+                    <a:lnT w="7620" cap="flat" cmpd="sng" algn="ctr">
+                      <a:solidFill>
+                        <a:srgbClr val="CCCCCC"/>
+                      </a:solidFill>
+                      <a:prstDash val="solid"/>
+                      <a:round/>
+                      <a:headEnd type="none" w="med" len="med"/>
+                      <a:tailEnd type="none" w="med" len="med"/>
+                    </a:lnT>
+                    <a:lnB w="7620" cap="flat" cmpd="sng" algn="ctr">
+                      <a:solidFill>
+                        <a:srgbClr val="CCCCCC"/>
+                      </a:solidFill>
+                      <a:prstDash val="solid"/>
+                      <a:round/>
+                      <a:headEnd type="none" w="med" len="med"/>
+                      <a:tailEnd type="none" w="med" len="med"/>
+                    </a:lnB>
+                    <a:solidFill>
+                      <a:srgbClr val="E7E9EB"/>
+                    </a:solidFill>
+                  </a:tcPr>
+                </a:tc>
+                <a:tc>
+                  <a:txBody>
+                    <a:bodyPr/>
+                    <a:lstStyle/>
+                    <a:p>
+                      <a:pPr algn="l" fontAlgn="t"/>
+                      <a:r>
+                        <a:rPr lang="en-CA">
+                          <a:effectLst/>
+                        </a:rPr>
+                        <a:t>'</a:t>
+                      </a:r>
+                    </a:p>
+                  </a:txBody>
+                  <a:tcPr marL="60960" marR="60960" marT="60960" marB="60960">
+                    <a:lnL w="7620" cap="flat" cmpd="sng" algn="ctr">
+                      <a:solidFill>
+                        <a:srgbClr val="CCCCCC"/>
+                      </a:solidFill>
+                      <a:prstDash val="solid"/>
+                      <a:round/>
+                      <a:headEnd type="none" w="med" len="med"/>
+                      <a:tailEnd type="none" w="med" len="med"/>
+                    </a:lnL>
+                    <a:lnR w="7620" cap="flat" cmpd="sng" algn="ctr">
+                      <a:solidFill>
+                        <a:srgbClr val="CCCCCC"/>
+                      </a:solidFill>
+                      <a:prstDash val="solid"/>
+                      <a:round/>
+                      <a:headEnd type="none" w="med" len="med"/>
+                      <a:tailEnd type="none" w="med" len="med"/>
+                    </a:lnR>
+                    <a:lnT w="7620" cap="flat" cmpd="sng" algn="ctr">
+                      <a:solidFill>
+                        <a:srgbClr val="CCCCCC"/>
+                      </a:solidFill>
+                      <a:prstDash val="solid"/>
+                      <a:round/>
+                      <a:headEnd type="none" w="med" len="med"/>
+                      <a:tailEnd type="none" w="med" len="med"/>
+                    </a:lnT>
+                    <a:lnB w="7620" cap="flat" cmpd="sng" algn="ctr">
+                      <a:solidFill>
+                        <a:srgbClr val="CCCCCC"/>
+                      </a:solidFill>
+                      <a:prstDash val="solid"/>
+                      <a:round/>
+                      <a:headEnd type="none" w="med" len="med"/>
+                      <a:tailEnd type="none" w="med" len="med"/>
+                    </a:lnB>
+                    <a:solidFill>
+                      <a:srgbClr val="E7E9EB"/>
+                    </a:solidFill>
+                  </a:tcPr>
+                </a:tc>
+                <a:tc>
+                  <a:txBody>
+                    <a:bodyPr/>
+                    <a:lstStyle/>
+                    <a:p>
+                      <a:pPr algn="l" fontAlgn="t"/>
+                      <a:r>
+                        <a:rPr lang="en-CA">
+                          <a:effectLst/>
+                        </a:rPr>
+                        <a:t>Single quote</a:t>
+                      </a:r>
+                    </a:p>
+                  </a:txBody>
+                  <a:tcPr marL="60960" marR="60960" marT="60960" marB="60960">
+                    <a:lnL w="7620" cap="flat" cmpd="sng" algn="ctr">
+                      <a:solidFill>
+                        <a:srgbClr val="CCCCCC"/>
+                      </a:solidFill>
+                      <a:prstDash val="solid"/>
+                      <a:round/>
+                      <a:headEnd type="none" w="med" len="med"/>
+                      <a:tailEnd type="none" w="med" len="med"/>
+                    </a:lnL>
+                    <a:lnR w="7620" cap="flat" cmpd="sng" algn="ctr">
+                      <a:solidFill>
+                        <a:srgbClr val="CCCCCC"/>
+                      </a:solidFill>
+                      <a:prstDash val="solid"/>
+                      <a:round/>
+                      <a:headEnd type="none" w="med" len="med"/>
+                      <a:tailEnd type="none" w="med" len="med"/>
+                    </a:lnR>
+                    <a:lnT w="7620" cap="flat" cmpd="sng" algn="ctr">
+                      <a:solidFill>
+                        <a:srgbClr val="CCCCCC"/>
+                      </a:solidFill>
+                      <a:prstDash val="solid"/>
+                      <a:round/>
+                      <a:headEnd type="none" w="med" len="med"/>
+                      <a:tailEnd type="none" w="med" len="med"/>
+                    </a:lnT>
+                    <a:lnB w="7620" cap="flat" cmpd="sng" algn="ctr">
+                      <a:solidFill>
+                        <a:srgbClr val="CCCCCC"/>
+                      </a:solidFill>
+                      <a:prstDash val="solid"/>
+                      <a:round/>
+                      <a:headEnd type="none" w="med" len="med"/>
+                      <a:tailEnd type="none" w="med" len="med"/>
+                    </a:lnB>
+                    <a:solidFill>
+                      <a:srgbClr val="E7E9EB"/>
+                    </a:solidFill>
+                  </a:tcPr>
+                </a:tc>
+                <a:extLst>
+                  <a:ext uri="{0D108BD9-81ED-4DB2-BD59-A6C34878D82A}">
+                    <a16:rowId xmlns:a16="http://schemas.microsoft.com/office/drawing/2014/main" val="1684039547"/>
+                  </a:ext>
+                </a:extLst>
+              </a:tr>
+              <a:tr h="693482">
+                <a:tc>
+                  <a:txBody>
+                    <a:bodyPr/>
+                    <a:lstStyle/>
+                    <a:p>
+                      <a:pPr algn="l" fontAlgn="t"/>
+                      <a:r>
+                        <a:rPr lang="en-CA">
+                          <a:effectLst/>
+                        </a:rPr>
+                        <a:t>\"</a:t>
+                      </a:r>
+                    </a:p>
+                  </a:txBody>
+                  <a:tcPr marL="121920" marR="60960" marT="60960" marB="60960">
+                    <a:lnL w="7620" cap="flat" cmpd="sng" algn="ctr">
+                      <a:solidFill>
+                        <a:srgbClr val="CCCCCC"/>
+                      </a:solidFill>
+                      <a:prstDash val="solid"/>
+                      <a:round/>
+                      <a:headEnd type="none" w="med" len="med"/>
+                      <a:tailEnd type="none" w="med" len="med"/>
+                    </a:lnL>
+                    <a:lnR w="7620" cap="flat" cmpd="sng" algn="ctr">
+                      <a:solidFill>
+                        <a:srgbClr val="CCCCCC"/>
+                      </a:solidFill>
+                      <a:prstDash val="solid"/>
+                      <a:round/>
+                      <a:headEnd type="none" w="med" len="med"/>
+                      <a:tailEnd type="none" w="med" len="med"/>
+                    </a:lnR>
+                    <a:lnT w="7620" cap="flat" cmpd="sng" algn="ctr">
+                      <a:solidFill>
+                        <a:srgbClr val="CCCCCC"/>
+                      </a:solidFill>
+                      <a:prstDash val="solid"/>
+                      <a:round/>
+                      <a:headEnd type="none" w="med" len="med"/>
+                      <a:tailEnd type="none" w="med" len="med"/>
+                    </a:lnT>
+                    <a:lnB w="7620" cap="flat" cmpd="sng" algn="ctr">
+                      <a:solidFill>
+                        <a:srgbClr val="CCCCCC"/>
+                      </a:solidFill>
+                      <a:prstDash val="solid"/>
+                      <a:round/>
+                      <a:headEnd type="none" w="med" len="med"/>
+                      <a:tailEnd type="none" w="med" len="med"/>
+                    </a:lnB>
+                    <a:solidFill>
+                      <a:srgbClr val="FFFFFF"/>
+                    </a:solidFill>
+                  </a:tcPr>
+                </a:tc>
+                <a:tc>
+                  <a:txBody>
+                    <a:bodyPr/>
+                    <a:lstStyle/>
+                    <a:p>
+                      <a:pPr algn="l" fontAlgn="t"/>
+                      <a:r>
+                        <a:rPr lang="en-CA">
+                          <a:effectLst/>
+                        </a:rPr>
+                        <a:t>"</a:t>
+                      </a:r>
+                    </a:p>
+                  </a:txBody>
+                  <a:tcPr marL="60960" marR="60960" marT="60960" marB="60960">
+                    <a:lnL w="7620" cap="flat" cmpd="sng" algn="ctr">
+                      <a:solidFill>
+                        <a:srgbClr val="CCCCCC"/>
+                      </a:solidFill>
+                      <a:prstDash val="solid"/>
+                      <a:round/>
+                      <a:headEnd type="none" w="med" len="med"/>
+                      <a:tailEnd type="none" w="med" len="med"/>
+                    </a:lnL>
+                    <a:lnR w="7620" cap="flat" cmpd="sng" algn="ctr">
+                      <a:solidFill>
+                        <a:srgbClr val="CCCCCC"/>
+                      </a:solidFill>
+                      <a:prstDash val="solid"/>
+                      <a:round/>
+                      <a:headEnd type="none" w="med" len="med"/>
+                      <a:tailEnd type="none" w="med" len="med"/>
+                    </a:lnR>
+                    <a:lnT w="7620" cap="flat" cmpd="sng" algn="ctr">
+                      <a:solidFill>
+                        <a:srgbClr val="CCCCCC"/>
+                      </a:solidFill>
+                      <a:prstDash val="solid"/>
+                      <a:round/>
+                      <a:headEnd type="none" w="med" len="med"/>
+                      <a:tailEnd type="none" w="med" len="med"/>
+                    </a:lnT>
+                    <a:lnB w="7620" cap="flat" cmpd="sng" algn="ctr">
+                      <a:solidFill>
+                        <a:srgbClr val="CCCCCC"/>
+                      </a:solidFill>
+                      <a:prstDash val="solid"/>
+                      <a:round/>
+                      <a:headEnd type="none" w="med" len="med"/>
+                      <a:tailEnd type="none" w="med" len="med"/>
+                    </a:lnB>
+                    <a:solidFill>
+                      <a:srgbClr val="FFFFFF"/>
+                    </a:solidFill>
+                  </a:tcPr>
+                </a:tc>
+                <a:tc>
+                  <a:txBody>
+                    <a:bodyPr/>
+                    <a:lstStyle/>
+                    <a:p>
+                      <a:pPr algn="l" fontAlgn="t"/>
+                      <a:r>
+                        <a:rPr lang="en-CA">
+                          <a:effectLst/>
+                        </a:rPr>
+                        <a:t>Double quote</a:t>
+                      </a:r>
+                    </a:p>
+                  </a:txBody>
+                  <a:tcPr marL="60960" marR="60960" marT="60960" marB="60960">
+                    <a:lnL w="7620" cap="flat" cmpd="sng" algn="ctr">
+                      <a:solidFill>
+                        <a:srgbClr val="CCCCCC"/>
+                      </a:solidFill>
+                      <a:prstDash val="solid"/>
+                      <a:round/>
+                      <a:headEnd type="none" w="med" len="med"/>
+                      <a:tailEnd type="none" w="med" len="med"/>
+                    </a:lnL>
+                    <a:lnR w="7620" cap="flat" cmpd="sng" algn="ctr">
+                      <a:solidFill>
+                        <a:srgbClr val="CCCCCC"/>
+                      </a:solidFill>
+                      <a:prstDash val="solid"/>
+                      <a:round/>
+                      <a:headEnd type="none" w="med" len="med"/>
+                      <a:tailEnd type="none" w="med" len="med"/>
+                    </a:lnR>
+                    <a:lnT w="7620" cap="flat" cmpd="sng" algn="ctr">
+                      <a:solidFill>
+                        <a:srgbClr val="CCCCCC"/>
+                      </a:solidFill>
+                      <a:prstDash val="solid"/>
+                      <a:round/>
+                      <a:headEnd type="none" w="med" len="med"/>
+                      <a:tailEnd type="none" w="med" len="med"/>
+                    </a:lnT>
+                    <a:lnB w="7620" cap="flat" cmpd="sng" algn="ctr">
+                      <a:solidFill>
+                        <a:srgbClr val="CCCCCC"/>
+                      </a:solidFill>
+                      <a:prstDash val="solid"/>
+                      <a:round/>
+                      <a:headEnd type="none" w="med" len="med"/>
+                      <a:tailEnd type="none" w="med" len="med"/>
+                    </a:lnB>
+                    <a:solidFill>
+                      <a:srgbClr val="FFFFFF"/>
+                    </a:solidFill>
+                  </a:tcPr>
+                </a:tc>
+                <a:extLst>
+                  <a:ext uri="{0D108BD9-81ED-4DB2-BD59-A6C34878D82A}">
+                    <a16:rowId xmlns:a16="http://schemas.microsoft.com/office/drawing/2014/main" val="2334045655"/>
+                  </a:ext>
+                </a:extLst>
+              </a:tr>
+              <a:tr h="693482">
+                <a:tc>
+                  <a:txBody>
+                    <a:bodyPr/>
+                    <a:lstStyle/>
+                    <a:p>
+                      <a:pPr algn="l" fontAlgn="t"/>
+                      <a:r>
+                        <a:rPr lang="en-CA" dirty="0">
+                          <a:effectLst/>
+                        </a:rPr>
+                        <a:t>\\</a:t>
+                      </a:r>
+                    </a:p>
+                  </a:txBody>
+                  <a:tcPr marL="121920" marR="60960" marT="60960" marB="60960">
+                    <a:lnL w="7620" cap="flat" cmpd="sng" algn="ctr">
+                      <a:solidFill>
+                        <a:srgbClr val="CCCCCC"/>
+                      </a:solidFill>
+                      <a:prstDash val="solid"/>
+                      <a:round/>
+                      <a:headEnd type="none" w="med" len="med"/>
+                      <a:tailEnd type="none" w="med" len="med"/>
+                    </a:lnL>
+                    <a:lnR w="7620" cap="flat" cmpd="sng" algn="ctr">
+                      <a:solidFill>
+                        <a:srgbClr val="CCCCCC"/>
+                      </a:solidFill>
+                      <a:prstDash val="solid"/>
+                      <a:round/>
+                      <a:headEnd type="none" w="med" len="med"/>
+                      <a:tailEnd type="none" w="med" len="med"/>
+                    </a:lnR>
+                    <a:lnT w="7620" cap="flat" cmpd="sng" algn="ctr">
+                      <a:solidFill>
+                        <a:srgbClr val="CCCCCC"/>
+                      </a:solidFill>
+                      <a:prstDash val="solid"/>
+                      <a:round/>
+                      <a:headEnd type="none" w="med" len="med"/>
+                      <a:tailEnd type="none" w="med" len="med"/>
+                    </a:lnT>
+                    <a:lnB w="7620" cap="flat" cmpd="sng" algn="ctr">
+                      <a:solidFill>
+                        <a:srgbClr val="DDDDDD"/>
+                      </a:solidFill>
+                      <a:prstDash val="solid"/>
+                      <a:round/>
+                      <a:headEnd type="none" w="med" len="med"/>
+                      <a:tailEnd type="none" w="med" len="med"/>
+                    </a:lnB>
+                    <a:solidFill>
+                      <a:srgbClr val="E7E9EB"/>
+                    </a:solidFill>
+                  </a:tcPr>
+                </a:tc>
+                <a:tc>
+                  <a:txBody>
+                    <a:bodyPr/>
+                    <a:lstStyle/>
+                    <a:p>
+                      <a:pPr algn="l" fontAlgn="t"/>
+                      <a:r>
+                        <a:rPr lang="en-CA" dirty="0">
+                          <a:effectLst/>
+                        </a:rPr>
+                        <a:t>\</a:t>
+                      </a:r>
+                    </a:p>
+                  </a:txBody>
+                  <a:tcPr marL="60960" marR="60960" marT="60960" marB="60960">
+                    <a:lnL w="7620" cap="flat" cmpd="sng" algn="ctr">
+                      <a:solidFill>
+                        <a:srgbClr val="CCCCCC"/>
+                      </a:solidFill>
+                      <a:prstDash val="solid"/>
+                      <a:round/>
+                      <a:headEnd type="none" w="med" len="med"/>
+                      <a:tailEnd type="none" w="med" len="med"/>
+                    </a:lnL>
+                    <a:lnR w="7620" cap="flat" cmpd="sng" algn="ctr">
+                      <a:solidFill>
+                        <a:srgbClr val="CCCCCC"/>
+                      </a:solidFill>
+                      <a:prstDash val="solid"/>
+                      <a:round/>
+                      <a:headEnd type="none" w="med" len="med"/>
+                      <a:tailEnd type="none" w="med" len="med"/>
+                    </a:lnR>
+                    <a:lnT w="7620" cap="flat" cmpd="sng" algn="ctr">
+                      <a:solidFill>
+                        <a:srgbClr val="CCCCCC"/>
+                      </a:solidFill>
+                      <a:prstDash val="solid"/>
+                      <a:round/>
+                      <a:headEnd type="none" w="med" len="med"/>
+                      <a:tailEnd type="none" w="med" len="med"/>
+                    </a:lnT>
+                    <a:lnB w="7620" cap="flat" cmpd="sng" algn="ctr">
+                      <a:solidFill>
+                        <a:srgbClr val="DDDDDD"/>
+                      </a:solidFill>
+                      <a:prstDash val="solid"/>
+                      <a:round/>
+                      <a:headEnd type="none" w="med" len="med"/>
+                      <a:tailEnd type="none" w="med" len="med"/>
+                    </a:lnB>
+                    <a:solidFill>
+                      <a:srgbClr val="E7E9EB"/>
+                    </a:solidFill>
+                  </a:tcPr>
+                </a:tc>
+                <a:tc>
+                  <a:txBody>
+                    <a:bodyPr/>
+                    <a:lstStyle/>
+                    <a:p>
+                      <a:pPr algn="l" fontAlgn="t"/>
+                      <a:r>
+                        <a:rPr lang="en-CA" dirty="0">
+                          <a:effectLst/>
+                        </a:rPr>
+                        <a:t>Backslash</a:t>
+                      </a:r>
+                    </a:p>
+                  </a:txBody>
+                  <a:tcPr marL="60960" marR="60960" marT="60960" marB="60960">
+                    <a:lnL w="7620" cap="flat" cmpd="sng" algn="ctr">
+                      <a:solidFill>
+                        <a:srgbClr val="CCCCCC"/>
+                      </a:solidFill>
+                      <a:prstDash val="solid"/>
+                      <a:round/>
+                      <a:headEnd type="none" w="med" len="med"/>
+                      <a:tailEnd type="none" w="med" len="med"/>
+                    </a:lnL>
+                    <a:lnR w="7620" cap="flat" cmpd="sng" algn="ctr">
+                      <a:solidFill>
+                        <a:srgbClr val="CCCCCC"/>
+                      </a:solidFill>
+                      <a:prstDash val="solid"/>
+                      <a:round/>
+                      <a:headEnd type="none" w="med" len="med"/>
+                      <a:tailEnd type="none" w="med" len="med"/>
+                    </a:lnR>
+                    <a:lnT w="7620" cap="flat" cmpd="sng" algn="ctr">
+                      <a:solidFill>
+                        <a:srgbClr val="CCCCCC"/>
+                      </a:solidFill>
+                      <a:prstDash val="solid"/>
+                      <a:round/>
+                      <a:headEnd type="none" w="med" len="med"/>
+                      <a:tailEnd type="none" w="med" len="med"/>
+                    </a:lnT>
+                    <a:lnB w="7620" cap="flat" cmpd="sng" algn="ctr">
+                      <a:solidFill>
+                        <a:srgbClr val="DDDDDD"/>
+                      </a:solidFill>
+                      <a:prstDash val="solid"/>
+                      <a:round/>
+                      <a:headEnd type="none" w="med" len="med"/>
+                      <a:tailEnd type="none" w="med" len="med"/>
+                    </a:lnB>
+                    <a:solidFill>
+                      <a:srgbClr val="E7E9EB"/>
+                    </a:solidFill>
+                  </a:tcPr>
+                </a:tc>
+                <a:extLst>
+                  <a:ext uri="{0D108BD9-81ED-4DB2-BD59-A6C34878D82A}">
+                    <a16:rowId xmlns:a16="http://schemas.microsoft.com/office/drawing/2014/main" val="2937241460"/>
+                  </a:ext>
+                </a:extLst>
+              </a:tr>
+            </a:tbl>
+          </a:graphicData>
+        </a:graphic>
+      </p:graphicFrame>
+      <p:sp>
+        <p:nvSpPr>
+          <p:cNvPr id="6" name="TextBox 5">
+            <a:extLst>
+              <a:ext uri="{FF2B5EF4-FFF2-40B4-BE49-F238E27FC236}">
+                <a16:creationId xmlns:a16="http://schemas.microsoft.com/office/drawing/2014/main" id="{E1770EC2-6DA8-447C-8FBF-AAFD97520475}"/>
+              </a:ext>
+            </a:extLst>
+          </p:cNvPr>
+          <p:cNvSpPr txBox="1"/>
+          <p:nvPr/>
+        </p:nvSpPr>
+        <p:spPr>
+          <a:xfrm>
+            <a:off x="488272" y="706265"/>
+            <a:ext cx="11230251" cy="3046988"/>
+          </a:xfrm>
+          <a:prstGeom prst="rect">
+            <a:avLst/>
+          </a:prstGeom>
+          <a:noFill/>
+        </p:spPr>
+        <p:txBody>
+          <a:bodyPr wrap="square">
+            <a:spAutoFit/>
+          </a:bodyPr>
+          <a:lstStyle/>
+          <a:p>
+            <a:pPr marL="0" marR="0" lvl="0" indent="0" algn="l" defTabSz="914400" rtl="0" eaLnBrk="0" fontAlgn="base" latinLnBrk="0" hangingPunct="0">
+              <a:lnSpc>
+                <a:spcPct val="100000"/>
+              </a:lnSpc>
+              <a:spcBef>
+                <a:spcPct val="0"/>
+              </a:spcBef>
+              <a:spcAft>
+                <a:spcPct val="0"/>
+              </a:spcAft>
+              <a:buClrTx/>
+              <a:buSzTx/>
+              <a:buFontTx/>
+              <a:buNone/>
+              <a:tabLst/>
+            </a:pPr>
+            <a:r>
+              <a:rPr lang="en-US" altLang="en-US" sz="2400" dirty="0">
+                <a:solidFill>
+                  <a:schemeClr val="bg1"/>
+                </a:solidFill>
+                <a:latin typeface="Verdana" panose="020B0604030504040204" pitchFamily="34" charset="0"/>
+              </a:rPr>
+              <a:t>S</a:t>
+            </a:r>
+            <a:r>
+              <a:rPr kumimoji="0" lang="en-US" altLang="en-US" sz="2400" b="0" i="0" u="none" strike="noStrike" cap="none" normalizeH="0" baseline="0" dirty="0">
+                <a:ln>
+                  <a:noFill/>
+                </a:ln>
+                <a:solidFill>
+                  <a:schemeClr val="bg1"/>
+                </a:solidFill>
+                <a:effectLst/>
+                <a:latin typeface="Verdana" panose="020B0604030504040204" pitchFamily="34" charset="0"/>
+              </a:rPr>
+              <a:t>trings must be written within quotes, JavaScript will misunderstand this string:</a:t>
+            </a:r>
+            <a:endParaRPr kumimoji="0" lang="en-US" altLang="en-US" sz="2400" b="0" i="0" u="none" strike="noStrike" cap="none" normalizeH="0" baseline="0" dirty="0">
+              <a:ln>
+                <a:noFill/>
+              </a:ln>
+              <a:solidFill>
+                <a:schemeClr val="bg1"/>
+              </a:solidFill>
+              <a:effectLst/>
+            </a:endParaRPr>
+          </a:p>
+          <a:p>
+            <a:pPr marL="0" marR="0" lvl="0" indent="0" algn="l" defTabSz="914400" rtl="0" eaLnBrk="0" fontAlgn="base" latinLnBrk="0" hangingPunct="0">
+              <a:lnSpc>
+                <a:spcPct val="100000"/>
+              </a:lnSpc>
+              <a:spcBef>
+                <a:spcPct val="0"/>
+              </a:spcBef>
+              <a:spcAft>
+                <a:spcPct val="0"/>
+              </a:spcAft>
+              <a:buClrTx/>
+              <a:buSzTx/>
+              <a:buFontTx/>
+              <a:buNone/>
+              <a:tabLst/>
+            </a:pPr>
+            <a:r>
+              <a:rPr kumimoji="0" lang="en-US" altLang="en-US" sz="2400" b="0" i="0" u="none" strike="noStrike" cap="none" normalizeH="0" baseline="0" dirty="0">
+                <a:ln>
+                  <a:noFill/>
+                </a:ln>
+                <a:solidFill>
+                  <a:srgbClr val="FFFF00"/>
+                </a:solidFill>
+                <a:effectLst/>
+                <a:latin typeface="Consolas" panose="020B0609020204030204" pitchFamily="49" charset="0"/>
+              </a:rPr>
+              <a:t>let text = "We are the so-called "Vikings" from the north.";</a:t>
+            </a:r>
+            <a:br>
+              <a:rPr kumimoji="0" lang="en-US" altLang="en-US" sz="2400" b="0" i="0" u="none" strike="noStrike" cap="none" normalizeH="0" baseline="0" dirty="0">
+                <a:ln>
+                  <a:noFill/>
+                </a:ln>
+                <a:solidFill>
+                  <a:schemeClr val="bg1"/>
+                </a:solidFill>
+                <a:effectLst/>
+                <a:latin typeface="Consolas" panose="020B0609020204030204" pitchFamily="49" charset="0"/>
+              </a:rPr>
+            </a:br>
+            <a:endParaRPr kumimoji="0" lang="en-US" altLang="en-US" sz="2400" b="0" i="0" u="none" strike="noStrike" cap="none" normalizeH="0" baseline="0" dirty="0">
+              <a:ln>
+                <a:noFill/>
+              </a:ln>
+              <a:solidFill>
+                <a:schemeClr val="bg1"/>
+              </a:solidFill>
+              <a:effectLst/>
+            </a:endParaRPr>
+          </a:p>
+          <a:p>
+            <a:pPr marL="0" marR="0" lvl="0" indent="0" algn="l" defTabSz="914400" rtl="0" eaLnBrk="0" fontAlgn="base" latinLnBrk="0" hangingPunct="0">
+              <a:lnSpc>
+                <a:spcPct val="100000"/>
+              </a:lnSpc>
+              <a:spcBef>
+                <a:spcPct val="0"/>
+              </a:spcBef>
+              <a:spcAft>
+                <a:spcPct val="0"/>
+              </a:spcAft>
+              <a:buClrTx/>
+              <a:buSzTx/>
+              <a:buFontTx/>
+              <a:buNone/>
+              <a:tabLst/>
+            </a:pPr>
+            <a:r>
+              <a:rPr kumimoji="0" lang="en-US" altLang="en-US" sz="2400" b="0" i="0" u="none" strike="noStrike" cap="none" normalizeH="0" baseline="0" dirty="0">
+                <a:ln>
+                  <a:noFill/>
+                </a:ln>
+                <a:solidFill>
+                  <a:schemeClr val="bg1"/>
+                </a:solidFill>
+                <a:effectLst/>
+                <a:latin typeface="Verdana" panose="020B0604030504040204" pitchFamily="34" charset="0"/>
+              </a:rPr>
+              <a:t>The string will be chopped to </a:t>
+            </a:r>
+            <a:r>
+              <a:rPr kumimoji="0" lang="en-US" altLang="en-US" sz="2400" b="0" i="0" u="none" strike="noStrike" cap="none" normalizeH="0" baseline="0" dirty="0">
+                <a:ln>
+                  <a:noFill/>
+                </a:ln>
+                <a:solidFill>
+                  <a:srgbClr val="FFFF00"/>
+                </a:solidFill>
+                <a:effectLst/>
+                <a:latin typeface="Verdana" panose="020B0604030504040204" pitchFamily="34" charset="0"/>
+              </a:rPr>
+              <a:t>"We are the so-called "</a:t>
+            </a:r>
+            <a:r>
+              <a:rPr kumimoji="0" lang="en-US" altLang="en-US" sz="2400" b="0" i="0" u="none" strike="noStrike" cap="none" normalizeH="0" baseline="0" dirty="0">
+                <a:ln>
+                  <a:noFill/>
+                </a:ln>
+                <a:solidFill>
+                  <a:schemeClr val="bg1"/>
+                </a:solidFill>
+                <a:effectLst/>
+                <a:latin typeface="Verdana" panose="020B0604030504040204" pitchFamily="34" charset="0"/>
+              </a:rPr>
+              <a:t>.</a:t>
+            </a:r>
+            <a:endParaRPr kumimoji="0" lang="en-US" altLang="en-US" sz="2400" b="0" i="0" u="none" strike="noStrike" cap="none" normalizeH="0" baseline="0" dirty="0">
+              <a:ln>
+                <a:noFill/>
+              </a:ln>
+              <a:solidFill>
+                <a:schemeClr val="bg1"/>
+              </a:solidFill>
+              <a:effectLst/>
+            </a:endParaRPr>
+          </a:p>
+          <a:p>
+            <a:pPr marL="0" marR="0" lvl="0" indent="0" algn="l" defTabSz="914400" rtl="0" eaLnBrk="0" fontAlgn="base" latinLnBrk="0" hangingPunct="0">
+              <a:lnSpc>
+                <a:spcPct val="100000"/>
+              </a:lnSpc>
+              <a:spcBef>
+                <a:spcPct val="0"/>
+              </a:spcBef>
+              <a:spcAft>
+                <a:spcPct val="0"/>
+              </a:spcAft>
+              <a:buClrTx/>
+              <a:buSzTx/>
+              <a:buFontTx/>
+              <a:buNone/>
+              <a:tabLst/>
+            </a:pPr>
+            <a:r>
+              <a:rPr lang="en-US" altLang="en-US" sz="2400" dirty="0">
+                <a:solidFill>
+                  <a:schemeClr val="bg1"/>
+                </a:solidFill>
+                <a:latin typeface="Verdana" panose="020B0604030504040204" pitchFamily="34" charset="0"/>
+              </a:rPr>
+              <a:t>To </a:t>
+            </a:r>
+            <a:r>
+              <a:rPr kumimoji="0" lang="en-US" altLang="en-US" sz="2400" b="0" i="0" u="none" strike="noStrike" cap="none" normalizeH="0" baseline="0" dirty="0">
+                <a:ln>
+                  <a:noFill/>
+                </a:ln>
+                <a:solidFill>
+                  <a:schemeClr val="bg1"/>
+                </a:solidFill>
+                <a:effectLst/>
+                <a:latin typeface="Verdana" panose="020B0604030504040204" pitchFamily="34" charset="0"/>
+              </a:rPr>
+              <a:t>avoid this problem</a:t>
+            </a:r>
+            <a:r>
+              <a:rPr lang="en-US" altLang="en-US" sz="2400" dirty="0">
+                <a:solidFill>
+                  <a:schemeClr val="bg1"/>
+                </a:solidFill>
+                <a:latin typeface="Verdana" panose="020B0604030504040204" pitchFamily="34" charset="0"/>
+              </a:rPr>
+              <a:t> and </a:t>
+            </a:r>
+            <a:r>
+              <a:rPr kumimoji="0" lang="en-US" altLang="en-US" sz="2400" b="0" i="0" u="none" strike="noStrike" cap="none" normalizeH="0" baseline="0" dirty="0">
+                <a:ln>
+                  <a:noFill/>
+                </a:ln>
+                <a:solidFill>
+                  <a:schemeClr val="bg1"/>
+                </a:solidFill>
+                <a:effectLst/>
+                <a:latin typeface="Verdana" panose="020B0604030504040204" pitchFamily="34" charset="0"/>
+              </a:rPr>
+              <a:t>use the </a:t>
+            </a:r>
+            <a:r>
+              <a:rPr kumimoji="0" lang="en-US" altLang="en-US" sz="2400" b="1" i="0" u="none" strike="noStrike" cap="none" normalizeH="0" baseline="0" dirty="0">
+                <a:ln>
+                  <a:noFill/>
+                </a:ln>
+                <a:solidFill>
+                  <a:schemeClr val="bg1"/>
+                </a:solidFill>
+                <a:effectLst/>
+                <a:latin typeface="Verdana" panose="020B0604030504040204" pitchFamily="34" charset="0"/>
+              </a:rPr>
+              <a:t>backslash escape character</a:t>
+            </a:r>
+            <a:r>
+              <a:rPr kumimoji="0" lang="en-US" altLang="en-US" sz="2400" b="0" i="0" u="none" strike="noStrike" cap="none" normalizeH="0" baseline="0" dirty="0">
+                <a:ln>
+                  <a:noFill/>
+                </a:ln>
+                <a:solidFill>
+                  <a:schemeClr val="bg1"/>
+                </a:solidFill>
+                <a:effectLst/>
+                <a:latin typeface="Verdana" panose="020B0604030504040204" pitchFamily="34" charset="0"/>
+              </a:rPr>
+              <a:t>.</a:t>
+            </a:r>
+            <a:endParaRPr kumimoji="0" lang="en-US" altLang="en-US" sz="2400" b="0" i="0" u="none" strike="noStrike" cap="none" normalizeH="0" baseline="0" dirty="0">
+              <a:ln>
+                <a:noFill/>
+              </a:ln>
+              <a:solidFill>
+                <a:schemeClr val="bg1"/>
+              </a:solidFill>
+              <a:effectLst/>
+            </a:endParaRPr>
+          </a:p>
+          <a:p>
+            <a:pPr marL="0" marR="0" lvl="0" indent="0" algn="l" defTabSz="914400" rtl="0" eaLnBrk="0" fontAlgn="base" latinLnBrk="0" hangingPunct="0">
+              <a:lnSpc>
+                <a:spcPct val="100000"/>
+              </a:lnSpc>
+              <a:spcBef>
+                <a:spcPct val="0"/>
+              </a:spcBef>
+              <a:spcAft>
+                <a:spcPct val="0"/>
+              </a:spcAft>
+              <a:buClrTx/>
+              <a:buSzTx/>
+              <a:buFontTx/>
+              <a:buNone/>
+              <a:tabLst/>
+            </a:pPr>
+            <a:r>
+              <a:rPr kumimoji="0" lang="en-US" altLang="en-US" sz="2400" b="0" i="0" u="none" strike="noStrike" cap="none" normalizeH="0" baseline="0" dirty="0">
+                <a:ln>
+                  <a:noFill/>
+                </a:ln>
+                <a:solidFill>
+                  <a:schemeClr val="bg1"/>
+                </a:solidFill>
+                <a:effectLst/>
+                <a:latin typeface="Verdana" panose="020B0604030504040204" pitchFamily="34" charset="0"/>
+              </a:rPr>
+              <a:t>The backslash (</a:t>
+            </a:r>
+            <a:r>
+              <a:rPr kumimoji="0" lang="en-US" altLang="en-US" sz="2400" b="0" i="0" u="none" strike="noStrike" cap="none" normalizeH="0" baseline="0" dirty="0">
+                <a:ln>
+                  <a:noFill/>
+                </a:ln>
+                <a:solidFill>
+                  <a:schemeClr val="bg1"/>
+                </a:solidFill>
+                <a:effectLst/>
+                <a:latin typeface="Consolas" panose="020B0609020204030204" pitchFamily="49" charset="0"/>
+              </a:rPr>
+              <a:t>\</a:t>
+            </a:r>
+            <a:r>
+              <a:rPr kumimoji="0" lang="en-US" altLang="en-US" sz="2400" b="0" i="0" u="none" strike="noStrike" cap="none" normalizeH="0" baseline="0" dirty="0">
+                <a:ln>
+                  <a:noFill/>
+                </a:ln>
+                <a:solidFill>
+                  <a:schemeClr val="bg1"/>
+                </a:solidFill>
+                <a:effectLst/>
+                <a:latin typeface="Verdana" panose="020B0604030504040204" pitchFamily="34" charset="0"/>
+              </a:rPr>
+              <a:t>) escape character turns special characters into string characters:</a:t>
+            </a:r>
+            <a:endParaRPr kumimoji="0" lang="en-US" altLang="en-US" sz="2400" b="0" i="0" u="none" strike="noStrike" cap="none" normalizeH="0" baseline="0" dirty="0">
+              <a:ln>
+                <a:noFill/>
+              </a:ln>
+              <a:solidFill>
+                <a:schemeClr val="bg1"/>
+              </a:solidFill>
+              <a:effectLst/>
+            </a:endParaRPr>
+          </a:p>
+        </p:txBody>
+      </p:sp>
     </p:spTree>
     <p:extLst>
       <p:ext uri="{BB962C8B-B14F-4D97-AF65-F5344CB8AC3E}">
@@ -10361,6 +11481,5673 @@
 </file>
 
 <file path=ppt/slides/slide18.xml><?xml version="1.0" encoding="utf-8"?>
+<p:sld xmlns:a="http://schemas.openxmlformats.org/drawingml/2006/main" xmlns:r="http://schemas.openxmlformats.org/officeDocument/2006/relationships" xmlns:p="http://schemas.openxmlformats.org/presentationml/2006/main">
+  <p:cSld>
+    <p:spTree>
+      <p:nvGrpSpPr>
+        <p:cNvPr id="1" name=""/>
+        <p:cNvGrpSpPr/>
+        <p:nvPr/>
+      </p:nvGrpSpPr>
+      <p:grpSpPr>
+        <a:xfrm>
+          <a:off x="0" y="0"/>
+          <a:ext cx="0" cy="0"/>
+          <a:chOff x="0" y="0"/>
+          <a:chExt cx="0" cy="0"/>
+        </a:xfrm>
+      </p:grpSpPr>
+      <p:sp>
+        <p:nvSpPr>
+          <p:cNvPr id="2" name="文本框 1"/>
+          <p:cNvSpPr txBox="1"/>
+          <p:nvPr/>
+        </p:nvSpPr>
+        <p:spPr>
+          <a:xfrm>
+            <a:off x="2234444" y="218395"/>
+            <a:ext cx="2989943" cy="4702810"/>
+          </a:xfrm>
+          <a:prstGeom prst="rect">
+            <a:avLst/>
+          </a:prstGeom>
+          <a:noFill/>
+          <a:ln>
+            <a:noFill/>
+          </a:ln>
+        </p:spPr>
+        <p:txBody>
+          <a:bodyPr wrap="square" rtlCol="0">
+            <a:spAutoFit/>
+          </a:bodyPr>
+          <a:lstStyle/>
+          <a:p>
+            <a:r>
+              <a:rPr lang="en-US" sz="30000" b="1" dirty="0">
+                <a:ln>
+                  <a:solidFill>
+                    <a:schemeClr val="bg1">
+                      <a:alpha val="50000"/>
+                    </a:schemeClr>
+                  </a:solidFill>
+                </a:ln>
+                <a:solidFill>
+                  <a:schemeClr val="bg1">
+                    <a:alpha val="20000"/>
+                  </a:schemeClr>
+                </a:solidFill>
+              </a:rPr>
+              <a:t>4</a:t>
+            </a:r>
+          </a:p>
+        </p:txBody>
+      </p:sp>
+      <p:sp>
+        <p:nvSpPr>
+          <p:cNvPr id="49" name="文本框 48"/>
+          <p:cNvSpPr txBox="1"/>
+          <p:nvPr/>
+        </p:nvSpPr>
+        <p:spPr>
+          <a:xfrm>
+            <a:off x="5007007" y="2166757"/>
+            <a:ext cx="5060272" cy="923330"/>
+          </a:xfrm>
+          <a:prstGeom prst="rect">
+            <a:avLst/>
+          </a:prstGeom>
+          <a:noFill/>
+        </p:spPr>
+        <p:txBody>
+          <a:bodyPr wrap="square" rtlCol="0">
+            <a:spAutoFit/>
+          </a:bodyPr>
+          <a:lstStyle/>
+          <a:p>
+            <a:r>
+              <a:rPr lang="en-US" altLang="zh-CN" sz="5400" b="1" dirty="0">
+                <a:solidFill>
+                  <a:schemeClr val="bg1"/>
+                </a:solidFill>
+                <a:ea typeface="微软雅黑" panose="020B0503020204020204" pitchFamily="34" charset="-122"/>
+              </a:rPr>
+              <a:t>String Methods</a:t>
+            </a:r>
+            <a:endParaRPr lang="zh-CN" altLang="en-US" sz="5400" b="1" dirty="0">
+              <a:solidFill>
+                <a:schemeClr val="bg1"/>
+              </a:solidFill>
+              <a:ea typeface="微软雅黑" panose="020B0503020204020204" pitchFamily="34" charset="-122"/>
+            </a:endParaRPr>
+          </a:p>
+        </p:txBody>
+      </p:sp>
+      <p:sp>
+        <p:nvSpPr>
+          <p:cNvPr id="50" name="椭圆 49"/>
+          <p:cNvSpPr/>
+          <p:nvPr/>
+        </p:nvSpPr>
+        <p:spPr>
+          <a:xfrm>
+            <a:off x="3966788" y="2962995"/>
+            <a:ext cx="296849" cy="297371"/>
+          </a:xfrm>
+          <a:prstGeom prst="ellipse">
+            <a:avLst/>
+          </a:prstGeom>
+          <a:gradFill flip="none" rotWithShape="1">
+            <a:gsLst>
+              <a:gs pos="0">
+                <a:schemeClr val="bg1"/>
+              </a:gs>
+              <a:gs pos="58000">
+                <a:srgbClr val="FBFDFE">
+                  <a:alpha val="20000"/>
+                </a:srgbClr>
+              </a:gs>
+              <a:gs pos="100000">
+                <a:schemeClr val="bg1">
+                  <a:alpha val="0"/>
+                </a:schemeClr>
+              </a:gs>
+            </a:gsLst>
+            <a:path path="shape">
+              <a:fillToRect l="50000" t="50000" r="50000" b="50000"/>
+            </a:path>
+            <a:tileRect/>
+          </a:gradFill>
+          <a:ln>
+            <a:noFill/>
+          </a:ln>
+          <a:effectLst>
+            <a:softEdge rad="12700"/>
+          </a:effectLst>
+        </p:spPr>
+        <p:style>
+          <a:lnRef idx="2">
+            <a:schemeClr val="accent1">
+              <a:shade val="50000"/>
+            </a:schemeClr>
+          </a:lnRef>
+          <a:fillRef idx="1">
+            <a:schemeClr val="accent1"/>
+          </a:fillRef>
+          <a:effectRef idx="0">
+            <a:schemeClr val="accent1"/>
+          </a:effectRef>
+          <a:fontRef idx="minor">
+            <a:schemeClr val="lt1"/>
+          </a:fontRef>
+        </p:style>
+        <p:txBody>
+          <a:bodyPr rtlCol="0" anchor="ctr"/>
+          <a:lstStyle/>
+          <a:p>
+            <a:pPr algn="ctr"/>
+            <a:endParaRPr lang="zh-CN" altLang="en-US" dirty="0">
+              <a:ea typeface="微软雅黑" panose="020B0503020204020204" pitchFamily="34" charset="-122"/>
+            </a:endParaRPr>
+          </a:p>
+        </p:txBody>
+      </p:sp>
+      <p:sp>
+        <p:nvSpPr>
+          <p:cNvPr id="51" name="椭圆 50"/>
+          <p:cNvSpPr/>
+          <p:nvPr/>
+        </p:nvSpPr>
+        <p:spPr>
+          <a:xfrm>
+            <a:off x="5112315" y="3016095"/>
+            <a:ext cx="395208" cy="395905"/>
+          </a:xfrm>
+          <a:prstGeom prst="ellipse">
+            <a:avLst/>
+          </a:prstGeom>
+          <a:gradFill flip="none" rotWithShape="1">
+            <a:gsLst>
+              <a:gs pos="0">
+                <a:schemeClr val="bg1"/>
+              </a:gs>
+              <a:gs pos="60000">
+                <a:srgbClr val="FBFDFE">
+                  <a:alpha val="20000"/>
+                </a:srgbClr>
+              </a:gs>
+              <a:gs pos="100000">
+                <a:schemeClr val="bg1">
+                  <a:alpha val="0"/>
+                </a:schemeClr>
+              </a:gs>
+            </a:gsLst>
+            <a:path path="shape">
+              <a:fillToRect l="50000" t="50000" r="50000" b="50000"/>
+            </a:path>
+            <a:tileRect/>
+          </a:gradFill>
+          <a:ln>
+            <a:noFill/>
+          </a:ln>
+          <a:effectLst>
+            <a:softEdge rad="12700"/>
+          </a:effectLst>
+        </p:spPr>
+        <p:style>
+          <a:lnRef idx="2">
+            <a:schemeClr val="accent1">
+              <a:shade val="50000"/>
+            </a:schemeClr>
+          </a:lnRef>
+          <a:fillRef idx="1">
+            <a:schemeClr val="accent1"/>
+          </a:fillRef>
+          <a:effectRef idx="0">
+            <a:schemeClr val="accent1"/>
+          </a:effectRef>
+          <a:fontRef idx="minor">
+            <a:schemeClr val="lt1"/>
+          </a:fontRef>
+        </p:style>
+        <p:txBody>
+          <a:bodyPr rtlCol="0" anchor="ctr"/>
+          <a:lstStyle/>
+          <a:p>
+            <a:pPr algn="ctr"/>
+            <a:endParaRPr lang="zh-CN" altLang="en-US" dirty="0">
+              <a:ea typeface="微软雅黑" panose="020B0503020204020204" pitchFamily="34" charset="-122"/>
+            </a:endParaRPr>
+          </a:p>
+        </p:txBody>
+      </p:sp>
+      <p:sp>
+        <p:nvSpPr>
+          <p:cNvPr id="52" name="椭圆 51"/>
+          <p:cNvSpPr/>
+          <p:nvPr/>
+        </p:nvSpPr>
+        <p:spPr>
+          <a:xfrm>
+            <a:off x="6203238" y="3065362"/>
+            <a:ext cx="296849" cy="297371"/>
+          </a:xfrm>
+          <a:prstGeom prst="ellipse">
+            <a:avLst/>
+          </a:prstGeom>
+          <a:gradFill flip="none" rotWithShape="1">
+            <a:gsLst>
+              <a:gs pos="0">
+                <a:schemeClr val="bg1"/>
+              </a:gs>
+              <a:gs pos="58000">
+                <a:srgbClr val="FBFDFE">
+                  <a:alpha val="20000"/>
+                </a:srgbClr>
+              </a:gs>
+              <a:gs pos="100000">
+                <a:schemeClr val="bg1">
+                  <a:alpha val="0"/>
+                </a:schemeClr>
+              </a:gs>
+            </a:gsLst>
+            <a:path path="shape">
+              <a:fillToRect l="50000" t="50000" r="50000" b="50000"/>
+            </a:path>
+            <a:tileRect/>
+          </a:gradFill>
+          <a:ln>
+            <a:noFill/>
+          </a:ln>
+          <a:effectLst>
+            <a:softEdge rad="12700"/>
+          </a:effectLst>
+        </p:spPr>
+        <p:style>
+          <a:lnRef idx="2">
+            <a:schemeClr val="accent1">
+              <a:shade val="50000"/>
+            </a:schemeClr>
+          </a:lnRef>
+          <a:fillRef idx="1">
+            <a:schemeClr val="accent1"/>
+          </a:fillRef>
+          <a:effectRef idx="0">
+            <a:schemeClr val="accent1"/>
+          </a:effectRef>
+          <a:fontRef idx="minor">
+            <a:schemeClr val="lt1"/>
+          </a:fontRef>
+        </p:style>
+        <p:txBody>
+          <a:bodyPr rtlCol="0" anchor="ctr"/>
+          <a:lstStyle/>
+          <a:p>
+            <a:pPr algn="ctr"/>
+            <a:endParaRPr lang="zh-CN" altLang="en-US" dirty="0">
+              <a:ea typeface="微软雅黑" panose="020B0503020204020204" pitchFamily="34" charset="-122"/>
+            </a:endParaRPr>
+          </a:p>
+        </p:txBody>
+      </p:sp>
+      <p:sp>
+        <p:nvSpPr>
+          <p:cNvPr id="56" name="椭圆 55"/>
+          <p:cNvSpPr/>
+          <p:nvPr/>
+        </p:nvSpPr>
+        <p:spPr>
+          <a:xfrm>
+            <a:off x="8516863" y="3065362"/>
+            <a:ext cx="296849" cy="297371"/>
+          </a:xfrm>
+          <a:prstGeom prst="ellipse">
+            <a:avLst/>
+          </a:prstGeom>
+          <a:gradFill flip="none" rotWithShape="1">
+            <a:gsLst>
+              <a:gs pos="0">
+                <a:schemeClr val="bg1"/>
+              </a:gs>
+              <a:gs pos="58000">
+                <a:srgbClr val="FBFDFE">
+                  <a:alpha val="20000"/>
+                </a:srgbClr>
+              </a:gs>
+              <a:gs pos="100000">
+                <a:schemeClr val="bg1">
+                  <a:alpha val="0"/>
+                </a:schemeClr>
+              </a:gs>
+            </a:gsLst>
+            <a:path path="shape">
+              <a:fillToRect l="50000" t="50000" r="50000" b="50000"/>
+            </a:path>
+            <a:tileRect/>
+          </a:gradFill>
+          <a:ln>
+            <a:noFill/>
+          </a:ln>
+          <a:effectLst>
+            <a:softEdge rad="12700"/>
+          </a:effectLst>
+        </p:spPr>
+        <p:style>
+          <a:lnRef idx="2">
+            <a:schemeClr val="accent1">
+              <a:shade val="50000"/>
+            </a:schemeClr>
+          </a:lnRef>
+          <a:fillRef idx="1">
+            <a:schemeClr val="accent1"/>
+          </a:fillRef>
+          <a:effectRef idx="0">
+            <a:schemeClr val="accent1"/>
+          </a:effectRef>
+          <a:fontRef idx="minor">
+            <a:schemeClr val="lt1"/>
+          </a:fontRef>
+        </p:style>
+        <p:txBody>
+          <a:bodyPr rtlCol="0" anchor="ctr"/>
+          <a:lstStyle/>
+          <a:p>
+            <a:pPr algn="ctr"/>
+            <a:endParaRPr lang="zh-CN" altLang="en-US" dirty="0">
+              <a:ea typeface="微软雅黑" panose="020B0503020204020204" pitchFamily="34" charset="-122"/>
+            </a:endParaRPr>
+          </a:p>
+        </p:txBody>
+      </p:sp>
+      <p:sp>
+        <p:nvSpPr>
+          <p:cNvPr id="57" name="椭圆 56"/>
+          <p:cNvSpPr/>
+          <p:nvPr/>
+        </p:nvSpPr>
+        <p:spPr>
+          <a:xfrm>
+            <a:off x="7296355" y="3016095"/>
+            <a:ext cx="395208" cy="395905"/>
+          </a:xfrm>
+          <a:prstGeom prst="ellipse">
+            <a:avLst/>
+          </a:prstGeom>
+          <a:gradFill flip="none" rotWithShape="1">
+            <a:gsLst>
+              <a:gs pos="0">
+                <a:schemeClr val="bg1"/>
+              </a:gs>
+              <a:gs pos="60000">
+                <a:srgbClr val="FBFDFE">
+                  <a:alpha val="20000"/>
+                </a:srgbClr>
+              </a:gs>
+              <a:gs pos="100000">
+                <a:schemeClr val="bg1">
+                  <a:alpha val="0"/>
+                </a:schemeClr>
+              </a:gs>
+            </a:gsLst>
+            <a:path path="shape">
+              <a:fillToRect l="50000" t="50000" r="50000" b="50000"/>
+            </a:path>
+            <a:tileRect/>
+          </a:gradFill>
+          <a:ln>
+            <a:noFill/>
+          </a:ln>
+          <a:effectLst>
+            <a:softEdge rad="12700"/>
+          </a:effectLst>
+        </p:spPr>
+        <p:style>
+          <a:lnRef idx="2">
+            <a:schemeClr val="accent1">
+              <a:shade val="50000"/>
+            </a:schemeClr>
+          </a:lnRef>
+          <a:fillRef idx="1">
+            <a:schemeClr val="accent1"/>
+          </a:fillRef>
+          <a:effectRef idx="0">
+            <a:schemeClr val="accent1"/>
+          </a:effectRef>
+          <a:fontRef idx="minor">
+            <a:schemeClr val="lt1"/>
+          </a:fontRef>
+        </p:style>
+        <p:txBody>
+          <a:bodyPr rtlCol="0" anchor="ctr"/>
+          <a:lstStyle/>
+          <a:p>
+            <a:pPr algn="ctr"/>
+            <a:endParaRPr lang="zh-CN" altLang="en-US" dirty="0">
+              <a:ea typeface="微软雅黑" panose="020B0503020204020204" pitchFamily="34" charset="-122"/>
+            </a:endParaRPr>
+          </a:p>
+        </p:txBody>
+      </p:sp>
+      <p:cxnSp>
+        <p:nvCxnSpPr>
+          <p:cNvPr id="58" name="直接连接符 57"/>
+          <p:cNvCxnSpPr>
+            <a:stCxn id="50" idx="6"/>
+          </p:cNvCxnSpPr>
+          <p:nvPr/>
+        </p:nvCxnSpPr>
+        <p:spPr>
+          <a:xfrm flipV="1">
+            <a:off x="4263637" y="3125648"/>
+            <a:ext cx="671649" cy="3"/>
+          </a:xfrm>
+          <a:prstGeom prst="line">
+            <a:avLst/>
+          </a:prstGeom>
+          <a:noFill/>
+          <a:ln w="635">
+            <a:solidFill>
+              <a:schemeClr val="bg1">
+                <a:alpha val="30000"/>
+              </a:schemeClr>
+            </a:solidFill>
+          </a:ln>
+        </p:spPr>
+        <p:style>
+          <a:lnRef idx="1">
+            <a:schemeClr val="accent1"/>
+          </a:lnRef>
+          <a:fillRef idx="0">
+            <a:schemeClr val="accent1"/>
+          </a:fillRef>
+          <a:effectRef idx="0">
+            <a:schemeClr val="accent1"/>
+          </a:effectRef>
+          <a:fontRef idx="minor">
+            <a:schemeClr val="tx1"/>
+          </a:fontRef>
+        </p:style>
+      </p:cxnSp>
+      <p:cxnSp>
+        <p:nvCxnSpPr>
+          <p:cNvPr id="59" name="直接连接符 58"/>
+          <p:cNvCxnSpPr>
+            <a:stCxn id="51" idx="6"/>
+            <a:endCxn id="52" idx="2"/>
+          </p:cNvCxnSpPr>
+          <p:nvPr/>
+        </p:nvCxnSpPr>
+        <p:spPr>
+          <a:xfrm flipV="1">
+            <a:off x="5507523" y="3228018"/>
+            <a:ext cx="695960" cy="635"/>
+          </a:xfrm>
+          <a:prstGeom prst="line">
+            <a:avLst/>
+          </a:prstGeom>
+          <a:noFill/>
+          <a:ln w="635">
+            <a:solidFill>
+              <a:schemeClr val="bg1">
+                <a:alpha val="30000"/>
+              </a:schemeClr>
+            </a:solidFill>
+          </a:ln>
+        </p:spPr>
+        <p:style>
+          <a:lnRef idx="1">
+            <a:schemeClr val="accent1"/>
+          </a:lnRef>
+          <a:fillRef idx="0">
+            <a:schemeClr val="accent1"/>
+          </a:fillRef>
+          <a:effectRef idx="0">
+            <a:schemeClr val="accent1"/>
+          </a:effectRef>
+          <a:fontRef idx="minor">
+            <a:schemeClr val="tx1"/>
+          </a:fontRef>
+        </p:style>
+      </p:cxnSp>
+      <p:cxnSp>
+        <p:nvCxnSpPr>
+          <p:cNvPr id="61" name="直接连接符 60"/>
+          <p:cNvCxnSpPr>
+            <a:stCxn id="52" idx="6"/>
+            <a:endCxn id="57" idx="2"/>
+          </p:cNvCxnSpPr>
+          <p:nvPr/>
+        </p:nvCxnSpPr>
+        <p:spPr>
+          <a:xfrm>
+            <a:off x="6500087" y="3228018"/>
+            <a:ext cx="796290" cy="635"/>
+          </a:xfrm>
+          <a:prstGeom prst="line">
+            <a:avLst/>
+          </a:prstGeom>
+          <a:noFill/>
+          <a:ln w="635">
+            <a:solidFill>
+              <a:schemeClr val="bg1">
+                <a:alpha val="30000"/>
+              </a:schemeClr>
+            </a:solidFill>
+          </a:ln>
+        </p:spPr>
+        <p:style>
+          <a:lnRef idx="1">
+            <a:schemeClr val="accent1"/>
+          </a:lnRef>
+          <a:fillRef idx="0">
+            <a:schemeClr val="accent1"/>
+          </a:fillRef>
+          <a:effectRef idx="0">
+            <a:schemeClr val="accent1"/>
+          </a:effectRef>
+          <a:fontRef idx="minor">
+            <a:schemeClr val="tx1"/>
+          </a:fontRef>
+        </p:style>
+      </p:cxnSp>
+      <p:cxnSp>
+        <p:nvCxnSpPr>
+          <p:cNvPr id="62" name="直接连接符 61"/>
+          <p:cNvCxnSpPr>
+            <a:stCxn id="57" idx="6"/>
+            <a:endCxn id="56" idx="2"/>
+          </p:cNvCxnSpPr>
+          <p:nvPr/>
+        </p:nvCxnSpPr>
+        <p:spPr>
+          <a:xfrm flipV="1">
+            <a:off x="7690928" y="3228018"/>
+            <a:ext cx="825500" cy="635"/>
+          </a:xfrm>
+          <a:prstGeom prst="line">
+            <a:avLst/>
+          </a:prstGeom>
+          <a:noFill/>
+          <a:ln w="635">
+            <a:solidFill>
+              <a:schemeClr val="bg1">
+                <a:alpha val="30000"/>
+              </a:schemeClr>
+            </a:solidFill>
+          </a:ln>
+        </p:spPr>
+        <p:style>
+          <a:lnRef idx="1">
+            <a:schemeClr val="accent1"/>
+          </a:lnRef>
+          <a:fillRef idx="0">
+            <a:schemeClr val="accent1"/>
+          </a:fillRef>
+          <a:effectRef idx="0">
+            <a:schemeClr val="accent1"/>
+          </a:effectRef>
+          <a:fontRef idx="minor">
+            <a:schemeClr val="tx1"/>
+          </a:fontRef>
+        </p:style>
+      </p:cxnSp>
+      <p:sp>
+        <p:nvSpPr>
+          <p:cNvPr id="63" name="椭圆 62"/>
+          <p:cNvSpPr/>
+          <p:nvPr/>
+        </p:nvSpPr>
+        <p:spPr>
+          <a:xfrm>
+            <a:off x="9098029" y="2484967"/>
+            <a:ext cx="395208" cy="395905"/>
+          </a:xfrm>
+          <a:prstGeom prst="ellipse">
+            <a:avLst/>
+          </a:prstGeom>
+          <a:gradFill flip="none" rotWithShape="1">
+            <a:gsLst>
+              <a:gs pos="0">
+                <a:schemeClr val="bg1"/>
+              </a:gs>
+              <a:gs pos="60000">
+                <a:srgbClr val="FBFDFE">
+                  <a:alpha val="20000"/>
+                </a:srgbClr>
+              </a:gs>
+              <a:gs pos="100000">
+                <a:schemeClr val="bg1">
+                  <a:alpha val="0"/>
+                </a:schemeClr>
+              </a:gs>
+            </a:gsLst>
+            <a:path path="shape">
+              <a:fillToRect l="50000" t="50000" r="50000" b="50000"/>
+            </a:path>
+            <a:tileRect/>
+          </a:gradFill>
+          <a:ln>
+            <a:noFill/>
+          </a:ln>
+          <a:effectLst>
+            <a:softEdge rad="12700"/>
+          </a:effectLst>
+        </p:spPr>
+        <p:style>
+          <a:lnRef idx="2">
+            <a:schemeClr val="accent1">
+              <a:shade val="50000"/>
+            </a:schemeClr>
+          </a:lnRef>
+          <a:fillRef idx="1">
+            <a:schemeClr val="accent1"/>
+          </a:fillRef>
+          <a:effectRef idx="0">
+            <a:schemeClr val="accent1"/>
+          </a:effectRef>
+          <a:fontRef idx="minor">
+            <a:schemeClr val="lt1"/>
+          </a:fontRef>
+        </p:style>
+        <p:txBody>
+          <a:bodyPr rtlCol="0" anchor="ctr"/>
+          <a:lstStyle/>
+          <a:p>
+            <a:pPr algn="ctr"/>
+            <a:endParaRPr lang="zh-CN" altLang="en-US" dirty="0">
+              <a:ea typeface="微软雅黑" panose="020B0503020204020204" pitchFamily="34" charset="-122"/>
+            </a:endParaRPr>
+          </a:p>
+        </p:txBody>
+      </p:sp>
+      <p:cxnSp>
+        <p:nvCxnSpPr>
+          <p:cNvPr id="64" name="直接连接符 63"/>
+          <p:cNvCxnSpPr>
+            <a:stCxn id="63" idx="3"/>
+            <a:endCxn id="56" idx="7"/>
+          </p:cNvCxnSpPr>
+          <p:nvPr/>
+        </p:nvCxnSpPr>
+        <p:spPr>
+          <a:xfrm flipH="1">
+            <a:off x="8769826" y="2836228"/>
+            <a:ext cx="386080" cy="286385"/>
+          </a:xfrm>
+          <a:prstGeom prst="line">
+            <a:avLst/>
+          </a:prstGeom>
+          <a:noFill/>
+          <a:ln w="635">
+            <a:solidFill>
+              <a:schemeClr val="bg1">
+                <a:alpha val="30000"/>
+              </a:schemeClr>
+            </a:solidFill>
+          </a:ln>
+        </p:spPr>
+        <p:style>
+          <a:lnRef idx="1">
+            <a:schemeClr val="accent1"/>
+          </a:lnRef>
+          <a:fillRef idx="0">
+            <a:schemeClr val="accent1"/>
+          </a:fillRef>
+          <a:effectRef idx="0">
+            <a:schemeClr val="accent1"/>
+          </a:effectRef>
+          <a:fontRef idx="minor">
+            <a:schemeClr val="tx1"/>
+          </a:fontRef>
+        </p:style>
+      </p:cxnSp>
+    </p:spTree>
+    <p:extLst>
+      <p:ext uri="{BB962C8B-B14F-4D97-AF65-F5344CB8AC3E}">
+        <p14:creationId xmlns:p14="http://schemas.microsoft.com/office/powerpoint/2010/main" val="2902707850"/>
+      </p:ext>
+    </p:extLst>
+  </p:cSld>
+  <p:clrMapOvr>
+    <a:masterClrMapping/>
+  </p:clrMapOvr>
+  <p:transition>
+    <p:fade/>
+  </p:transition>
+  <p:timing>
+    <p:tnLst>
+      <p:par>
+        <p:cTn id="1" dur="indefinite" restart="never" nodeType="tmRoot">
+          <p:childTnLst>
+            <p:seq concurrent="1" nextAc="seek">
+              <p:cTn id="2" dur="indefinite" nodeType="mainSeq">
+                <p:childTnLst>
+                  <p:par>
+                    <p:cTn id="3" fill="hold">
+                      <p:stCondLst>
+                        <p:cond delay="indefinite"/>
+                        <p:cond evt="onBegin" delay="0">
+                          <p:tn val="2"/>
+                        </p:cond>
+                      </p:stCondLst>
+                      <p:childTnLst>
+                        <p:par>
+                          <p:cTn id="4" fill="hold">
+                            <p:stCondLst>
+                              <p:cond delay="0"/>
+                            </p:stCondLst>
+                            <p:childTnLst>
+                              <p:par>
+                                <p:cTn id="5" presetID="10" presetClass="entr" presetSubtype="0" fill="hold" grpId="0" nodeType="afterEffect">
+                                  <p:stCondLst>
+                                    <p:cond delay="0"/>
+                                  </p:stCondLst>
+                                  <p:childTnLst>
+                                    <p:set>
+                                      <p:cBhvr>
+                                        <p:cTn id="6" dur="1" fill="hold">
+                                          <p:stCondLst>
+                                            <p:cond delay="0"/>
+                                          </p:stCondLst>
+                                        </p:cTn>
+                                        <p:tgtEl>
+                                          <p:spTgt spid="2"/>
+                                        </p:tgtEl>
+                                        <p:attrNameLst>
+                                          <p:attrName>style.visibility</p:attrName>
+                                        </p:attrNameLst>
+                                      </p:cBhvr>
+                                      <p:to>
+                                        <p:strVal val="visible"/>
+                                      </p:to>
+                                    </p:set>
+                                    <p:animEffect transition="in" filter="fade">
+                                      <p:cBhvr>
+                                        <p:cTn id="7" dur="500"/>
+                                        <p:tgtEl>
+                                          <p:spTgt spid="2"/>
+                                        </p:tgtEl>
+                                      </p:cBhvr>
+                                    </p:animEffect>
+                                  </p:childTnLst>
+                                </p:cTn>
+                              </p:par>
+                              <p:par>
+                                <p:cTn id="8" presetID="22" presetClass="entr" presetSubtype="2" fill="hold" grpId="0" nodeType="withEffect">
+                                  <p:stCondLst>
+                                    <p:cond delay="1500"/>
+                                  </p:stCondLst>
+                                  <p:childTnLst>
+                                    <p:set>
+                                      <p:cBhvr>
+                                        <p:cTn id="9" dur="1" fill="hold">
+                                          <p:stCondLst>
+                                            <p:cond delay="0"/>
+                                          </p:stCondLst>
+                                        </p:cTn>
+                                        <p:tgtEl>
+                                          <p:spTgt spid="49"/>
+                                        </p:tgtEl>
+                                        <p:attrNameLst>
+                                          <p:attrName>style.visibility</p:attrName>
+                                        </p:attrNameLst>
+                                      </p:cBhvr>
+                                      <p:to>
+                                        <p:strVal val="visible"/>
+                                      </p:to>
+                                    </p:set>
+                                    <p:animEffect transition="in" filter="wipe(right)">
+                                      <p:cBhvr>
+                                        <p:cTn id="10" dur="500"/>
+                                        <p:tgtEl>
+                                          <p:spTgt spid="49"/>
+                                        </p:tgtEl>
+                                      </p:cBhvr>
+                                    </p:animEffect>
+                                  </p:childTnLst>
+                                </p:cTn>
+                              </p:par>
+                              <p:par>
+                                <p:cTn id="11" presetID="10" presetClass="entr" presetSubtype="0" fill="hold" grpId="0" nodeType="withEffect">
+                                  <p:stCondLst>
+                                    <p:cond delay="0"/>
+                                  </p:stCondLst>
+                                  <p:childTnLst>
+                                    <p:set>
+                                      <p:cBhvr>
+                                        <p:cTn id="12" dur="1" fill="hold">
+                                          <p:stCondLst>
+                                            <p:cond delay="0"/>
+                                          </p:stCondLst>
+                                        </p:cTn>
+                                        <p:tgtEl>
+                                          <p:spTgt spid="50"/>
+                                        </p:tgtEl>
+                                        <p:attrNameLst>
+                                          <p:attrName>style.visibility</p:attrName>
+                                        </p:attrNameLst>
+                                      </p:cBhvr>
+                                      <p:to>
+                                        <p:strVal val="visible"/>
+                                      </p:to>
+                                    </p:set>
+                                    <p:animEffect transition="in" filter="fade">
+                                      <p:cBhvr>
+                                        <p:cTn id="13" dur="500"/>
+                                        <p:tgtEl>
+                                          <p:spTgt spid="50"/>
+                                        </p:tgtEl>
+                                      </p:cBhvr>
+                                    </p:animEffect>
+                                  </p:childTnLst>
+                                </p:cTn>
+                              </p:par>
+                            </p:childTnLst>
+                          </p:cTn>
+                        </p:par>
+                        <p:par>
+                          <p:cTn id="14" fill="hold">
+                            <p:stCondLst>
+                              <p:cond delay="500"/>
+                            </p:stCondLst>
+                            <p:childTnLst>
+                              <p:par>
+                                <p:cTn id="15" presetID="22" presetClass="entr" presetSubtype="8" fill="hold" nodeType="afterEffect">
+                                  <p:stCondLst>
+                                    <p:cond delay="0"/>
+                                  </p:stCondLst>
+                                  <p:childTnLst>
+                                    <p:set>
+                                      <p:cBhvr>
+                                        <p:cTn id="16" dur="1" fill="hold">
+                                          <p:stCondLst>
+                                            <p:cond delay="0"/>
+                                          </p:stCondLst>
+                                        </p:cTn>
+                                        <p:tgtEl>
+                                          <p:spTgt spid="58"/>
+                                        </p:tgtEl>
+                                        <p:attrNameLst>
+                                          <p:attrName>style.visibility</p:attrName>
+                                        </p:attrNameLst>
+                                      </p:cBhvr>
+                                      <p:to>
+                                        <p:strVal val="visible"/>
+                                      </p:to>
+                                    </p:set>
+                                    <p:animEffect transition="in" filter="wipe(left)">
+                                      <p:cBhvr>
+                                        <p:cTn id="17" dur="250"/>
+                                        <p:tgtEl>
+                                          <p:spTgt spid="58"/>
+                                        </p:tgtEl>
+                                      </p:cBhvr>
+                                    </p:animEffect>
+                                  </p:childTnLst>
+                                </p:cTn>
+                              </p:par>
+                              <p:par>
+                                <p:cTn id="18" presetID="22" presetClass="entr" presetSubtype="8" fill="hold" nodeType="withEffect">
+                                  <p:stCondLst>
+                                    <p:cond delay="250"/>
+                                  </p:stCondLst>
+                                  <p:childTnLst>
+                                    <p:set>
+                                      <p:cBhvr>
+                                        <p:cTn id="19" dur="1" fill="hold">
+                                          <p:stCondLst>
+                                            <p:cond delay="0"/>
+                                          </p:stCondLst>
+                                        </p:cTn>
+                                        <p:tgtEl>
+                                          <p:spTgt spid="59"/>
+                                        </p:tgtEl>
+                                        <p:attrNameLst>
+                                          <p:attrName>style.visibility</p:attrName>
+                                        </p:attrNameLst>
+                                      </p:cBhvr>
+                                      <p:to>
+                                        <p:strVal val="visible"/>
+                                      </p:to>
+                                    </p:set>
+                                    <p:animEffect transition="in" filter="wipe(left)">
+                                      <p:cBhvr>
+                                        <p:cTn id="20" dur="250"/>
+                                        <p:tgtEl>
+                                          <p:spTgt spid="59"/>
+                                        </p:tgtEl>
+                                      </p:cBhvr>
+                                    </p:animEffect>
+                                  </p:childTnLst>
+                                </p:cTn>
+                              </p:par>
+                              <p:par>
+                                <p:cTn id="21" presetID="10" presetClass="entr" presetSubtype="0" fill="hold" grpId="0" nodeType="withEffect">
+                                  <p:stCondLst>
+                                    <p:cond delay="250"/>
+                                  </p:stCondLst>
+                                  <p:childTnLst>
+                                    <p:set>
+                                      <p:cBhvr>
+                                        <p:cTn id="22" dur="1" fill="hold">
+                                          <p:stCondLst>
+                                            <p:cond delay="0"/>
+                                          </p:stCondLst>
+                                        </p:cTn>
+                                        <p:tgtEl>
+                                          <p:spTgt spid="51"/>
+                                        </p:tgtEl>
+                                        <p:attrNameLst>
+                                          <p:attrName>style.visibility</p:attrName>
+                                        </p:attrNameLst>
+                                      </p:cBhvr>
+                                      <p:to>
+                                        <p:strVal val="visible"/>
+                                      </p:to>
+                                    </p:set>
+                                    <p:animEffect transition="in" filter="fade">
+                                      <p:cBhvr>
+                                        <p:cTn id="23" dur="250"/>
+                                        <p:tgtEl>
+                                          <p:spTgt spid="51"/>
+                                        </p:tgtEl>
+                                      </p:cBhvr>
+                                    </p:animEffect>
+                                  </p:childTnLst>
+                                </p:cTn>
+                              </p:par>
+                              <p:par>
+                                <p:cTn id="24" presetID="22" presetClass="entr" presetSubtype="8" fill="hold" nodeType="withEffect">
+                                  <p:stCondLst>
+                                    <p:cond delay="500"/>
+                                  </p:stCondLst>
+                                  <p:childTnLst>
+                                    <p:set>
+                                      <p:cBhvr>
+                                        <p:cTn id="25" dur="1" fill="hold">
+                                          <p:stCondLst>
+                                            <p:cond delay="0"/>
+                                          </p:stCondLst>
+                                        </p:cTn>
+                                        <p:tgtEl>
+                                          <p:spTgt spid="61"/>
+                                        </p:tgtEl>
+                                        <p:attrNameLst>
+                                          <p:attrName>style.visibility</p:attrName>
+                                        </p:attrNameLst>
+                                      </p:cBhvr>
+                                      <p:to>
+                                        <p:strVal val="visible"/>
+                                      </p:to>
+                                    </p:set>
+                                    <p:animEffect transition="in" filter="wipe(left)">
+                                      <p:cBhvr>
+                                        <p:cTn id="26" dur="250"/>
+                                        <p:tgtEl>
+                                          <p:spTgt spid="61"/>
+                                        </p:tgtEl>
+                                      </p:cBhvr>
+                                    </p:animEffect>
+                                  </p:childTnLst>
+                                </p:cTn>
+                              </p:par>
+                              <p:par>
+                                <p:cTn id="27" presetID="10" presetClass="entr" presetSubtype="0" fill="hold" grpId="0" nodeType="withEffect">
+                                  <p:stCondLst>
+                                    <p:cond delay="500"/>
+                                  </p:stCondLst>
+                                  <p:childTnLst>
+                                    <p:set>
+                                      <p:cBhvr>
+                                        <p:cTn id="28" dur="1" fill="hold">
+                                          <p:stCondLst>
+                                            <p:cond delay="0"/>
+                                          </p:stCondLst>
+                                        </p:cTn>
+                                        <p:tgtEl>
+                                          <p:spTgt spid="52"/>
+                                        </p:tgtEl>
+                                        <p:attrNameLst>
+                                          <p:attrName>style.visibility</p:attrName>
+                                        </p:attrNameLst>
+                                      </p:cBhvr>
+                                      <p:to>
+                                        <p:strVal val="visible"/>
+                                      </p:to>
+                                    </p:set>
+                                    <p:animEffect transition="in" filter="fade">
+                                      <p:cBhvr>
+                                        <p:cTn id="29" dur="250"/>
+                                        <p:tgtEl>
+                                          <p:spTgt spid="52"/>
+                                        </p:tgtEl>
+                                      </p:cBhvr>
+                                    </p:animEffect>
+                                  </p:childTnLst>
+                                </p:cTn>
+                              </p:par>
+                              <p:par>
+                                <p:cTn id="30" presetID="22" presetClass="entr" presetSubtype="8" fill="hold" nodeType="withEffect">
+                                  <p:stCondLst>
+                                    <p:cond delay="750"/>
+                                  </p:stCondLst>
+                                  <p:childTnLst>
+                                    <p:set>
+                                      <p:cBhvr>
+                                        <p:cTn id="31" dur="1" fill="hold">
+                                          <p:stCondLst>
+                                            <p:cond delay="0"/>
+                                          </p:stCondLst>
+                                        </p:cTn>
+                                        <p:tgtEl>
+                                          <p:spTgt spid="62"/>
+                                        </p:tgtEl>
+                                        <p:attrNameLst>
+                                          <p:attrName>style.visibility</p:attrName>
+                                        </p:attrNameLst>
+                                      </p:cBhvr>
+                                      <p:to>
+                                        <p:strVal val="visible"/>
+                                      </p:to>
+                                    </p:set>
+                                    <p:animEffect transition="in" filter="wipe(left)">
+                                      <p:cBhvr>
+                                        <p:cTn id="32" dur="250"/>
+                                        <p:tgtEl>
+                                          <p:spTgt spid="62"/>
+                                        </p:tgtEl>
+                                      </p:cBhvr>
+                                    </p:animEffect>
+                                  </p:childTnLst>
+                                </p:cTn>
+                              </p:par>
+                              <p:par>
+                                <p:cTn id="33" presetID="10" presetClass="entr" presetSubtype="0" fill="hold" grpId="0" nodeType="withEffect">
+                                  <p:stCondLst>
+                                    <p:cond delay="750"/>
+                                  </p:stCondLst>
+                                  <p:childTnLst>
+                                    <p:set>
+                                      <p:cBhvr>
+                                        <p:cTn id="34" dur="1" fill="hold">
+                                          <p:stCondLst>
+                                            <p:cond delay="0"/>
+                                          </p:stCondLst>
+                                        </p:cTn>
+                                        <p:tgtEl>
+                                          <p:spTgt spid="57"/>
+                                        </p:tgtEl>
+                                        <p:attrNameLst>
+                                          <p:attrName>style.visibility</p:attrName>
+                                        </p:attrNameLst>
+                                      </p:cBhvr>
+                                      <p:to>
+                                        <p:strVal val="visible"/>
+                                      </p:to>
+                                    </p:set>
+                                    <p:animEffect transition="in" filter="fade">
+                                      <p:cBhvr>
+                                        <p:cTn id="35" dur="250"/>
+                                        <p:tgtEl>
+                                          <p:spTgt spid="57"/>
+                                        </p:tgtEl>
+                                      </p:cBhvr>
+                                    </p:animEffect>
+                                  </p:childTnLst>
+                                </p:cTn>
+                              </p:par>
+                              <p:par>
+                                <p:cTn id="36" presetID="22" presetClass="entr" presetSubtype="8" fill="hold" nodeType="withEffect">
+                                  <p:stCondLst>
+                                    <p:cond delay="1000"/>
+                                  </p:stCondLst>
+                                  <p:childTnLst>
+                                    <p:set>
+                                      <p:cBhvr>
+                                        <p:cTn id="37" dur="1" fill="hold">
+                                          <p:stCondLst>
+                                            <p:cond delay="0"/>
+                                          </p:stCondLst>
+                                        </p:cTn>
+                                        <p:tgtEl>
+                                          <p:spTgt spid="64"/>
+                                        </p:tgtEl>
+                                        <p:attrNameLst>
+                                          <p:attrName>style.visibility</p:attrName>
+                                        </p:attrNameLst>
+                                      </p:cBhvr>
+                                      <p:to>
+                                        <p:strVal val="visible"/>
+                                      </p:to>
+                                    </p:set>
+                                    <p:animEffect transition="in" filter="wipe(left)">
+                                      <p:cBhvr>
+                                        <p:cTn id="38" dur="250"/>
+                                        <p:tgtEl>
+                                          <p:spTgt spid="64"/>
+                                        </p:tgtEl>
+                                      </p:cBhvr>
+                                    </p:animEffect>
+                                  </p:childTnLst>
+                                </p:cTn>
+                              </p:par>
+                              <p:par>
+                                <p:cTn id="39" presetID="10" presetClass="entr" presetSubtype="0" fill="hold" grpId="0" nodeType="withEffect">
+                                  <p:stCondLst>
+                                    <p:cond delay="1000"/>
+                                  </p:stCondLst>
+                                  <p:childTnLst>
+                                    <p:set>
+                                      <p:cBhvr>
+                                        <p:cTn id="40" dur="1" fill="hold">
+                                          <p:stCondLst>
+                                            <p:cond delay="0"/>
+                                          </p:stCondLst>
+                                        </p:cTn>
+                                        <p:tgtEl>
+                                          <p:spTgt spid="56"/>
+                                        </p:tgtEl>
+                                        <p:attrNameLst>
+                                          <p:attrName>style.visibility</p:attrName>
+                                        </p:attrNameLst>
+                                      </p:cBhvr>
+                                      <p:to>
+                                        <p:strVal val="visible"/>
+                                      </p:to>
+                                    </p:set>
+                                    <p:animEffect transition="in" filter="fade">
+                                      <p:cBhvr>
+                                        <p:cTn id="41" dur="250"/>
+                                        <p:tgtEl>
+                                          <p:spTgt spid="56"/>
+                                        </p:tgtEl>
+                                      </p:cBhvr>
+                                    </p:animEffect>
+                                  </p:childTnLst>
+                                </p:cTn>
+                              </p:par>
+                              <p:par>
+                                <p:cTn id="42" presetID="10" presetClass="entr" presetSubtype="0" fill="hold" grpId="0" nodeType="withEffect">
+                                  <p:stCondLst>
+                                    <p:cond delay="1250"/>
+                                  </p:stCondLst>
+                                  <p:childTnLst>
+                                    <p:set>
+                                      <p:cBhvr>
+                                        <p:cTn id="43" dur="1" fill="hold">
+                                          <p:stCondLst>
+                                            <p:cond delay="0"/>
+                                          </p:stCondLst>
+                                        </p:cTn>
+                                        <p:tgtEl>
+                                          <p:spTgt spid="63"/>
+                                        </p:tgtEl>
+                                        <p:attrNameLst>
+                                          <p:attrName>style.visibility</p:attrName>
+                                        </p:attrNameLst>
+                                      </p:cBhvr>
+                                      <p:to>
+                                        <p:strVal val="visible"/>
+                                      </p:to>
+                                    </p:set>
+                                    <p:animEffect transition="in" filter="fade">
+                                      <p:cBhvr>
+                                        <p:cTn id="44" dur="250"/>
+                                        <p:tgtEl>
+                                          <p:spTgt spid="63"/>
+                                        </p:tgtEl>
+                                      </p:cBhvr>
+                                    </p:animEffect>
+                                  </p:childTnLst>
+                                </p:cTn>
+                              </p:par>
+                            </p:childTnLst>
+                          </p:cTn>
+                        </p:par>
+                      </p:childTnLst>
+                    </p:cTn>
+                  </p:par>
+                </p:childTnLst>
+              </p:cTn>
+              <p:prevCondLst>
+                <p:cond evt="onPrev" delay="0">
+                  <p:tgtEl>
+                    <p:sldTgt/>
+                  </p:tgtEl>
+                </p:cond>
+              </p:prevCondLst>
+              <p:nextCondLst>
+                <p:cond evt="onNext" delay="0">
+                  <p:tgtEl>
+                    <p:sldTgt/>
+                  </p:tgtEl>
+                </p:cond>
+              </p:nextCondLst>
+            </p:seq>
+          </p:childTnLst>
+        </p:cTn>
+      </p:par>
+    </p:tnLst>
+    <p:bldLst>
+      <p:bldP spid="2" grpId="0"/>
+      <p:bldP spid="49" grpId="0"/>
+      <p:bldP spid="50" grpId="0" bldLvl="0" animBg="1"/>
+      <p:bldP spid="51" grpId="0" bldLvl="0" animBg="1"/>
+      <p:bldP spid="52" grpId="0" bldLvl="0" animBg="1"/>
+      <p:bldP spid="56" grpId="0" bldLvl="0" animBg="1"/>
+      <p:bldP spid="57" grpId="0" bldLvl="0" animBg="1"/>
+      <p:bldP spid="63" grpId="0" bldLvl="0" animBg="1"/>
+    </p:bldLst>
+  </p:timing>
+</p:sld>
+</file>
+
+<file path=ppt/slides/slide19.xml><?xml version="1.0" encoding="utf-8"?>
+<p:sld xmlns:a="http://schemas.openxmlformats.org/drawingml/2006/main" xmlns:r="http://schemas.openxmlformats.org/officeDocument/2006/relationships" xmlns:p="http://schemas.openxmlformats.org/presentationml/2006/main">
+  <p:cSld>
+    <p:spTree>
+      <p:nvGrpSpPr>
+        <p:cNvPr id="1" name=""/>
+        <p:cNvGrpSpPr/>
+        <p:nvPr/>
+      </p:nvGrpSpPr>
+      <p:grpSpPr>
+        <a:xfrm>
+          <a:off x="0" y="0"/>
+          <a:ext cx="0" cy="0"/>
+          <a:chOff x="0" y="0"/>
+          <a:chExt cx="0" cy="0"/>
+        </a:xfrm>
+      </p:grpSpPr>
+      <p:sp>
+        <p:nvSpPr>
+          <p:cNvPr id="145" name="文本框 144"/>
+          <p:cNvSpPr txBox="1"/>
+          <p:nvPr/>
+        </p:nvSpPr>
+        <p:spPr>
+          <a:xfrm>
+            <a:off x="1908699" y="302189"/>
+            <a:ext cx="8087557" cy="646331"/>
+          </a:xfrm>
+          <a:prstGeom prst="rect">
+            <a:avLst/>
+          </a:prstGeom>
+          <a:noFill/>
+        </p:spPr>
+        <p:txBody>
+          <a:bodyPr wrap="square" rtlCol="0">
+            <a:spAutoFit/>
+          </a:bodyPr>
+          <a:lstStyle/>
+          <a:p>
+            <a:pPr algn="ctr"/>
+            <a:r>
+              <a:rPr lang="en-US" sz="3600" dirty="0">
+                <a:solidFill>
+                  <a:schemeClr val="bg1"/>
+                </a:solidFill>
+              </a:rPr>
+              <a:t>Extract String Parts</a:t>
+            </a:r>
+            <a:endParaRPr lang="en-CA" sz="3600" dirty="0">
+              <a:solidFill>
+                <a:schemeClr val="bg1"/>
+              </a:solidFill>
+            </a:endParaRPr>
+          </a:p>
+        </p:txBody>
+      </p:sp>
+      <p:sp>
+        <p:nvSpPr>
+          <p:cNvPr id="7" name="TextBox 6">
+            <a:extLst>
+              <a:ext uri="{FF2B5EF4-FFF2-40B4-BE49-F238E27FC236}">
+                <a16:creationId xmlns:a16="http://schemas.microsoft.com/office/drawing/2014/main" id="{E4DBCD2D-5B8A-4289-9506-C2CE96C7B7C1}"/>
+              </a:ext>
+            </a:extLst>
+          </p:cNvPr>
+          <p:cNvSpPr txBox="1"/>
+          <p:nvPr/>
+        </p:nvSpPr>
+        <p:spPr>
+          <a:xfrm>
+            <a:off x="1704512" y="1733766"/>
+            <a:ext cx="9694416" cy="3681777"/>
+          </a:xfrm>
+          <a:prstGeom prst="rect">
+            <a:avLst/>
+          </a:prstGeom>
+          <a:noFill/>
+        </p:spPr>
+        <p:txBody>
+          <a:bodyPr wrap="square">
+            <a:spAutoFit/>
+          </a:bodyPr>
+          <a:lstStyle/>
+          <a:p>
+            <a:pPr marL="0" marR="0" lvl="0" indent="0" algn="l" defTabSz="914400" rtl="0" eaLnBrk="0" fontAlgn="base" latinLnBrk="0" hangingPunct="0">
+              <a:lnSpc>
+                <a:spcPct val="200000"/>
+              </a:lnSpc>
+              <a:spcBef>
+                <a:spcPct val="0"/>
+              </a:spcBef>
+              <a:spcAft>
+                <a:spcPct val="0"/>
+              </a:spcAft>
+              <a:buClrTx/>
+              <a:buSzTx/>
+              <a:buFontTx/>
+              <a:buNone/>
+              <a:tabLst/>
+            </a:pPr>
+            <a:r>
+              <a:rPr kumimoji="0" lang="en-US" altLang="en-US" sz="2400" b="0" i="0" u="none" strike="noStrike" cap="none" normalizeH="0" baseline="0" dirty="0">
+                <a:ln>
+                  <a:noFill/>
+                </a:ln>
+                <a:solidFill>
+                  <a:schemeClr val="bg1"/>
+                </a:solidFill>
+                <a:effectLst/>
+                <a:latin typeface="Verdana" panose="020B0604030504040204" pitchFamily="34" charset="0"/>
+              </a:rPr>
+              <a:t>There are 3 methods for extracting a part of a string:</a:t>
+            </a:r>
+          </a:p>
+          <a:p>
+            <a:pPr marL="0" marR="0" lvl="0" indent="0" algn="l" defTabSz="914400" rtl="0" eaLnBrk="0" fontAlgn="base" latinLnBrk="0" hangingPunct="0">
+              <a:lnSpc>
+                <a:spcPct val="200000"/>
+              </a:lnSpc>
+              <a:spcBef>
+                <a:spcPct val="0"/>
+              </a:spcBef>
+              <a:spcAft>
+                <a:spcPct val="0"/>
+              </a:spcAft>
+              <a:buClrTx/>
+              <a:buSzTx/>
+              <a:buFontTx/>
+              <a:buNone/>
+              <a:tabLst/>
+            </a:pPr>
+            <a:endParaRPr kumimoji="0" lang="en-US" altLang="en-US" sz="2400" b="0" i="0" u="none" strike="noStrike" cap="none" normalizeH="0" baseline="0" dirty="0">
+              <a:ln>
+                <a:noFill/>
+              </a:ln>
+              <a:solidFill>
+                <a:schemeClr val="bg1"/>
+              </a:solidFill>
+              <a:effectLst/>
+            </a:endParaRPr>
+          </a:p>
+          <a:p>
+            <a:pPr marL="0" marR="0" lvl="0" indent="0" algn="l" defTabSz="914400" rtl="0" eaLnBrk="0" fontAlgn="base" latinLnBrk="0" hangingPunct="0">
+              <a:lnSpc>
+                <a:spcPct val="200000"/>
+              </a:lnSpc>
+              <a:spcBef>
+                <a:spcPct val="0"/>
+              </a:spcBef>
+              <a:spcAft>
+                <a:spcPct val="0"/>
+              </a:spcAft>
+              <a:buClrTx/>
+              <a:buSzTx/>
+              <a:buFontTx/>
+              <a:buChar char="•"/>
+              <a:tabLst/>
+            </a:pPr>
+            <a:r>
+              <a:rPr kumimoji="0" lang="en-US" altLang="en-US" sz="2400" b="0" i="0" u="none" strike="noStrike" cap="none" normalizeH="0" baseline="0" dirty="0">
+                <a:ln>
+                  <a:noFill/>
+                </a:ln>
+                <a:solidFill>
+                  <a:srgbClr val="FFFF00"/>
+                </a:solidFill>
+                <a:effectLst/>
+                <a:latin typeface="Consolas" panose="020B0609020204030204" pitchFamily="49" charset="0"/>
+              </a:rPr>
+              <a:t>slice(</a:t>
+            </a:r>
+            <a:r>
+              <a:rPr kumimoji="0" lang="en-US" altLang="en-US" sz="2400" b="0" i="1" u="none" strike="noStrike" cap="none" normalizeH="0" baseline="0" dirty="0">
+                <a:ln>
+                  <a:noFill/>
+                </a:ln>
+                <a:solidFill>
+                  <a:srgbClr val="FFFF00"/>
+                </a:solidFill>
+                <a:effectLst/>
+                <a:latin typeface="Consolas" panose="020B0609020204030204" pitchFamily="49" charset="0"/>
+              </a:rPr>
+              <a:t>start</a:t>
+            </a:r>
+            <a:r>
+              <a:rPr kumimoji="0" lang="en-US" altLang="en-US" sz="2400" b="0" i="0" u="none" strike="noStrike" cap="none" normalizeH="0" baseline="0" dirty="0">
+                <a:ln>
+                  <a:noFill/>
+                </a:ln>
+                <a:solidFill>
+                  <a:srgbClr val="FFFF00"/>
+                </a:solidFill>
+                <a:effectLst/>
+                <a:latin typeface="Consolas" panose="020B0609020204030204" pitchFamily="49" charset="0"/>
+              </a:rPr>
+              <a:t>, </a:t>
+            </a:r>
+            <a:r>
+              <a:rPr kumimoji="0" lang="en-US" altLang="en-US" sz="2400" b="0" i="1" u="none" strike="noStrike" cap="none" normalizeH="0" baseline="0" dirty="0">
+                <a:ln>
+                  <a:noFill/>
+                </a:ln>
+                <a:solidFill>
+                  <a:srgbClr val="FFFF00"/>
+                </a:solidFill>
+                <a:effectLst/>
+                <a:latin typeface="Consolas" panose="020B0609020204030204" pitchFamily="49" charset="0"/>
+              </a:rPr>
+              <a:t>end</a:t>
+            </a:r>
+            <a:r>
+              <a:rPr kumimoji="0" lang="en-US" altLang="en-US" sz="2400" b="0" i="0" u="none" strike="noStrike" cap="none" normalizeH="0" baseline="0" dirty="0">
+                <a:ln>
+                  <a:noFill/>
+                </a:ln>
+                <a:solidFill>
+                  <a:srgbClr val="FFFF00"/>
+                </a:solidFill>
+                <a:effectLst/>
+                <a:latin typeface="Consolas" panose="020B0609020204030204" pitchFamily="49" charset="0"/>
+              </a:rPr>
+              <a:t>)</a:t>
+            </a:r>
+            <a:endParaRPr kumimoji="0" lang="en-US" altLang="en-US" sz="2400" b="0" i="0" u="none" strike="noStrike" cap="none" normalizeH="0" baseline="0" dirty="0">
+              <a:ln>
+                <a:noFill/>
+              </a:ln>
+              <a:solidFill>
+                <a:srgbClr val="FFFF00"/>
+              </a:solidFill>
+              <a:effectLst/>
+              <a:latin typeface="Verdana" panose="020B0604030504040204" pitchFamily="34" charset="0"/>
+            </a:endParaRPr>
+          </a:p>
+          <a:p>
+            <a:pPr marL="0" marR="0" lvl="0" indent="0" algn="l" defTabSz="914400" rtl="0" eaLnBrk="0" fontAlgn="base" latinLnBrk="0" hangingPunct="0">
+              <a:lnSpc>
+                <a:spcPct val="200000"/>
+              </a:lnSpc>
+              <a:spcBef>
+                <a:spcPct val="0"/>
+              </a:spcBef>
+              <a:spcAft>
+                <a:spcPct val="0"/>
+              </a:spcAft>
+              <a:buClrTx/>
+              <a:buSzTx/>
+              <a:buFontTx/>
+              <a:buChar char="•"/>
+              <a:tabLst/>
+            </a:pPr>
+            <a:r>
+              <a:rPr kumimoji="0" lang="en-US" altLang="en-US" sz="2400" b="0" i="0" u="none" strike="noStrike" cap="none" normalizeH="0" baseline="0" dirty="0">
+                <a:ln>
+                  <a:noFill/>
+                </a:ln>
+                <a:solidFill>
+                  <a:srgbClr val="FFFF00"/>
+                </a:solidFill>
+                <a:effectLst/>
+                <a:latin typeface="Consolas" panose="020B0609020204030204" pitchFamily="49" charset="0"/>
+              </a:rPr>
+              <a:t>substring(</a:t>
+            </a:r>
+            <a:r>
+              <a:rPr kumimoji="0" lang="en-US" altLang="en-US" sz="2400" b="0" i="1" u="none" strike="noStrike" cap="none" normalizeH="0" baseline="0" dirty="0">
+                <a:ln>
+                  <a:noFill/>
+                </a:ln>
+                <a:solidFill>
+                  <a:srgbClr val="FFFF00"/>
+                </a:solidFill>
+                <a:effectLst/>
+                <a:latin typeface="Consolas" panose="020B0609020204030204" pitchFamily="49" charset="0"/>
+              </a:rPr>
+              <a:t>start</a:t>
+            </a:r>
+            <a:r>
+              <a:rPr kumimoji="0" lang="en-US" altLang="en-US" sz="2400" b="0" i="0" u="none" strike="noStrike" cap="none" normalizeH="0" baseline="0" dirty="0">
+                <a:ln>
+                  <a:noFill/>
+                </a:ln>
+                <a:solidFill>
+                  <a:srgbClr val="FFFF00"/>
+                </a:solidFill>
+                <a:effectLst/>
+                <a:latin typeface="Consolas" panose="020B0609020204030204" pitchFamily="49" charset="0"/>
+              </a:rPr>
+              <a:t>, </a:t>
+            </a:r>
+            <a:r>
+              <a:rPr kumimoji="0" lang="en-US" altLang="en-US" sz="2400" b="0" i="1" u="none" strike="noStrike" cap="none" normalizeH="0" baseline="0" dirty="0">
+                <a:ln>
+                  <a:noFill/>
+                </a:ln>
+                <a:solidFill>
+                  <a:srgbClr val="FFFF00"/>
+                </a:solidFill>
+                <a:effectLst/>
+                <a:latin typeface="Consolas" panose="020B0609020204030204" pitchFamily="49" charset="0"/>
+              </a:rPr>
+              <a:t>end</a:t>
+            </a:r>
+            <a:r>
+              <a:rPr kumimoji="0" lang="en-US" altLang="en-US" sz="2400" b="0" i="0" u="none" strike="noStrike" cap="none" normalizeH="0" baseline="0" dirty="0">
+                <a:ln>
+                  <a:noFill/>
+                </a:ln>
+                <a:solidFill>
+                  <a:srgbClr val="FFFF00"/>
+                </a:solidFill>
+                <a:effectLst/>
+                <a:latin typeface="Consolas" panose="020B0609020204030204" pitchFamily="49" charset="0"/>
+              </a:rPr>
+              <a:t>)</a:t>
+            </a:r>
+            <a:endParaRPr kumimoji="0" lang="en-US" altLang="en-US" sz="2400" b="0" i="0" u="none" strike="noStrike" cap="none" normalizeH="0" baseline="0" dirty="0">
+              <a:ln>
+                <a:noFill/>
+              </a:ln>
+              <a:solidFill>
+                <a:srgbClr val="FFFF00"/>
+              </a:solidFill>
+              <a:effectLst/>
+              <a:latin typeface="Verdana" panose="020B0604030504040204" pitchFamily="34" charset="0"/>
+            </a:endParaRPr>
+          </a:p>
+          <a:p>
+            <a:pPr marL="0" marR="0" lvl="0" indent="0" algn="l" defTabSz="914400" rtl="0" eaLnBrk="0" fontAlgn="base" latinLnBrk="0" hangingPunct="0">
+              <a:lnSpc>
+                <a:spcPct val="200000"/>
+              </a:lnSpc>
+              <a:spcBef>
+                <a:spcPct val="0"/>
+              </a:spcBef>
+              <a:spcAft>
+                <a:spcPct val="0"/>
+              </a:spcAft>
+              <a:buClrTx/>
+              <a:buSzTx/>
+              <a:buFontTx/>
+              <a:buChar char="•"/>
+              <a:tabLst/>
+            </a:pPr>
+            <a:r>
+              <a:rPr kumimoji="0" lang="en-US" altLang="en-US" sz="2400" b="0" i="0" u="none" strike="noStrike" cap="none" normalizeH="0" baseline="0" dirty="0" err="1">
+                <a:ln>
+                  <a:noFill/>
+                </a:ln>
+                <a:solidFill>
+                  <a:srgbClr val="FFFF00"/>
+                </a:solidFill>
+                <a:effectLst/>
+                <a:latin typeface="Consolas" panose="020B0609020204030204" pitchFamily="49" charset="0"/>
+              </a:rPr>
+              <a:t>substr</a:t>
+            </a:r>
+            <a:r>
+              <a:rPr kumimoji="0" lang="en-US" altLang="en-US" sz="2400" b="0" i="0" u="none" strike="noStrike" cap="none" normalizeH="0" baseline="0" dirty="0">
+                <a:ln>
+                  <a:noFill/>
+                </a:ln>
+                <a:solidFill>
+                  <a:srgbClr val="FFFF00"/>
+                </a:solidFill>
+                <a:effectLst/>
+                <a:latin typeface="Consolas" panose="020B0609020204030204" pitchFamily="49" charset="0"/>
+              </a:rPr>
+              <a:t>(</a:t>
+            </a:r>
+            <a:r>
+              <a:rPr kumimoji="0" lang="en-US" altLang="en-US" sz="2400" b="0" i="1" u="none" strike="noStrike" cap="none" normalizeH="0" baseline="0" dirty="0">
+                <a:ln>
+                  <a:noFill/>
+                </a:ln>
+                <a:solidFill>
+                  <a:srgbClr val="FFFF00"/>
+                </a:solidFill>
+                <a:effectLst/>
+                <a:latin typeface="Consolas" panose="020B0609020204030204" pitchFamily="49" charset="0"/>
+              </a:rPr>
+              <a:t>start</a:t>
+            </a:r>
+            <a:r>
+              <a:rPr kumimoji="0" lang="en-US" altLang="en-US" sz="2400" b="0" i="0" u="none" strike="noStrike" cap="none" normalizeH="0" baseline="0" dirty="0">
+                <a:ln>
+                  <a:noFill/>
+                </a:ln>
+                <a:solidFill>
+                  <a:srgbClr val="FFFF00"/>
+                </a:solidFill>
+                <a:effectLst/>
+                <a:latin typeface="Consolas" panose="020B0609020204030204" pitchFamily="49" charset="0"/>
+              </a:rPr>
+              <a:t>, </a:t>
+            </a:r>
+            <a:r>
+              <a:rPr kumimoji="0" lang="en-US" altLang="en-US" sz="2400" b="0" i="1" u="none" strike="noStrike" cap="none" normalizeH="0" baseline="0" dirty="0">
+                <a:ln>
+                  <a:noFill/>
+                </a:ln>
+                <a:solidFill>
+                  <a:srgbClr val="FFFF00"/>
+                </a:solidFill>
+                <a:effectLst/>
+                <a:latin typeface="Consolas" panose="020B0609020204030204" pitchFamily="49" charset="0"/>
+              </a:rPr>
+              <a:t>length</a:t>
+            </a:r>
+            <a:r>
+              <a:rPr kumimoji="0" lang="en-US" altLang="en-US" sz="2400" b="0" i="0" u="none" strike="noStrike" cap="none" normalizeH="0" baseline="0" dirty="0">
+                <a:ln>
+                  <a:noFill/>
+                </a:ln>
+                <a:solidFill>
+                  <a:srgbClr val="FFFF00"/>
+                </a:solidFill>
+                <a:effectLst/>
+                <a:latin typeface="Consolas" panose="020B0609020204030204" pitchFamily="49" charset="0"/>
+              </a:rPr>
+              <a:t>)</a:t>
+            </a:r>
+            <a:endParaRPr lang="en-CA" sz="2400" dirty="0">
+              <a:solidFill>
+                <a:srgbClr val="FFFF00"/>
+              </a:solidFill>
+            </a:endParaRPr>
+          </a:p>
+        </p:txBody>
+      </p:sp>
+    </p:spTree>
+    <p:extLst>
+      <p:ext uri="{BB962C8B-B14F-4D97-AF65-F5344CB8AC3E}">
+        <p14:creationId xmlns:p14="http://schemas.microsoft.com/office/powerpoint/2010/main" val="2849188610"/>
+      </p:ext>
+    </p:extLst>
+  </p:cSld>
+  <p:clrMapOvr>
+    <a:masterClrMapping/>
+  </p:clrMapOvr>
+  <p:transition>
+    <p:fade/>
+  </p:transition>
+  <p:timing>
+    <p:tnLst>
+      <p:par>
+        <p:cTn id="1" dur="indefinite" restart="never" nodeType="tmRoot">
+          <p:childTnLst>
+            <p:seq concurrent="1" nextAc="seek">
+              <p:cTn id="2" dur="indefinite" nodeType="mainSeq">
+                <p:childTnLst>
+                  <p:par>
+                    <p:cTn id="3" fill="hold">
+                      <p:stCondLst>
+                        <p:cond delay="indefinite"/>
+                        <p:cond evt="onBegin" delay="0">
+                          <p:tn val="2"/>
+                        </p:cond>
+                      </p:stCondLst>
+                      <p:childTnLst>
+                        <p:par>
+                          <p:cTn id="4" fill="hold">
+                            <p:stCondLst>
+                              <p:cond delay="0"/>
+                            </p:stCondLst>
+                            <p:childTnLst>
+                              <p:par>
+                                <p:cTn id="5" presetID="2" presetClass="entr" presetSubtype="2" fill="hold" grpId="0" nodeType="afterEffect">
+                                  <p:stCondLst>
+                                    <p:cond delay="0"/>
+                                  </p:stCondLst>
+                                  <p:childTnLst>
+                                    <p:set>
+                                      <p:cBhvr>
+                                        <p:cTn id="6" dur="1" fill="hold">
+                                          <p:stCondLst>
+                                            <p:cond delay="0"/>
+                                          </p:stCondLst>
+                                        </p:cTn>
+                                        <p:tgtEl>
+                                          <p:spTgt spid="145"/>
+                                        </p:tgtEl>
+                                        <p:attrNameLst>
+                                          <p:attrName>style.visibility</p:attrName>
+                                        </p:attrNameLst>
+                                      </p:cBhvr>
+                                      <p:to>
+                                        <p:strVal val="visible"/>
+                                      </p:to>
+                                    </p:set>
+                                    <p:anim calcmode="lin" valueType="num">
+                                      <p:cBhvr additive="base">
+                                        <p:cTn id="7" dur="500" fill="hold"/>
+                                        <p:tgtEl>
+                                          <p:spTgt spid="145"/>
+                                        </p:tgtEl>
+                                        <p:attrNameLst>
+                                          <p:attrName>ppt_x</p:attrName>
+                                        </p:attrNameLst>
+                                      </p:cBhvr>
+                                      <p:tavLst>
+                                        <p:tav tm="0">
+                                          <p:val>
+                                            <p:strVal val="1+#ppt_w/2"/>
+                                          </p:val>
+                                        </p:tav>
+                                        <p:tav tm="100000">
+                                          <p:val>
+                                            <p:strVal val="#ppt_x"/>
+                                          </p:val>
+                                        </p:tav>
+                                      </p:tavLst>
+                                    </p:anim>
+                                    <p:anim calcmode="lin" valueType="num">
+                                      <p:cBhvr additive="base">
+                                        <p:cTn id="8" dur="500" fill="hold"/>
+                                        <p:tgtEl>
+                                          <p:spTgt spid="145"/>
+                                        </p:tgtEl>
+                                        <p:attrNameLst>
+                                          <p:attrName>ppt_y</p:attrName>
+                                        </p:attrNameLst>
+                                      </p:cBhvr>
+                                      <p:tavLst>
+                                        <p:tav tm="0">
+                                          <p:val>
+                                            <p:strVal val="#ppt_y"/>
+                                          </p:val>
+                                        </p:tav>
+                                        <p:tav tm="100000">
+                                          <p:val>
+                                            <p:strVal val="#ppt_y"/>
+                                          </p:val>
+                                        </p:tav>
+                                      </p:tavLst>
+                                    </p:anim>
+                                  </p:childTnLst>
+                                </p:cTn>
+                              </p:par>
+                            </p:childTnLst>
+                          </p:cTn>
+                        </p:par>
+                      </p:childTnLst>
+                    </p:cTn>
+                  </p:par>
+                </p:childTnLst>
+              </p:cTn>
+              <p:prevCondLst>
+                <p:cond evt="onPrev" delay="0">
+                  <p:tgtEl>
+                    <p:sldTgt/>
+                  </p:tgtEl>
+                </p:cond>
+              </p:prevCondLst>
+              <p:nextCondLst>
+                <p:cond evt="onNext" delay="0">
+                  <p:tgtEl>
+                    <p:sldTgt/>
+                  </p:tgtEl>
+                </p:cond>
+              </p:nextCondLst>
+            </p:seq>
+          </p:childTnLst>
+        </p:cTn>
+      </p:par>
+    </p:tnLst>
+    <p:bldLst>
+      <p:bldP spid="145" grpId="0"/>
+    </p:bldLst>
+  </p:timing>
+</p:sld>
+</file>
+
+<file path=ppt/slides/slide2.xml><?xml version="1.0" encoding="utf-8"?>
+<p:sld xmlns:a="http://schemas.openxmlformats.org/drawingml/2006/main" xmlns:r="http://schemas.openxmlformats.org/officeDocument/2006/relationships" xmlns:p="http://schemas.openxmlformats.org/presentationml/2006/main">
+  <p:cSld>
+    <p:bg>
+      <p:bgPr>
+        <a:blipFill rotWithShape="1">
+          <a:blip r:embed="rId2"/>
+          <a:stretch>
+            <a:fillRect/>
+          </a:stretch>
+        </a:blipFill>
+        <a:effectLst/>
+      </p:bgPr>
+    </p:bg>
+    <p:spTree>
+      <p:nvGrpSpPr>
+        <p:cNvPr id="1" name=""/>
+        <p:cNvGrpSpPr/>
+        <p:nvPr/>
+      </p:nvGrpSpPr>
+      <p:grpSpPr>
+        <a:xfrm>
+          <a:off x="0" y="0"/>
+          <a:ext cx="0" cy="0"/>
+          <a:chOff x="0" y="0"/>
+          <a:chExt cx="0" cy="0"/>
+        </a:xfrm>
+      </p:grpSpPr>
+      <p:sp>
+        <p:nvSpPr>
+          <p:cNvPr id="2" name="文本框 1"/>
+          <p:cNvSpPr txBox="1"/>
+          <p:nvPr/>
+        </p:nvSpPr>
+        <p:spPr>
+          <a:xfrm>
+            <a:off x="2234444" y="218395"/>
+            <a:ext cx="2989943" cy="4702810"/>
+          </a:xfrm>
+          <a:prstGeom prst="rect">
+            <a:avLst/>
+          </a:prstGeom>
+          <a:noFill/>
+          <a:ln>
+            <a:noFill/>
+          </a:ln>
+        </p:spPr>
+        <p:txBody>
+          <a:bodyPr wrap="square" rtlCol="0">
+            <a:spAutoFit/>
+          </a:bodyPr>
+          <a:lstStyle/>
+          <a:p>
+            <a:r>
+              <a:rPr lang="en-US" altLang="zh-CN" sz="30000" b="1" dirty="0">
+                <a:ln>
+                  <a:solidFill>
+                    <a:schemeClr val="bg1">
+                      <a:alpha val="50000"/>
+                    </a:schemeClr>
+                  </a:solidFill>
+                </a:ln>
+                <a:solidFill>
+                  <a:schemeClr val="bg1">
+                    <a:alpha val="20000"/>
+                  </a:schemeClr>
+                </a:solidFill>
+                <a:ea typeface="微软雅黑" panose="020B0503020204020204" pitchFamily="34" charset="-122"/>
+              </a:rPr>
+              <a:t>1</a:t>
+            </a:r>
+            <a:endParaRPr lang="zh-CN" altLang="en-US" sz="30000" b="1" dirty="0">
+              <a:ln>
+                <a:solidFill>
+                  <a:schemeClr val="bg1">
+                    <a:alpha val="50000"/>
+                  </a:schemeClr>
+                </a:solidFill>
+              </a:ln>
+              <a:solidFill>
+                <a:schemeClr val="bg1">
+                  <a:alpha val="20000"/>
+                </a:schemeClr>
+              </a:solidFill>
+              <a:ea typeface="微软雅黑" panose="020B0503020204020204" pitchFamily="34" charset="-122"/>
+            </a:endParaRPr>
+          </a:p>
+        </p:txBody>
+      </p:sp>
+      <p:sp>
+        <p:nvSpPr>
+          <p:cNvPr id="49" name="文本框 48"/>
+          <p:cNvSpPr txBox="1"/>
+          <p:nvPr/>
+        </p:nvSpPr>
+        <p:spPr>
+          <a:xfrm>
+            <a:off x="4263637" y="2142032"/>
+            <a:ext cx="6620715" cy="923330"/>
+          </a:xfrm>
+          <a:prstGeom prst="rect">
+            <a:avLst/>
+          </a:prstGeom>
+          <a:noFill/>
+        </p:spPr>
+        <p:txBody>
+          <a:bodyPr wrap="square" rtlCol="0">
+            <a:spAutoFit/>
+          </a:bodyPr>
+          <a:lstStyle/>
+          <a:p>
+            <a:pPr algn="ctr"/>
+            <a:r>
+              <a:rPr lang="en-US" altLang="zh-CN" sz="5400" b="1" dirty="0" err="1">
+                <a:solidFill>
+                  <a:schemeClr val="bg1"/>
+                </a:solidFill>
+                <a:ea typeface="微软雅黑" panose="020B0503020204020204" pitchFamily="34" charset="-122"/>
+              </a:rPr>
+              <a:t>Javascript</a:t>
+            </a:r>
+            <a:r>
+              <a:rPr lang="en-US" altLang="zh-CN" sz="5400" b="1" dirty="0">
+                <a:solidFill>
+                  <a:schemeClr val="bg1"/>
+                </a:solidFill>
+                <a:ea typeface="微软雅黑" panose="020B0503020204020204" pitchFamily="34" charset="-122"/>
+              </a:rPr>
+              <a:t> Object</a:t>
+            </a:r>
+            <a:endParaRPr lang="zh-CN" altLang="en-US" sz="5400" b="1" dirty="0">
+              <a:solidFill>
+                <a:schemeClr val="bg1"/>
+              </a:solidFill>
+              <a:ea typeface="微软雅黑" panose="020B0503020204020204" pitchFamily="34" charset="-122"/>
+            </a:endParaRPr>
+          </a:p>
+        </p:txBody>
+      </p:sp>
+      <p:sp>
+        <p:nvSpPr>
+          <p:cNvPr id="50" name="椭圆 49"/>
+          <p:cNvSpPr/>
+          <p:nvPr/>
+        </p:nvSpPr>
+        <p:spPr>
+          <a:xfrm>
+            <a:off x="3966788" y="2962995"/>
+            <a:ext cx="296849" cy="297371"/>
+          </a:xfrm>
+          <a:prstGeom prst="ellipse">
+            <a:avLst/>
+          </a:prstGeom>
+          <a:gradFill flip="none" rotWithShape="1">
+            <a:gsLst>
+              <a:gs pos="0">
+                <a:schemeClr val="bg1"/>
+              </a:gs>
+              <a:gs pos="58000">
+                <a:srgbClr val="FBFDFE">
+                  <a:alpha val="20000"/>
+                </a:srgbClr>
+              </a:gs>
+              <a:gs pos="100000">
+                <a:schemeClr val="bg1">
+                  <a:alpha val="0"/>
+                </a:schemeClr>
+              </a:gs>
+            </a:gsLst>
+            <a:path path="shape">
+              <a:fillToRect l="50000" t="50000" r="50000" b="50000"/>
+            </a:path>
+            <a:tileRect/>
+          </a:gradFill>
+          <a:ln>
+            <a:noFill/>
+          </a:ln>
+          <a:effectLst>
+            <a:softEdge rad="12700"/>
+          </a:effectLst>
+        </p:spPr>
+        <p:style>
+          <a:lnRef idx="2">
+            <a:schemeClr val="accent1">
+              <a:shade val="50000"/>
+            </a:schemeClr>
+          </a:lnRef>
+          <a:fillRef idx="1">
+            <a:schemeClr val="accent1"/>
+          </a:fillRef>
+          <a:effectRef idx="0">
+            <a:schemeClr val="accent1"/>
+          </a:effectRef>
+          <a:fontRef idx="minor">
+            <a:schemeClr val="lt1"/>
+          </a:fontRef>
+        </p:style>
+        <p:txBody>
+          <a:bodyPr rtlCol="0" anchor="ctr"/>
+          <a:lstStyle/>
+          <a:p>
+            <a:pPr algn="ctr"/>
+            <a:endParaRPr lang="zh-CN" altLang="en-US" dirty="0">
+              <a:ea typeface="微软雅黑" panose="020B0503020204020204" pitchFamily="34" charset="-122"/>
+            </a:endParaRPr>
+          </a:p>
+        </p:txBody>
+      </p:sp>
+      <p:sp>
+        <p:nvSpPr>
+          <p:cNvPr id="51" name="椭圆 50"/>
+          <p:cNvSpPr/>
+          <p:nvPr/>
+        </p:nvSpPr>
+        <p:spPr>
+          <a:xfrm>
+            <a:off x="5112315" y="3016095"/>
+            <a:ext cx="395208" cy="395905"/>
+          </a:xfrm>
+          <a:prstGeom prst="ellipse">
+            <a:avLst/>
+          </a:prstGeom>
+          <a:gradFill flip="none" rotWithShape="1">
+            <a:gsLst>
+              <a:gs pos="0">
+                <a:schemeClr val="bg1"/>
+              </a:gs>
+              <a:gs pos="60000">
+                <a:srgbClr val="FBFDFE">
+                  <a:alpha val="20000"/>
+                </a:srgbClr>
+              </a:gs>
+              <a:gs pos="100000">
+                <a:schemeClr val="bg1">
+                  <a:alpha val="0"/>
+                </a:schemeClr>
+              </a:gs>
+            </a:gsLst>
+            <a:path path="shape">
+              <a:fillToRect l="50000" t="50000" r="50000" b="50000"/>
+            </a:path>
+            <a:tileRect/>
+          </a:gradFill>
+          <a:ln>
+            <a:noFill/>
+          </a:ln>
+          <a:effectLst>
+            <a:softEdge rad="12700"/>
+          </a:effectLst>
+        </p:spPr>
+        <p:style>
+          <a:lnRef idx="2">
+            <a:schemeClr val="accent1">
+              <a:shade val="50000"/>
+            </a:schemeClr>
+          </a:lnRef>
+          <a:fillRef idx="1">
+            <a:schemeClr val="accent1"/>
+          </a:fillRef>
+          <a:effectRef idx="0">
+            <a:schemeClr val="accent1"/>
+          </a:effectRef>
+          <a:fontRef idx="minor">
+            <a:schemeClr val="lt1"/>
+          </a:fontRef>
+        </p:style>
+        <p:txBody>
+          <a:bodyPr rtlCol="0" anchor="ctr"/>
+          <a:lstStyle/>
+          <a:p>
+            <a:pPr algn="ctr"/>
+            <a:endParaRPr lang="zh-CN" altLang="en-US" dirty="0">
+              <a:ea typeface="微软雅黑" panose="020B0503020204020204" pitchFamily="34" charset="-122"/>
+            </a:endParaRPr>
+          </a:p>
+        </p:txBody>
+      </p:sp>
+      <p:sp>
+        <p:nvSpPr>
+          <p:cNvPr id="52" name="椭圆 51"/>
+          <p:cNvSpPr/>
+          <p:nvPr/>
+        </p:nvSpPr>
+        <p:spPr>
+          <a:xfrm>
+            <a:off x="6203238" y="3065362"/>
+            <a:ext cx="296849" cy="297371"/>
+          </a:xfrm>
+          <a:prstGeom prst="ellipse">
+            <a:avLst/>
+          </a:prstGeom>
+          <a:gradFill flip="none" rotWithShape="1">
+            <a:gsLst>
+              <a:gs pos="0">
+                <a:schemeClr val="bg1"/>
+              </a:gs>
+              <a:gs pos="58000">
+                <a:srgbClr val="FBFDFE">
+                  <a:alpha val="20000"/>
+                </a:srgbClr>
+              </a:gs>
+              <a:gs pos="100000">
+                <a:schemeClr val="bg1">
+                  <a:alpha val="0"/>
+                </a:schemeClr>
+              </a:gs>
+            </a:gsLst>
+            <a:path path="shape">
+              <a:fillToRect l="50000" t="50000" r="50000" b="50000"/>
+            </a:path>
+            <a:tileRect/>
+          </a:gradFill>
+          <a:ln>
+            <a:noFill/>
+          </a:ln>
+          <a:effectLst>
+            <a:softEdge rad="12700"/>
+          </a:effectLst>
+        </p:spPr>
+        <p:style>
+          <a:lnRef idx="2">
+            <a:schemeClr val="accent1">
+              <a:shade val="50000"/>
+            </a:schemeClr>
+          </a:lnRef>
+          <a:fillRef idx="1">
+            <a:schemeClr val="accent1"/>
+          </a:fillRef>
+          <a:effectRef idx="0">
+            <a:schemeClr val="accent1"/>
+          </a:effectRef>
+          <a:fontRef idx="minor">
+            <a:schemeClr val="lt1"/>
+          </a:fontRef>
+        </p:style>
+        <p:txBody>
+          <a:bodyPr rtlCol="0" anchor="ctr"/>
+          <a:lstStyle/>
+          <a:p>
+            <a:pPr algn="ctr"/>
+            <a:endParaRPr lang="zh-CN" altLang="en-US" dirty="0">
+              <a:ea typeface="微软雅黑" panose="020B0503020204020204" pitchFamily="34" charset="-122"/>
+            </a:endParaRPr>
+          </a:p>
+        </p:txBody>
+      </p:sp>
+      <p:sp>
+        <p:nvSpPr>
+          <p:cNvPr id="56" name="椭圆 55"/>
+          <p:cNvSpPr/>
+          <p:nvPr/>
+        </p:nvSpPr>
+        <p:spPr>
+          <a:xfrm>
+            <a:off x="8516863" y="3065362"/>
+            <a:ext cx="296849" cy="297371"/>
+          </a:xfrm>
+          <a:prstGeom prst="ellipse">
+            <a:avLst/>
+          </a:prstGeom>
+          <a:gradFill flip="none" rotWithShape="1">
+            <a:gsLst>
+              <a:gs pos="0">
+                <a:schemeClr val="bg1"/>
+              </a:gs>
+              <a:gs pos="58000">
+                <a:srgbClr val="FBFDFE">
+                  <a:alpha val="20000"/>
+                </a:srgbClr>
+              </a:gs>
+              <a:gs pos="100000">
+                <a:schemeClr val="bg1">
+                  <a:alpha val="0"/>
+                </a:schemeClr>
+              </a:gs>
+            </a:gsLst>
+            <a:path path="shape">
+              <a:fillToRect l="50000" t="50000" r="50000" b="50000"/>
+            </a:path>
+            <a:tileRect/>
+          </a:gradFill>
+          <a:ln>
+            <a:noFill/>
+          </a:ln>
+          <a:effectLst>
+            <a:softEdge rad="12700"/>
+          </a:effectLst>
+        </p:spPr>
+        <p:style>
+          <a:lnRef idx="2">
+            <a:schemeClr val="accent1">
+              <a:shade val="50000"/>
+            </a:schemeClr>
+          </a:lnRef>
+          <a:fillRef idx="1">
+            <a:schemeClr val="accent1"/>
+          </a:fillRef>
+          <a:effectRef idx="0">
+            <a:schemeClr val="accent1"/>
+          </a:effectRef>
+          <a:fontRef idx="minor">
+            <a:schemeClr val="lt1"/>
+          </a:fontRef>
+        </p:style>
+        <p:txBody>
+          <a:bodyPr rtlCol="0" anchor="ctr"/>
+          <a:lstStyle/>
+          <a:p>
+            <a:pPr algn="ctr"/>
+            <a:endParaRPr lang="zh-CN" altLang="en-US" dirty="0">
+              <a:ea typeface="微软雅黑" panose="020B0503020204020204" pitchFamily="34" charset="-122"/>
+            </a:endParaRPr>
+          </a:p>
+        </p:txBody>
+      </p:sp>
+      <p:sp>
+        <p:nvSpPr>
+          <p:cNvPr id="57" name="椭圆 56"/>
+          <p:cNvSpPr/>
+          <p:nvPr/>
+        </p:nvSpPr>
+        <p:spPr>
+          <a:xfrm>
+            <a:off x="7296355" y="3016095"/>
+            <a:ext cx="395208" cy="395905"/>
+          </a:xfrm>
+          <a:prstGeom prst="ellipse">
+            <a:avLst/>
+          </a:prstGeom>
+          <a:gradFill flip="none" rotWithShape="1">
+            <a:gsLst>
+              <a:gs pos="0">
+                <a:schemeClr val="bg1"/>
+              </a:gs>
+              <a:gs pos="60000">
+                <a:srgbClr val="FBFDFE">
+                  <a:alpha val="20000"/>
+                </a:srgbClr>
+              </a:gs>
+              <a:gs pos="100000">
+                <a:schemeClr val="bg1">
+                  <a:alpha val="0"/>
+                </a:schemeClr>
+              </a:gs>
+            </a:gsLst>
+            <a:path path="shape">
+              <a:fillToRect l="50000" t="50000" r="50000" b="50000"/>
+            </a:path>
+            <a:tileRect/>
+          </a:gradFill>
+          <a:ln>
+            <a:noFill/>
+          </a:ln>
+          <a:effectLst>
+            <a:softEdge rad="12700"/>
+          </a:effectLst>
+        </p:spPr>
+        <p:style>
+          <a:lnRef idx="2">
+            <a:schemeClr val="accent1">
+              <a:shade val="50000"/>
+            </a:schemeClr>
+          </a:lnRef>
+          <a:fillRef idx="1">
+            <a:schemeClr val="accent1"/>
+          </a:fillRef>
+          <a:effectRef idx="0">
+            <a:schemeClr val="accent1"/>
+          </a:effectRef>
+          <a:fontRef idx="minor">
+            <a:schemeClr val="lt1"/>
+          </a:fontRef>
+        </p:style>
+        <p:txBody>
+          <a:bodyPr rtlCol="0" anchor="ctr"/>
+          <a:lstStyle/>
+          <a:p>
+            <a:pPr algn="ctr"/>
+            <a:endParaRPr lang="zh-CN" altLang="en-US" dirty="0">
+              <a:ea typeface="微软雅黑" panose="020B0503020204020204" pitchFamily="34" charset="-122"/>
+            </a:endParaRPr>
+          </a:p>
+        </p:txBody>
+      </p:sp>
+      <p:cxnSp>
+        <p:nvCxnSpPr>
+          <p:cNvPr id="58" name="直接连接符 57"/>
+          <p:cNvCxnSpPr>
+            <a:stCxn id="50" idx="6"/>
+          </p:cNvCxnSpPr>
+          <p:nvPr/>
+        </p:nvCxnSpPr>
+        <p:spPr>
+          <a:xfrm flipV="1">
+            <a:off x="4263637" y="3125648"/>
+            <a:ext cx="671649" cy="3"/>
+          </a:xfrm>
+          <a:prstGeom prst="line">
+            <a:avLst/>
+          </a:prstGeom>
+          <a:noFill/>
+          <a:ln w="635">
+            <a:solidFill>
+              <a:schemeClr val="bg1">
+                <a:alpha val="30000"/>
+              </a:schemeClr>
+            </a:solidFill>
+          </a:ln>
+        </p:spPr>
+        <p:style>
+          <a:lnRef idx="1">
+            <a:schemeClr val="accent1"/>
+          </a:lnRef>
+          <a:fillRef idx="0">
+            <a:schemeClr val="accent1"/>
+          </a:fillRef>
+          <a:effectRef idx="0">
+            <a:schemeClr val="accent1"/>
+          </a:effectRef>
+          <a:fontRef idx="minor">
+            <a:schemeClr val="tx1"/>
+          </a:fontRef>
+        </p:style>
+      </p:cxnSp>
+      <p:cxnSp>
+        <p:nvCxnSpPr>
+          <p:cNvPr id="59" name="直接连接符 58"/>
+          <p:cNvCxnSpPr>
+            <a:stCxn id="51" idx="6"/>
+            <a:endCxn id="52" idx="2"/>
+          </p:cNvCxnSpPr>
+          <p:nvPr/>
+        </p:nvCxnSpPr>
+        <p:spPr>
+          <a:xfrm flipV="1">
+            <a:off x="5507523" y="3228018"/>
+            <a:ext cx="695960" cy="635"/>
+          </a:xfrm>
+          <a:prstGeom prst="line">
+            <a:avLst/>
+          </a:prstGeom>
+          <a:noFill/>
+          <a:ln w="635">
+            <a:solidFill>
+              <a:schemeClr val="bg1">
+                <a:alpha val="30000"/>
+              </a:schemeClr>
+            </a:solidFill>
+          </a:ln>
+        </p:spPr>
+        <p:style>
+          <a:lnRef idx="1">
+            <a:schemeClr val="accent1"/>
+          </a:lnRef>
+          <a:fillRef idx="0">
+            <a:schemeClr val="accent1"/>
+          </a:fillRef>
+          <a:effectRef idx="0">
+            <a:schemeClr val="accent1"/>
+          </a:effectRef>
+          <a:fontRef idx="minor">
+            <a:schemeClr val="tx1"/>
+          </a:fontRef>
+        </p:style>
+      </p:cxnSp>
+      <p:cxnSp>
+        <p:nvCxnSpPr>
+          <p:cNvPr id="61" name="直接连接符 60"/>
+          <p:cNvCxnSpPr>
+            <a:stCxn id="52" idx="6"/>
+            <a:endCxn id="57" idx="2"/>
+          </p:cNvCxnSpPr>
+          <p:nvPr/>
+        </p:nvCxnSpPr>
+        <p:spPr>
+          <a:xfrm>
+            <a:off x="6500087" y="3228018"/>
+            <a:ext cx="796290" cy="635"/>
+          </a:xfrm>
+          <a:prstGeom prst="line">
+            <a:avLst/>
+          </a:prstGeom>
+          <a:noFill/>
+          <a:ln w="635">
+            <a:solidFill>
+              <a:schemeClr val="bg1">
+                <a:alpha val="30000"/>
+              </a:schemeClr>
+            </a:solidFill>
+          </a:ln>
+        </p:spPr>
+        <p:style>
+          <a:lnRef idx="1">
+            <a:schemeClr val="accent1"/>
+          </a:lnRef>
+          <a:fillRef idx="0">
+            <a:schemeClr val="accent1"/>
+          </a:fillRef>
+          <a:effectRef idx="0">
+            <a:schemeClr val="accent1"/>
+          </a:effectRef>
+          <a:fontRef idx="minor">
+            <a:schemeClr val="tx1"/>
+          </a:fontRef>
+        </p:style>
+      </p:cxnSp>
+      <p:cxnSp>
+        <p:nvCxnSpPr>
+          <p:cNvPr id="62" name="直接连接符 61"/>
+          <p:cNvCxnSpPr>
+            <a:stCxn id="57" idx="6"/>
+            <a:endCxn id="56" idx="2"/>
+          </p:cNvCxnSpPr>
+          <p:nvPr/>
+        </p:nvCxnSpPr>
+        <p:spPr>
+          <a:xfrm flipV="1">
+            <a:off x="7690928" y="3228018"/>
+            <a:ext cx="825500" cy="635"/>
+          </a:xfrm>
+          <a:prstGeom prst="line">
+            <a:avLst/>
+          </a:prstGeom>
+          <a:noFill/>
+          <a:ln w="635">
+            <a:solidFill>
+              <a:schemeClr val="bg1">
+                <a:alpha val="30000"/>
+              </a:schemeClr>
+            </a:solidFill>
+          </a:ln>
+        </p:spPr>
+        <p:style>
+          <a:lnRef idx="1">
+            <a:schemeClr val="accent1"/>
+          </a:lnRef>
+          <a:fillRef idx="0">
+            <a:schemeClr val="accent1"/>
+          </a:fillRef>
+          <a:effectRef idx="0">
+            <a:schemeClr val="accent1"/>
+          </a:effectRef>
+          <a:fontRef idx="minor">
+            <a:schemeClr val="tx1"/>
+          </a:fontRef>
+        </p:style>
+      </p:cxnSp>
+      <p:sp>
+        <p:nvSpPr>
+          <p:cNvPr id="63" name="椭圆 62"/>
+          <p:cNvSpPr/>
+          <p:nvPr/>
+        </p:nvSpPr>
+        <p:spPr>
+          <a:xfrm>
+            <a:off x="9098029" y="2484967"/>
+            <a:ext cx="395208" cy="395905"/>
+          </a:xfrm>
+          <a:prstGeom prst="ellipse">
+            <a:avLst/>
+          </a:prstGeom>
+          <a:gradFill flip="none" rotWithShape="1">
+            <a:gsLst>
+              <a:gs pos="0">
+                <a:schemeClr val="bg1"/>
+              </a:gs>
+              <a:gs pos="60000">
+                <a:srgbClr val="FBFDFE">
+                  <a:alpha val="20000"/>
+                </a:srgbClr>
+              </a:gs>
+              <a:gs pos="100000">
+                <a:schemeClr val="bg1">
+                  <a:alpha val="0"/>
+                </a:schemeClr>
+              </a:gs>
+            </a:gsLst>
+            <a:path path="shape">
+              <a:fillToRect l="50000" t="50000" r="50000" b="50000"/>
+            </a:path>
+            <a:tileRect/>
+          </a:gradFill>
+          <a:ln>
+            <a:noFill/>
+          </a:ln>
+          <a:effectLst>
+            <a:softEdge rad="12700"/>
+          </a:effectLst>
+        </p:spPr>
+        <p:style>
+          <a:lnRef idx="2">
+            <a:schemeClr val="accent1">
+              <a:shade val="50000"/>
+            </a:schemeClr>
+          </a:lnRef>
+          <a:fillRef idx="1">
+            <a:schemeClr val="accent1"/>
+          </a:fillRef>
+          <a:effectRef idx="0">
+            <a:schemeClr val="accent1"/>
+          </a:effectRef>
+          <a:fontRef idx="minor">
+            <a:schemeClr val="lt1"/>
+          </a:fontRef>
+        </p:style>
+        <p:txBody>
+          <a:bodyPr rtlCol="0" anchor="ctr"/>
+          <a:lstStyle/>
+          <a:p>
+            <a:pPr algn="ctr"/>
+            <a:endParaRPr lang="zh-CN" altLang="en-US" dirty="0">
+              <a:ea typeface="微软雅黑" panose="020B0503020204020204" pitchFamily="34" charset="-122"/>
+            </a:endParaRPr>
+          </a:p>
+        </p:txBody>
+      </p:sp>
+      <p:cxnSp>
+        <p:nvCxnSpPr>
+          <p:cNvPr id="64" name="直接连接符 63"/>
+          <p:cNvCxnSpPr>
+            <a:stCxn id="63" idx="3"/>
+            <a:endCxn id="56" idx="7"/>
+          </p:cNvCxnSpPr>
+          <p:nvPr/>
+        </p:nvCxnSpPr>
+        <p:spPr>
+          <a:xfrm flipH="1">
+            <a:off x="8769826" y="2836228"/>
+            <a:ext cx="386080" cy="286385"/>
+          </a:xfrm>
+          <a:prstGeom prst="line">
+            <a:avLst/>
+          </a:prstGeom>
+          <a:noFill/>
+          <a:ln w="635">
+            <a:solidFill>
+              <a:schemeClr val="bg1">
+                <a:alpha val="30000"/>
+              </a:schemeClr>
+            </a:solidFill>
+          </a:ln>
+        </p:spPr>
+        <p:style>
+          <a:lnRef idx="1">
+            <a:schemeClr val="accent1"/>
+          </a:lnRef>
+          <a:fillRef idx="0">
+            <a:schemeClr val="accent1"/>
+          </a:fillRef>
+          <a:effectRef idx="0">
+            <a:schemeClr val="accent1"/>
+          </a:effectRef>
+          <a:fontRef idx="minor">
+            <a:schemeClr val="tx1"/>
+          </a:fontRef>
+        </p:style>
+      </p:cxnSp>
+    </p:spTree>
+  </p:cSld>
+  <p:clrMapOvr>
+    <a:masterClrMapping/>
+  </p:clrMapOvr>
+  <p:transition>
+    <p:fade/>
+  </p:transition>
+  <p:timing>
+    <p:tnLst>
+      <p:par>
+        <p:cTn id="1" dur="indefinite" restart="never" nodeType="tmRoot">
+          <p:childTnLst>
+            <p:seq concurrent="1" nextAc="seek">
+              <p:cTn id="2" dur="indefinite" nodeType="mainSeq">
+                <p:childTnLst>
+                  <p:par>
+                    <p:cTn id="3" fill="hold">
+                      <p:stCondLst>
+                        <p:cond delay="indefinite"/>
+                        <p:cond evt="onBegin" delay="0">
+                          <p:tn val="2"/>
+                        </p:cond>
+                      </p:stCondLst>
+                      <p:childTnLst>
+                        <p:par>
+                          <p:cTn id="4" fill="hold">
+                            <p:stCondLst>
+                              <p:cond delay="0"/>
+                            </p:stCondLst>
+                            <p:childTnLst>
+                              <p:par>
+                                <p:cTn id="5" presetID="10" presetClass="entr" presetSubtype="0" fill="hold" grpId="0" nodeType="afterEffect">
+                                  <p:stCondLst>
+                                    <p:cond delay="0"/>
+                                  </p:stCondLst>
+                                  <p:childTnLst>
+                                    <p:set>
+                                      <p:cBhvr>
+                                        <p:cTn id="6" dur="1" fill="hold">
+                                          <p:stCondLst>
+                                            <p:cond delay="0"/>
+                                          </p:stCondLst>
+                                        </p:cTn>
+                                        <p:tgtEl>
+                                          <p:spTgt spid="2"/>
+                                        </p:tgtEl>
+                                        <p:attrNameLst>
+                                          <p:attrName>style.visibility</p:attrName>
+                                        </p:attrNameLst>
+                                      </p:cBhvr>
+                                      <p:to>
+                                        <p:strVal val="visible"/>
+                                      </p:to>
+                                    </p:set>
+                                    <p:animEffect transition="in" filter="fade">
+                                      <p:cBhvr>
+                                        <p:cTn id="7" dur="500"/>
+                                        <p:tgtEl>
+                                          <p:spTgt spid="2"/>
+                                        </p:tgtEl>
+                                      </p:cBhvr>
+                                    </p:animEffect>
+                                  </p:childTnLst>
+                                </p:cTn>
+                              </p:par>
+                              <p:par>
+                                <p:cTn id="8" presetID="22" presetClass="entr" presetSubtype="2" fill="hold" grpId="0" nodeType="withEffect">
+                                  <p:stCondLst>
+                                    <p:cond delay="1500"/>
+                                  </p:stCondLst>
+                                  <p:childTnLst>
+                                    <p:set>
+                                      <p:cBhvr>
+                                        <p:cTn id="9" dur="1" fill="hold">
+                                          <p:stCondLst>
+                                            <p:cond delay="0"/>
+                                          </p:stCondLst>
+                                        </p:cTn>
+                                        <p:tgtEl>
+                                          <p:spTgt spid="49"/>
+                                        </p:tgtEl>
+                                        <p:attrNameLst>
+                                          <p:attrName>style.visibility</p:attrName>
+                                        </p:attrNameLst>
+                                      </p:cBhvr>
+                                      <p:to>
+                                        <p:strVal val="visible"/>
+                                      </p:to>
+                                    </p:set>
+                                    <p:animEffect transition="in" filter="wipe(right)">
+                                      <p:cBhvr>
+                                        <p:cTn id="10" dur="500"/>
+                                        <p:tgtEl>
+                                          <p:spTgt spid="49"/>
+                                        </p:tgtEl>
+                                      </p:cBhvr>
+                                    </p:animEffect>
+                                  </p:childTnLst>
+                                </p:cTn>
+                              </p:par>
+                              <p:par>
+                                <p:cTn id="11" presetID="10" presetClass="entr" presetSubtype="0" fill="hold" grpId="0" nodeType="withEffect">
+                                  <p:stCondLst>
+                                    <p:cond delay="0"/>
+                                  </p:stCondLst>
+                                  <p:childTnLst>
+                                    <p:set>
+                                      <p:cBhvr>
+                                        <p:cTn id="12" dur="1" fill="hold">
+                                          <p:stCondLst>
+                                            <p:cond delay="0"/>
+                                          </p:stCondLst>
+                                        </p:cTn>
+                                        <p:tgtEl>
+                                          <p:spTgt spid="50"/>
+                                        </p:tgtEl>
+                                        <p:attrNameLst>
+                                          <p:attrName>style.visibility</p:attrName>
+                                        </p:attrNameLst>
+                                      </p:cBhvr>
+                                      <p:to>
+                                        <p:strVal val="visible"/>
+                                      </p:to>
+                                    </p:set>
+                                    <p:animEffect transition="in" filter="fade">
+                                      <p:cBhvr>
+                                        <p:cTn id="13" dur="500"/>
+                                        <p:tgtEl>
+                                          <p:spTgt spid="50"/>
+                                        </p:tgtEl>
+                                      </p:cBhvr>
+                                    </p:animEffect>
+                                  </p:childTnLst>
+                                </p:cTn>
+                              </p:par>
+                            </p:childTnLst>
+                          </p:cTn>
+                        </p:par>
+                        <p:par>
+                          <p:cTn id="14" fill="hold">
+                            <p:stCondLst>
+                              <p:cond delay="500"/>
+                            </p:stCondLst>
+                            <p:childTnLst>
+                              <p:par>
+                                <p:cTn id="15" presetID="22" presetClass="entr" presetSubtype="8" fill="hold" nodeType="afterEffect">
+                                  <p:stCondLst>
+                                    <p:cond delay="0"/>
+                                  </p:stCondLst>
+                                  <p:childTnLst>
+                                    <p:set>
+                                      <p:cBhvr>
+                                        <p:cTn id="16" dur="1" fill="hold">
+                                          <p:stCondLst>
+                                            <p:cond delay="0"/>
+                                          </p:stCondLst>
+                                        </p:cTn>
+                                        <p:tgtEl>
+                                          <p:spTgt spid="58"/>
+                                        </p:tgtEl>
+                                        <p:attrNameLst>
+                                          <p:attrName>style.visibility</p:attrName>
+                                        </p:attrNameLst>
+                                      </p:cBhvr>
+                                      <p:to>
+                                        <p:strVal val="visible"/>
+                                      </p:to>
+                                    </p:set>
+                                    <p:animEffect transition="in" filter="wipe(left)">
+                                      <p:cBhvr>
+                                        <p:cTn id="17" dur="250"/>
+                                        <p:tgtEl>
+                                          <p:spTgt spid="58"/>
+                                        </p:tgtEl>
+                                      </p:cBhvr>
+                                    </p:animEffect>
+                                  </p:childTnLst>
+                                </p:cTn>
+                              </p:par>
+                              <p:par>
+                                <p:cTn id="18" presetID="22" presetClass="entr" presetSubtype="8" fill="hold" nodeType="withEffect">
+                                  <p:stCondLst>
+                                    <p:cond delay="250"/>
+                                  </p:stCondLst>
+                                  <p:childTnLst>
+                                    <p:set>
+                                      <p:cBhvr>
+                                        <p:cTn id="19" dur="1" fill="hold">
+                                          <p:stCondLst>
+                                            <p:cond delay="0"/>
+                                          </p:stCondLst>
+                                        </p:cTn>
+                                        <p:tgtEl>
+                                          <p:spTgt spid="59"/>
+                                        </p:tgtEl>
+                                        <p:attrNameLst>
+                                          <p:attrName>style.visibility</p:attrName>
+                                        </p:attrNameLst>
+                                      </p:cBhvr>
+                                      <p:to>
+                                        <p:strVal val="visible"/>
+                                      </p:to>
+                                    </p:set>
+                                    <p:animEffect transition="in" filter="wipe(left)">
+                                      <p:cBhvr>
+                                        <p:cTn id="20" dur="250"/>
+                                        <p:tgtEl>
+                                          <p:spTgt spid="59"/>
+                                        </p:tgtEl>
+                                      </p:cBhvr>
+                                    </p:animEffect>
+                                  </p:childTnLst>
+                                </p:cTn>
+                              </p:par>
+                              <p:par>
+                                <p:cTn id="21" presetID="10" presetClass="entr" presetSubtype="0" fill="hold" grpId="0" nodeType="withEffect">
+                                  <p:stCondLst>
+                                    <p:cond delay="250"/>
+                                  </p:stCondLst>
+                                  <p:childTnLst>
+                                    <p:set>
+                                      <p:cBhvr>
+                                        <p:cTn id="22" dur="1" fill="hold">
+                                          <p:stCondLst>
+                                            <p:cond delay="0"/>
+                                          </p:stCondLst>
+                                        </p:cTn>
+                                        <p:tgtEl>
+                                          <p:spTgt spid="51"/>
+                                        </p:tgtEl>
+                                        <p:attrNameLst>
+                                          <p:attrName>style.visibility</p:attrName>
+                                        </p:attrNameLst>
+                                      </p:cBhvr>
+                                      <p:to>
+                                        <p:strVal val="visible"/>
+                                      </p:to>
+                                    </p:set>
+                                    <p:animEffect transition="in" filter="fade">
+                                      <p:cBhvr>
+                                        <p:cTn id="23" dur="250"/>
+                                        <p:tgtEl>
+                                          <p:spTgt spid="51"/>
+                                        </p:tgtEl>
+                                      </p:cBhvr>
+                                    </p:animEffect>
+                                  </p:childTnLst>
+                                </p:cTn>
+                              </p:par>
+                              <p:par>
+                                <p:cTn id="24" presetID="22" presetClass="entr" presetSubtype="8" fill="hold" nodeType="withEffect">
+                                  <p:stCondLst>
+                                    <p:cond delay="500"/>
+                                  </p:stCondLst>
+                                  <p:childTnLst>
+                                    <p:set>
+                                      <p:cBhvr>
+                                        <p:cTn id="25" dur="1" fill="hold">
+                                          <p:stCondLst>
+                                            <p:cond delay="0"/>
+                                          </p:stCondLst>
+                                        </p:cTn>
+                                        <p:tgtEl>
+                                          <p:spTgt spid="61"/>
+                                        </p:tgtEl>
+                                        <p:attrNameLst>
+                                          <p:attrName>style.visibility</p:attrName>
+                                        </p:attrNameLst>
+                                      </p:cBhvr>
+                                      <p:to>
+                                        <p:strVal val="visible"/>
+                                      </p:to>
+                                    </p:set>
+                                    <p:animEffect transition="in" filter="wipe(left)">
+                                      <p:cBhvr>
+                                        <p:cTn id="26" dur="250"/>
+                                        <p:tgtEl>
+                                          <p:spTgt spid="61"/>
+                                        </p:tgtEl>
+                                      </p:cBhvr>
+                                    </p:animEffect>
+                                  </p:childTnLst>
+                                </p:cTn>
+                              </p:par>
+                              <p:par>
+                                <p:cTn id="27" presetID="10" presetClass="entr" presetSubtype="0" fill="hold" grpId="0" nodeType="withEffect">
+                                  <p:stCondLst>
+                                    <p:cond delay="500"/>
+                                  </p:stCondLst>
+                                  <p:childTnLst>
+                                    <p:set>
+                                      <p:cBhvr>
+                                        <p:cTn id="28" dur="1" fill="hold">
+                                          <p:stCondLst>
+                                            <p:cond delay="0"/>
+                                          </p:stCondLst>
+                                        </p:cTn>
+                                        <p:tgtEl>
+                                          <p:spTgt spid="52"/>
+                                        </p:tgtEl>
+                                        <p:attrNameLst>
+                                          <p:attrName>style.visibility</p:attrName>
+                                        </p:attrNameLst>
+                                      </p:cBhvr>
+                                      <p:to>
+                                        <p:strVal val="visible"/>
+                                      </p:to>
+                                    </p:set>
+                                    <p:animEffect transition="in" filter="fade">
+                                      <p:cBhvr>
+                                        <p:cTn id="29" dur="250"/>
+                                        <p:tgtEl>
+                                          <p:spTgt spid="52"/>
+                                        </p:tgtEl>
+                                      </p:cBhvr>
+                                    </p:animEffect>
+                                  </p:childTnLst>
+                                </p:cTn>
+                              </p:par>
+                              <p:par>
+                                <p:cTn id="30" presetID="22" presetClass="entr" presetSubtype="8" fill="hold" nodeType="withEffect">
+                                  <p:stCondLst>
+                                    <p:cond delay="750"/>
+                                  </p:stCondLst>
+                                  <p:childTnLst>
+                                    <p:set>
+                                      <p:cBhvr>
+                                        <p:cTn id="31" dur="1" fill="hold">
+                                          <p:stCondLst>
+                                            <p:cond delay="0"/>
+                                          </p:stCondLst>
+                                        </p:cTn>
+                                        <p:tgtEl>
+                                          <p:spTgt spid="62"/>
+                                        </p:tgtEl>
+                                        <p:attrNameLst>
+                                          <p:attrName>style.visibility</p:attrName>
+                                        </p:attrNameLst>
+                                      </p:cBhvr>
+                                      <p:to>
+                                        <p:strVal val="visible"/>
+                                      </p:to>
+                                    </p:set>
+                                    <p:animEffect transition="in" filter="wipe(left)">
+                                      <p:cBhvr>
+                                        <p:cTn id="32" dur="250"/>
+                                        <p:tgtEl>
+                                          <p:spTgt spid="62"/>
+                                        </p:tgtEl>
+                                      </p:cBhvr>
+                                    </p:animEffect>
+                                  </p:childTnLst>
+                                </p:cTn>
+                              </p:par>
+                              <p:par>
+                                <p:cTn id="33" presetID="10" presetClass="entr" presetSubtype="0" fill="hold" grpId="0" nodeType="withEffect">
+                                  <p:stCondLst>
+                                    <p:cond delay="750"/>
+                                  </p:stCondLst>
+                                  <p:childTnLst>
+                                    <p:set>
+                                      <p:cBhvr>
+                                        <p:cTn id="34" dur="1" fill="hold">
+                                          <p:stCondLst>
+                                            <p:cond delay="0"/>
+                                          </p:stCondLst>
+                                        </p:cTn>
+                                        <p:tgtEl>
+                                          <p:spTgt spid="57"/>
+                                        </p:tgtEl>
+                                        <p:attrNameLst>
+                                          <p:attrName>style.visibility</p:attrName>
+                                        </p:attrNameLst>
+                                      </p:cBhvr>
+                                      <p:to>
+                                        <p:strVal val="visible"/>
+                                      </p:to>
+                                    </p:set>
+                                    <p:animEffect transition="in" filter="fade">
+                                      <p:cBhvr>
+                                        <p:cTn id="35" dur="250"/>
+                                        <p:tgtEl>
+                                          <p:spTgt spid="57"/>
+                                        </p:tgtEl>
+                                      </p:cBhvr>
+                                    </p:animEffect>
+                                  </p:childTnLst>
+                                </p:cTn>
+                              </p:par>
+                              <p:par>
+                                <p:cTn id="36" presetID="22" presetClass="entr" presetSubtype="8" fill="hold" nodeType="withEffect">
+                                  <p:stCondLst>
+                                    <p:cond delay="1000"/>
+                                  </p:stCondLst>
+                                  <p:childTnLst>
+                                    <p:set>
+                                      <p:cBhvr>
+                                        <p:cTn id="37" dur="1" fill="hold">
+                                          <p:stCondLst>
+                                            <p:cond delay="0"/>
+                                          </p:stCondLst>
+                                        </p:cTn>
+                                        <p:tgtEl>
+                                          <p:spTgt spid="64"/>
+                                        </p:tgtEl>
+                                        <p:attrNameLst>
+                                          <p:attrName>style.visibility</p:attrName>
+                                        </p:attrNameLst>
+                                      </p:cBhvr>
+                                      <p:to>
+                                        <p:strVal val="visible"/>
+                                      </p:to>
+                                    </p:set>
+                                    <p:animEffect transition="in" filter="wipe(left)">
+                                      <p:cBhvr>
+                                        <p:cTn id="38" dur="250"/>
+                                        <p:tgtEl>
+                                          <p:spTgt spid="64"/>
+                                        </p:tgtEl>
+                                      </p:cBhvr>
+                                    </p:animEffect>
+                                  </p:childTnLst>
+                                </p:cTn>
+                              </p:par>
+                              <p:par>
+                                <p:cTn id="39" presetID="10" presetClass="entr" presetSubtype="0" fill="hold" grpId="0" nodeType="withEffect">
+                                  <p:stCondLst>
+                                    <p:cond delay="1000"/>
+                                  </p:stCondLst>
+                                  <p:childTnLst>
+                                    <p:set>
+                                      <p:cBhvr>
+                                        <p:cTn id="40" dur="1" fill="hold">
+                                          <p:stCondLst>
+                                            <p:cond delay="0"/>
+                                          </p:stCondLst>
+                                        </p:cTn>
+                                        <p:tgtEl>
+                                          <p:spTgt spid="56"/>
+                                        </p:tgtEl>
+                                        <p:attrNameLst>
+                                          <p:attrName>style.visibility</p:attrName>
+                                        </p:attrNameLst>
+                                      </p:cBhvr>
+                                      <p:to>
+                                        <p:strVal val="visible"/>
+                                      </p:to>
+                                    </p:set>
+                                    <p:animEffect transition="in" filter="fade">
+                                      <p:cBhvr>
+                                        <p:cTn id="41" dur="250"/>
+                                        <p:tgtEl>
+                                          <p:spTgt spid="56"/>
+                                        </p:tgtEl>
+                                      </p:cBhvr>
+                                    </p:animEffect>
+                                  </p:childTnLst>
+                                </p:cTn>
+                              </p:par>
+                              <p:par>
+                                <p:cTn id="42" presetID="10" presetClass="entr" presetSubtype="0" fill="hold" grpId="0" nodeType="withEffect">
+                                  <p:stCondLst>
+                                    <p:cond delay="1250"/>
+                                  </p:stCondLst>
+                                  <p:childTnLst>
+                                    <p:set>
+                                      <p:cBhvr>
+                                        <p:cTn id="43" dur="1" fill="hold">
+                                          <p:stCondLst>
+                                            <p:cond delay="0"/>
+                                          </p:stCondLst>
+                                        </p:cTn>
+                                        <p:tgtEl>
+                                          <p:spTgt spid="63"/>
+                                        </p:tgtEl>
+                                        <p:attrNameLst>
+                                          <p:attrName>style.visibility</p:attrName>
+                                        </p:attrNameLst>
+                                      </p:cBhvr>
+                                      <p:to>
+                                        <p:strVal val="visible"/>
+                                      </p:to>
+                                    </p:set>
+                                    <p:animEffect transition="in" filter="fade">
+                                      <p:cBhvr>
+                                        <p:cTn id="44" dur="250"/>
+                                        <p:tgtEl>
+                                          <p:spTgt spid="63"/>
+                                        </p:tgtEl>
+                                      </p:cBhvr>
+                                    </p:animEffect>
+                                  </p:childTnLst>
+                                </p:cTn>
+                              </p:par>
+                            </p:childTnLst>
+                          </p:cTn>
+                        </p:par>
+                      </p:childTnLst>
+                    </p:cTn>
+                  </p:par>
+                </p:childTnLst>
+              </p:cTn>
+              <p:prevCondLst>
+                <p:cond evt="onPrev" delay="0">
+                  <p:tgtEl>
+                    <p:sldTgt/>
+                  </p:tgtEl>
+                </p:cond>
+              </p:prevCondLst>
+              <p:nextCondLst>
+                <p:cond evt="onNext" delay="0">
+                  <p:tgtEl>
+                    <p:sldTgt/>
+                  </p:tgtEl>
+                </p:cond>
+              </p:nextCondLst>
+            </p:seq>
+          </p:childTnLst>
+        </p:cTn>
+      </p:par>
+    </p:tnLst>
+    <p:bldLst>
+      <p:bldP spid="2" grpId="0"/>
+      <p:bldP spid="49" grpId="0"/>
+      <p:bldP spid="50" grpId="0" bldLvl="0" animBg="1"/>
+      <p:bldP spid="51" grpId="0" bldLvl="0" animBg="1"/>
+      <p:bldP spid="52" grpId="0" bldLvl="0" animBg="1"/>
+      <p:bldP spid="56" grpId="0" bldLvl="0" animBg="1"/>
+      <p:bldP spid="57" grpId="0" bldLvl="0" animBg="1"/>
+      <p:bldP spid="63" grpId="0" bldLvl="0" animBg="1"/>
+    </p:bldLst>
+  </p:timing>
+</p:sld>
+</file>
+
+<file path=ppt/slides/slide20.xml><?xml version="1.0" encoding="utf-8"?>
+<p:sld xmlns:a="http://schemas.openxmlformats.org/drawingml/2006/main" xmlns:r="http://schemas.openxmlformats.org/officeDocument/2006/relationships" xmlns:p="http://schemas.openxmlformats.org/presentationml/2006/main">
+  <p:cSld>
+    <p:spTree>
+      <p:nvGrpSpPr>
+        <p:cNvPr id="1" name=""/>
+        <p:cNvGrpSpPr/>
+        <p:nvPr/>
+      </p:nvGrpSpPr>
+      <p:grpSpPr>
+        <a:xfrm>
+          <a:off x="0" y="0"/>
+          <a:ext cx="0" cy="0"/>
+          <a:chOff x="0" y="0"/>
+          <a:chExt cx="0" cy="0"/>
+        </a:xfrm>
+      </p:grpSpPr>
+      <p:sp>
+        <p:nvSpPr>
+          <p:cNvPr id="145" name="文本框 144"/>
+          <p:cNvSpPr txBox="1"/>
+          <p:nvPr/>
+        </p:nvSpPr>
+        <p:spPr>
+          <a:xfrm>
+            <a:off x="1908699" y="186776"/>
+            <a:ext cx="8087557" cy="646331"/>
+          </a:xfrm>
+          <a:prstGeom prst="rect">
+            <a:avLst/>
+          </a:prstGeom>
+          <a:noFill/>
+        </p:spPr>
+        <p:txBody>
+          <a:bodyPr wrap="square" rtlCol="0">
+            <a:spAutoFit/>
+          </a:bodyPr>
+          <a:lstStyle/>
+          <a:p>
+            <a:pPr algn="ctr"/>
+            <a:r>
+              <a:rPr lang="en-US" sz="3600" dirty="0">
+                <a:solidFill>
+                  <a:schemeClr val="bg1"/>
+                </a:solidFill>
+              </a:rPr>
+              <a:t>String Slice()</a:t>
+            </a:r>
+            <a:endParaRPr lang="en-CA" sz="3600" dirty="0">
+              <a:solidFill>
+                <a:schemeClr val="bg1"/>
+              </a:solidFill>
+            </a:endParaRPr>
+          </a:p>
+        </p:txBody>
+      </p:sp>
+      <p:sp>
+        <p:nvSpPr>
+          <p:cNvPr id="7" name="TextBox 6">
+            <a:extLst>
+              <a:ext uri="{FF2B5EF4-FFF2-40B4-BE49-F238E27FC236}">
+                <a16:creationId xmlns:a16="http://schemas.microsoft.com/office/drawing/2014/main" id="{B19E696B-C39C-4AB8-BFE8-D5BADBB78AAD}"/>
+              </a:ext>
+            </a:extLst>
+          </p:cNvPr>
+          <p:cNvSpPr txBox="1"/>
+          <p:nvPr/>
+        </p:nvSpPr>
+        <p:spPr>
+          <a:xfrm>
+            <a:off x="479394" y="1149433"/>
+            <a:ext cx="11221375" cy="4873450"/>
+          </a:xfrm>
+          <a:prstGeom prst="rect">
+            <a:avLst/>
+          </a:prstGeom>
+          <a:noFill/>
+        </p:spPr>
+        <p:txBody>
+          <a:bodyPr wrap="square">
+            <a:spAutoFit/>
+          </a:bodyPr>
+          <a:lstStyle/>
+          <a:p>
+            <a:pPr marL="0" marR="0" lvl="0" indent="0" algn="l" defTabSz="914400" rtl="0" eaLnBrk="0" fontAlgn="base" latinLnBrk="0" hangingPunct="0">
+              <a:lnSpc>
+                <a:spcPct val="150000"/>
+              </a:lnSpc>
+              <a:spcBef>
+                <a:spcPct val="0"/>
+              </a:spcBef>
+              <a:spcAft>
+                <a:spcPct val="0"/>
+              </a:spcAft>
+              <a:buClrTx/>
+              <a:buSzTx/>
+              <a:buFontTx/>
+              <a:buNone/>
+              <a:tabLst/>
+            </a:pPr>
+            <a:r>
+              <a:rPr kumimoji="0" lang="en-US" altLang="en-US" sz="1800" b="0" i="0" u="none" strike="noStrike" cap="none" normalizeH="0" baseline="0" dirty="0">
+                <a:ln>
+                  <a:noFill/>
+                </a:ln>
+                <a:solidFill>
+                  <a:srgbClr val="FF0000"/>
+                </a:solidFill>
+                <a:effectLst/>
+                <a:latin typeface="Consolas" panose="020B0609020204030204" pitchFamily="49" charset="0"/>
+              </a:rPr>
+              <a:t>slice()</a:t>
+            </a:r>
+            <a:r>
+              <a:rPr kumimoji="0" lang="en-US" altLang="en-US" sz="1800" b="0" i="0" u="none" strike="noStrike" cap="none" normalizeH="0" baseline="0" dirty="0">
+                <a:ln>
+                  <a:noFill/>
+                </a:ln>
+                <a:solidFill>
+                  <a:schemeClr val="bg1"/>
+                </a:solidFill>
+                <a:effectLst/>
+                <a:latin typeface="Verdana" panose="020B0604030504040204" pitchFamily="34" charset="0"/>
+              </a:rPr>
+              <a:t> extracts a part of a string and returns the extracted part in a new string.</a:t>
+            </a:r>
+            <a:endParaRPr kumimoji="0" lang="en-US" altLang="en-US" sz="1100" b="0" i="0" u="none" strike="noStrike" cap="none" normalizeH="0" baseline="0" dirty="0">
+              <a:ln>
+                <a:noFill/>
+              </a:ln>
+              <a:solidFill>
+                <a:schemeClr val="bg1"/>
+              </a:solidFill>
+              <a:effectLst/>
+            </a:endParaRPr>
+          </a:p>
+          <a:p>
+            <a:pPr marL="0" marR="0" lvl="0" indent="0" algn="l" defTabSz="914400" rtl="0" eaLnBrk="0" fontAlgn="base" latinLnBrk="0" hangingPunct="0">
+              <a:lnSpc>
+                <a:spcPct val="150000"/>
+              </a:lnSpc>
+              <a:spcBef>
+                <a:spcPct val="0"/>
+              </a:spcBef>
+              <a:spcAft>
+                <a:spcPct val="0"/>
+              </a:spcAft>
+              <a:buClrTx/>
+              <a:buSzTx/>
+              <a:buFontTx/>
+              <a:buNone/>
+              <a:tabLst/>
+            </a:pPr>
+            <a:r>
+              <a:rPr kumimoji="0" lang="en-US" altLang="en-US" sz="1800" b="0" i="0" u="none" strike="noStrike" cap="none" normalizeH="0" baseline="0" dirty="0">
+                <a:ln>
+                  <a:noFill/>
+                </a:ln>
+                <a:solidFill>
+                  <a:schemeClr val="bg1"/>
+                </a:solidFill>
+                <a:effectLst/>
+                <a:latin typeface="Verdana" panose="020B0604030504040204" pitchFamily="34" charset="0"/>
+              </a:rPr>
+              <a:t>The method takes 2 parameters: the start position, and the end position (end not included).</a:t>
+            </a:r>
+            <a:endParaRPr kumimoji="0" lang="en-US" altLang="en-US" sz="1100" b="0" i="0" u="none" strike="noStrike" cap="none" normalizeH="0" baseline="0" dirty="0">
+              <a:ln>
+                <a:noFill/>
+              </a:ln>
+              <a:solidFill>
+                <a:schemeClr val="bg1"/>
+              </a:solidFill>
+              <a:effectLst/>
+            </a:endParaRPr>
+          </a:p>
+          <a:p>
+            <a:pPr marL="0" marR="0" lvl="0" indent="0" algn="l" defTabSz="914400" rtl="0" eaLnBrk="0" fontAlgn="base" latinLnBrk="0" hangingPunct="0">
+              <a:lnSpc>
+                <a:spcPct val="150000"/>
+              </a:lnSpc>
+              <a:spcBef>
+                <a:spcPct val="0"/>
+              </a:spcBef>
+              <a:spcAft>
+                <a:spcPct val="0"/>
+              </a:spcAft>
+              <a:buClrTx/>
+              <a:buSzTx/>
+              <a:buFontTx/>
+              <a:buNone/>
+              <a:tabLst/>
+            </a:pPr>
+            <a:r>
+              <a:rPr kumimoji="0" lang="en-US" altLang="en-US" sz="1800" b="0" i="0" u="none" strike="noStrike" cap="none" normalizeH="0" baseline="0" dirty="0">
+                <a:ln>
+                  <a:noFill/>
+                </a:ln>
+                <a:solidFill>
+                  <a:schemeClr val="bg1"/>
+                </a:solidFill>
+                <a:effectLst/>
+                <a:latin typeface="Verdana" panose="020B0604030504040204" pitchFamily="34" charset="0"/>
+              </a:rPr>
+              <a:t>This example slices out a portion of a string from position 7 to position 12 (13-1):</a:t>
+            </a:r>
+            <a:endParaRPr kumimoji="0" lang="en-US" altLang="en-US" sz="3200" b="0" i="0" u="none" strike="noStrike" cap="none" normalizeH="0" baseline="0" dirty="0">
+              <a:ln>
+                <a:noFill/>
+              </a:ln>
+              <a:solidFill>
+                <a:schemeClr val="bg1"/>
+              </a:solidFill>
+              <a:effectLst/>
+              <a:latin typeface="Segoe UI" panose="020B0502040204020203" pitchFamily="34" charset="0"/>
+              <a:cs typeface="Segoe UI" panose="020B0502040204020203" pitchFamily="34" charset="0"/>
+            </a:endParaRPr>
+          </a:p>
+          <a:p>
+            <a:pPr marL="0" marR="0" lvl="0" indent="0" algn="l" defTabSz="914400" rtl="0" eaLnBrk="0" fontAlgn="base" latinLnBrk="0" hangingPunct="0">
+              <a:lnSpc>
+                <a:spcPct val="150000"/>
+              </a:lnSpc>
+              <a:spcBef>
+                <a:spcPct val="0"/>
+              </a:spcBef>
+              <a:spcAft>
+                <a:spcPct val="0"/>
+              </a:spcAft>
+              <a:buClrTx/>
+              <a:buSzTx/>
+              <a:buFontTx/>
+              <a:buNone/>
+              <a:tabLst/>
+            </a:pPr>
+            <a:r>
+              <a:rPr kumimoji="0" lang="en-US" altLang="en-US" sz="1800" b="0" i="0" u="none" strike="noStrike" cap="none" normalizeH="0" baseline="0" dirty="0">
+                <a:ln>
+                  <a:noFill/>
+                </a:ln>
+                <a:solidFill>
+                  <a:srgbClr val="FFFF00"/>
+                </a:solidFill>
+                <a:effectLst/>
+                <a:latin typeface="Consolas" panose="020B0609020204030204" pitchFamily="49" charset="0"/>
+              </a:rPr>
+              <a:t>let str = "Apple, Banana, Kiwi";</a:t>
+            </a:r>
+            <a:br>
+              <a:rPr kumimoji="0" lang="en-US" altLang="en-US" sz="1800" b="0" i="0" u="none" strike="noStrike" cap="none" normalizeH="0" baseline="0" dirty="0">
+                <a:ln>
+                  <a:noFill/>
+                </a:ln>
+                <a:solidFill>
+                  <a:srgbClr val="FFFF00"/>
+                </a:solidFill>
+                <a:effectLst/>
+                <a:latin typeface="Consolas" panose="020B0609020204030204" pitchFamily="49" charset="0"/>
+              </a:rPr>
+            </a:br>
+            <a:r>
+              <a:rPr kumimoji="0" lang="en-US" altLang="en-US" sz="1800" b="0" i="0" u="none" strike="noStrike" cap="none" normalizeH="0" baseline="0" dirty="0">
+                <a:ln>
+                  <a:noFill/>
+                </a:ln>
+                <a:solidFill>
+                  <a:srgbClr val="FFFF00"/>
+                </a:solidFill>
+                <a:effectLst/>
+                <a:latin typeface="Consolas" panose="020B0609020204030204" pitchFamily="49" charset="0"/>
+              </a:rPr>
+              <a:t>let part = </a:t>
+            </a:r>
+            <a:r>
+              <a:rPr kumimoji="0" lang="en-US" altLang="en-US" sz="1800" b="0" i="0" u="none" strike="noStrike" cap="none" normalizeH="0" baseline="0" dirty="0" err="1">
+                <a:ln>
+                  <a:noFill/>
+                </a:ln>
+                <a:solidFill>
+                  <a:srgbClr val="FFFF00"/>
+                </a:solidFill>
+                <a:effectLst/>
+                <a:latin typeface="Consolas" panose="020B0609020204030204" pitchFamily="49" charset="0"/>
+              </a:rPr>
+              <a:t>str.slice</a:t>
+            </a:r>
+            <a:r>
+              <a:rPr kumimoji="0" lang="en-US" altLang="en-US" sz="1800" b="0" i="0" u="none" strike="noStrike" cap="none" normalizeH="0" baseline="0" dirty="0">
+                <a:ln>
+                  <a:noFill/>
+                </a:ln>
+                <a:solidFill>
+                  <a:srgbClr val="FFFF00"/>
+                </a:solidFill>
+                <a:effectLst/>
+                <a:latin typeface="Consolas" panose="020B0609020204030204" pitchFamily="49" charset="0"/>
+              </a:rPr>
+              <a:t>(7, 13);</a:t>
+            </a:r>
+            <a:endParaRPr kumimoji="0" lang="en-US" altLang="en-US" sz="4000" b="0" i="0" u="none" strike="noStrike" cap="none" normalizeH="0" baseline="0" dirty="0">
+              <a:ln>
+                <a:noFill/>
+              </a:ln>
+              <a:solidFill>
+                <a:srgbClr val="FFFF00"/>
+              </a:solidFill>
+              <a:effectLst/>
+              <a:latin typeface="Segoe UI" panose="020B0502040204020203" pitchFamily="34" charset="0"/>
+              <a:cs typeface="Segoe UI" panose="020B0502040204020203" pitchFamily="34" charset="0"/>
+            </a:endParaRPr>
+          </a:p>
+          <a:p>
+            <a:pPr marL="0" marR="0" lvl="0" indent="0" algn="l" defTabSz="914400" rtl="0" eaLnBrk="0" fontAlgn="base" latinLnBrk="0" hangingPunct="0">
+              <a:lnSpc>
+                <a:spcPct val="150000"/>
+              </a:lnSpc>
+              <a:spcBef>
+                <a:spcPct val="0"/>
+              </a:spcBef>
+              <a:spcAft>
+                <a:spcPct val="0"/>
+              </a:spcAft>
+              <a:buClrTx/>
+              <a:buSzTx/>
+              <a:buFontTx/>
+              <a:buNone/>
+              <a:tabLst/>
+            </a:pPr>
+            <a:r>
+              <a:rPr kumimoji="0" lang="en-US" altLang="en-US" sz="1800" b="0" i="0" u="none" strike="noStrike" cap="none" normalizeH="0" baseline="0" dirty="0">
+                <a:ln>
+                  <a:noFill/>
+                </a:ln>
+                <a:solidFill>
+                  <a:schemeClr val="bg1"/>
+                </a:solidFill>
+                <a:effectLst/>
+                <a:latin typeface="Verdana" panose="020B0604030504040204" pitchFamily="34" charset="0"/>
+              </a:rPr>
+              <a:t>JavaScript counts positions from zero like array</a:t>
+            </a:r>
+          </a:p>
+          <a:p>
+            <a:pPr marL="0" marR="0" lvl="0" indent="0" algn="l" defTabSz="914400" rtl="0" eaLnBrk="0" fontAlgn="base" latinLnBrk="0" hangingPunct="0">
+              <a:lnSpc>
+                <a:spcPct val="150000"/>
+              </a:lnSpc>
+              <a:spcBef>
+                <a:spcPct val="0"/>
+              </a:spcBef>
+              <a:spcAft>
+                <a:spcPct val="0"/>
+              </a:spcAft>
+              <a:buClrTx/>
+              <a:buSzTx/>
+              <a:buFontTx/>
+              <a:buNone/>
+              <a:tabLst/>
+            </a:pPr>
+            <a:r>
+              <a:rPr kumimoji="0" lang="en-US" altLang="en-US" sz="1800" b="0" i="0" u="none" strike="noStrike" cap="none" normalizeH="0" baseline="0" dirty="0">
+                <a:ln>
+                  <a:noFill/>
+                </a:ln>
+                <a:solidFill>
+                  <a:schemeClr val="bg1"/>
+                </a:solidFill>
+                <a:effectLst/>
+                <a:latin typeface="Verdana" panose="020B0604030504040204" pitchFamily="34" charset="0"/>
+              </a:rPr>
+              <a:t>First position is 0</a:t>
+            </a:r>
+            <a:r>
+              <a:rPr lang="en-US" altLang="en-US" dirty="0">
+                <a:solidFill>
+                  <a:schemeClr val="bg1"/>
+                </a:solidFill>
+                <a:latin typeface="Verdana" panose="020B0604030504040204" pitchFamily="34" charset="0"/>
+              </a:rPr>
+              <a:t> and s</a:t>
+            </a:r>
+            <a:r>
+              <a:rPr kumimoji="0" lang="en-US" altLang="en-US" sz="1800" b="0" i="0" u="none" strike="noStrike" cap="none" normalizeH="0" baseline="0" dirty="0">
+                <a:ln>
+                  <a:noFill/>
+                </a:ln>
+                <a:solidFill>
+                  <a:schemeClr val="bg1"/>
+                </a:solidFill>
+                <a:effectLst/>
+                <a:latin typeface="Verdana" panose="020B0604030504040204" pitchFamily="34" charset="0"/>
+              </a:rPr>
+              <a:t>econd position is 1.</a:t>
+            </a:r>
+          </a:p>
+          <a:p>
+            <a:pPr marL="0" marR="0" lvl="0" indent="0" algn="l" defTabSz="914400" rtl="0" eaLnBrk="0" fontAlgn="base" latinLnBrk="0" hangingPunct="0">
+              <a:lnSpc>
+                <a:spcPct val="150000"/>
+              </a:lnSpc>
+              <a:spcBef>
+                <a:spcPct val="0"/>
+              </a:spcBef>
+              <a:spcAft>
+                <a:spcPct val="0"/>
+              </a:spcAft>
+              <a:buClrTx/>
+              <a:buSzTx/>
+              <a:buFontTx/>
+              <a:buNone/>
+              <a:tabLst/>
+            </a:pPr>
+            <a:endParaRPr kumimoji="0" lang="en-US" altLang="en-US" sz="1100" b="0" i="0" u="none" strike="noStrike" cap="none" normalizeH="0" baseline="0" dirty="0">
+              <a:ln>
+                <a:noFill/>
+              </a:ln>
+              <a:solidFill>
+                <a:schemeClr val="bg1"/>
+              </a:solidFill>
+              <a:effectLst/>
+            </a:endParaRPr>
+          </a:p>
+          <a:p>
+            <a:pPr marL="0" marR="0" lvl="0" indent="0" algn="l" defTabSz="914400" rtl="0" eaLnBrk="0" fontAlgn="base" latinLnBrk="0" hangingPunct="0">
+              <a:lnSpc>
+                <a:spcPct val="150000"/>
+              </a:lnSpc>
+              <a:spcBef>
+                <a:spcPct val="0"/>
+              </a:spcBef>
+              <a:spcAft>
+                <a:spcPct val="0"/>
+              </a:spcAft>
+              <a:buClrTx/>
+              <a:buSzTx/>
+              <a:buFontTx/>
+              <a:buNone/>
+              <a:tabLst/>
+            </a:pPr>
+            <a:r>
+              <a:rPr kumimoji="0" lang="en-US" altLang="en-US" sz="1800" b="0" i="0" u="none" strike="noStrike" cap="none" normalizeH="0" baseline="0" dirty="0">
+                <a:ln>
+                  <a:noFill/>
+                </a:ln>
+                <a:solidFill>
+                  <a:schemeClr val="bg1"/>
+                </a:solidFill>
+                <a:effectLst/>
+                <a:latin typeface="Verdana" panose="020B0604030504040204" pitchFamily="34" charset="0"/>
+              </a:rPr>
+              <a:t>If a parameter is negative, the position is counted from the end of the string.</a:t>
+            </a:r>
+            <a:endParaRPr kumimoji="0" lang="en-US" altLang="en-US" sz="1100" b="0" i="0" u="none" strike="noStrike" cap="none" normalizeH="0" baseline="0" dirty="0">
+              <a:ln>
+                <a:noFill/>
+              </a:ln>
+              <a:solidFill>
+                <a:schemeClr val="bg1"/>
+              </a:solidFill>
+              <a:effectLst/>
+            </a:endParaRPr>
+          </a:p>
+          <a:p>
+            <a:pPr marL="0" marR="0" lvl="0" indent="0" algn="l" defTabSz="914400" rtl="0" eaLnBrk="0" fontAlgn="base" latinLnBrk="0" hangingPunct="0">
+              <a:lnSpc>
+                <a:spcPct val="150000"/>
+              </a:lnSpc>
+              <a:spcBef>
+                <a:spcPct val="0"/>
+              </a:spcBef>
+              <a:spcAft>
+                <a:spcPct val="0"/>
+              </a:spcAft>
+              <a:buClrTx/>
+              <a:buSzTx/>
+              <a:buFontTx/>
+              <a:buNone/>
+              <a:tabLst/>
+            </a:pPr>
+            <a:r>
+              <a:rPr kumimoji="0" lang="en-US" altLang="en-US" sz="1800" b="0" i="0" u="none" strike="noStrike" cap="none" normalizeH="0" baseline="0" dirty="0">
+                <a:ln>
+                  <a:noFill/>
+                </a:ln>
+                <a:solidFill>
+                  <a:schemeClr val="bg1"/>
+                </a:solidFill>
+                <a:effectLst/>
+                <a:latin typeface="Verdana" panose="020B0604030504040204" pitchFamily="34" charset="0"/>
+              </a:rPr>
+              <a:t>This example slices out a portion of a string from position -12 to position -6:</a:t>
+            </a:r>
+            <a:endParaRPr kumimoji="0" lang="en-US" altLang="en-US" sz="3200" b="0" i="0" u="none" strike="noStrike" cap="none" normalizeH="0" baseline="0" dirty="0">
+              <a:ln>
+                <a:noFill/>
+              </a:ln>
+              <a:solidFill>
+                <a:schemeClr val="bg1"/>
+              </a:solidFill>
+              <a:effectLst/>
+              <a:latin typeface="Segoe UI" panose="020B0502040204020203" pitchFamily="34" charset="0"/>
+              <a:cs typeface="Segoe UI" panose="020B0502040204020203" pitchFamily="34" charset="0"/>
+            </a:endParaRPr>
+          </a:p>
+          <a:p>
+            <a:pPr marL="0" marR="0" lvl="0" indent="0" algn="l" defTabSz="914400" rtl="0" eaLnBrk="0" fontAlgn="base" latinLnBrk="0" hangingPunct="0">
+              <a:lnSpc>
+                <a:spcPct val="150000"/>
+              </a:lnSpc>
+              <a:spcBef>
+                <a:spcPct val="0"/>
+              </a:spcBef>
+              <a:spcAft>
+                <a:spcPct val="0"/>
+              </a:spcAft>
+              <a:buClrTx/>
+              <a:buSzTx/>
+              <a:buFontTx/>
+              <a:buNone/>
+              <a:tabLst/>
+            </a:pPr>
+            <a:r>
+              <a:rPr kumimoji="0" lang="en-US" altLang="en-US" sz="1800" b="0" i="0" u="none" strike="noStrike" cap="none" normalizeH="0" baseline="0" dirty="0">
+                <a:ln>
+                  <a:noFill/>
+                </a:ln>
+                <a:solidFill>
+                  <a:srgbClr val="FFFF00"/>
+                </a:solidFill>
+                <a:effectLst/>
+                <a:latin typeface="Consolas" panose="020B0609020204030204" pitchFamily="49" charset="0"/>
+              </a:rPr>
+              <a:t>let str = "Apple, Banana, Kiwi";</a:t>
+            </a:r>
+            <a:br>
+              <a:rPr kumimoji="0" lang="en-US" altLang="en-US" sz="1800" b="0" i="0" u="none" strike="noStrike" cap="none" normalizeH="0" baseline="0" dirty="0">
+                <a:ln>
+                  <a:noFill/>
+                </a:ln>
+                <a:solidFill>
+                  <a:srgbClr val="FFFF00"/>
+                </a:solidFill>
+                <a:effectLst/>
+                <a:latin typeface="Consolas" panose="020B0609020204030204" pitchFamily="49" charset="0"/>
+              </a:rPr>
+            </a:br>
+            <a:r>
+              <a:rPr kumimoji="0" lang="en-US" altLang="en-US" sz="1800" b="0" i="0" u="none" strike="noStrike" cap="none" normalizeH="0" baseline="0" dirty="0">
+                <a:ln>
+                  <a:noFill/>
+                </a:ln>
+                <a:solidFill>
+                  <a:srgbClr val="FFFF00"/>
+                </a:solidFill>
+                <a:effectLst/>
+                <a:latin typeface="Consolas" panose="020B0609020204030204" pitchFamily="49" charset="0"/>
+              </a:rPr>
+              <a:t>let part = </a:t>
+            </a:r>
+            <a:r>
+              <a:rPr kumimoji="0" lang="en-US" altLang="en-US" sz="1800" b="0" i="0" u="none" strike="noStrike" cap="none" normalizeH="0" baseline="0" dirty="0" err="1">
+                <a:ln>
+                  <a:noFill/>
+                </a:ln>
+                <a:solidFill>
+                  <a:srgbClr val="FFFF00"/>
+                </a:solidFill>
+                <a:effectLst/>
+                <a:latin typeface="Consolas" panose="020B0609020204030204" pitchFamily="49" charset="0"/>
+              </a:rPr>
+              <a:t>str.slice</a:t>
+            </a:r>
+            <a:r>
+              <a:rPr kumimoji="0" lang="en-US" altLang="en-US" sz="1800" b="0" i="0" u="none" strike="noStrike" cap="none" normalizeH="0" baseline="0" dirty="0">
+                <a:ln>
+                  <a:noFill/>
+                </a:ln>
+                <a:solidFill>
+                  <a:srgbClr val="FFFF00"/>
+                </a:solidFill>
+                <a:effectLst/>
+                <a:latin typeface="Consolas" panose="020B0609020204030204" pitchFamily="49" charset="0"/>
+              </a:rPr>
+              <a:t>(-12, -6);</a:t>
+            </a:r>
+            <a:endParaRPr lang="en-CA" dirty="0">
+              <a:solidFill>
+                <a:srgbClr val="FFFF00"/>
+              </a:solidFill>
+            </a:endParaRPr>
+          </a:p>
+        </p:txBody>
+      </p:sp>
+    </p:spTree>
+    <p:extLst>
+      <p:ext uri="{BB962C8B-B14F-4D97-AF65-F5344CB8AC3E}">
+        <p14:creationId xmlns:p14="http://schemas.microsoft.com/office/powerpoint/2010/main" val="336061531"/>
+      </p:ext>
+    </p:extLst>
+  </p:cSld>
+  <p:clrMapOvr>
+    <a:masterClrMapping/>
+  </p:clrMapOvr>
+  <p:transition>
+    <p:fade/>
+  </p:transition>
+  <p:timing>
+    <p:tnLst>
+      <p:par>
+        <p:cTn id="1" dur="indefinite" restart="never" nodeType="tmRoot">
+          <p:childTnLst>
+            <p:seq concurrent="1" nextAc="seek">
+              <p:cTn id="2" dur="indefinite" nodeType="mainSeq">
+                <p:childTnLst>
+                  <p:par>
+                    <p:cTn id="3" fill="hold">
+                      <p:stCondLst>
+                        <p:cond delay="indefinite"/>
+                        <p:cond evt="onBegin" delay="0">
+                          <p:tn val="2"/>
+                        </p:cond>
+                      </p:stCondLst>
+                      <p:childTnLst>
+                        <p:par>
+                          <p:cTn id="4" fill="hold">
+                            <p:stCondLst>
+                              <p:cond delay="0"/>
+                            </p:stCondLst>
+                            <p:childTnLst>
+                              <p:par>
+                                <p:cTn id="5" presetID="2" presetClass="entr" presetSubtype="2" fill="hold" grpId="0" nodeType="afterEffect">
+                                  <p:stCondLst>
+                                    <p:cond delay="0"/>
+                                  </p:stCondLst>
+                                  <p:childTnLst>
+                                    <p:set>
+                                      <p:cBhvr>
+                                        <p:cTn id="6" dur="1" fill="hold">
+                                          <p:stCondLst>
+                                            <p:cond delay="0"/>
+                                          </p:stCondLst>
+                                        </p:cTn>
+                                        <p:tgtEl>
+                                          <p:spTgt spid="145"/>
+                                        </p:tgtEl>
+                                        <p:attrNameLst>
+                                          <p:attrName>style.visibility</p:attrName>
+                                        </p:attrNameLst>
+                                      </p:cBhvr>
+                                      <p:to>
+                                        <p:strVal val="visible"/>
+                                      </p:to>
+                                    </p:set>
+                                    <p:anim calcmode="lin" valueType="num">
+                                      <p:cBhvr additive="base">
+                                        <p:cTn id="7" dur="500" fill="hold"/>
+                                        <p:tgtEl>
+                                          <p:spTgt spid="145"/>
+                                        </p:tgtEl>
+                                        <p:attrNameLst>
+                                          <p:attrName>ppt_x</p:attrName>
+                                        </p:attrNameLst>
+                                      </p:cBhvr>
+                                      <p:tavLst>
+                                        <p:tav tm="0">
+                                          <p:val>
+                                            <p:strVal val="1+#ppt_w/2"/>
+                                          </p:val>
+                                        </p:tav>
+                                        <p:tav tm="100000">
+                                          <p:val>
+                                            <p:strVal val="#ppt_x"/>
+                                          </p:val>
+                                        </p:tav>
+                                      </p:tavLst>
+                                    </p:anim>
+                                    <p:anim calcmode="lin" valueType="num">
+                                      <p:cBhvr additive="base">
+                                        <p:cTn id="8" dur="500" fill="hold"/>
+                                        <p:tgtEl>
+                                          <p:spTgt spid="145"/>
+                                        </p:tgtEl>
+                                        <p:attrNameLst>
+                                          <p:attrName>ppt_y</p:attrName>
+                                        </p:attrNameLst>
+                                      </p:cBhvr>
+                                      <p:tavLst>
+                                        <p:tav tm="0">
+                                          <p:val>
+                                            <p:strVal val="#ppt_y"/>
+                                          </p:val>
+                                        </p:tav>
+                                        <p:tav tm="100000">
+                                          <p:val>
+                                            <p:strVal val="#ppt_y"/>
+                                          </p:val>
+                                        </p:tav>
+                                      </p:tavLst>
+                                    </p:anim>
+                                  </p:childTnLst>
+                                </p:cTn>
+                              </p:par>
+                            </p:childTnLst>
+                          </p:cTn>
+                        </p:par>
+                      </p:childTnLst>
+                    </p:cTn>
+                  </p:par>
+                </p:childTnLst>
+              </p:cTn>
+              <p:prevCondLst>
+                <p:cond evt="onPrev" delay="0">
+                  <p:tgtEl>
+                    <p:sldTgt/>
+                  </p:tgtEl>
+                </p:cond>
+              </p:prevCondLst>
+              <p:nextCondLst>
+                <p:cond evt="onNext" delay="0">
+                  <p:tgtEl>
+                    <p:sldTgt/>
+                  </p:tgtEl>
+                </p:cond>
+              </p:nextCondLst>
+            </p:seq>
+          </p:childTnLst>
+        </p:cTn>
+      </p:par>
+    </p:tnLst>
+    <p:bldLst>
+      <p:bldP spid="145" grpId="0"/>
+    </p:bldLst>
+  </p:timing>
+</p:sld>
+</file>
+
+<file path=ppt/slides/slide21.xml><?xml version="1.0" encoding="utf-8"?>
+<p:sld xmlns:a="http://schemas.openxmlformats.org/drawingml/2006/main" xmlns:r="http://schemas.openxmlformats.org/officeDocument/2006/relationships" xmlns:p="http://schemas.openxmlformats.org/presentationml/2006/main">
+  <p:cSld>
+    <p:spTree>
+      <p:nvGrpSpPr>
+        <p:cNvPr id="1" name=""/>
+        <p:cNvGrpSpPr/>
+        <p:nvPr/>
+      </p:nvGrpSpPr>
+      <p:grpSpPr>
+        <a:xfrm>
+          <a:off x="0" y="0"/>
+          <a:ext cx="0" cy="0"/>
+          <a:chOff x="0" y="0"/>
+          <a:chExt cx="0" cy="0"/>
+        </a:xfrm>
+      </p:grpSpPr>
+      <p:sp>
+        <p:nvSpPr>
+          <p:cNvPr id="145" name="文本框 144"/>
+          <p:cNvSpPr txBox="1"/>
+          <p:nvPr/>
+        </p:nvSpPr>
+        <p:spPr>
+          <a:xfrm>
+            <a:off x="1908699" y="186776"/>
+            <a:ext cx="8087557" cy="646331"/>
+          </a:xfrm>
+          <a:prstGeom prst="rect">
+            <a:avLst/>
+          </a:prstGeom>
+          <a:noFill/>
+        </p:spPr>
+        <p:txBody>
+          <a:bodyPr wrap="square" rtlCol="0">
+            <a:spAutoFit/>
+          </a:bodyPr>
+          <a:lstStyle/>
+          <a:p>
+            <a:pPr algn="ctr"/>
+            <a:r>
+              <a:rPr lang="en-US" sz="3600" dirty="0">
+                <a:solidFill>
+                  <a:schemeClr val="bg1"/>
+                </a:solidFill>
+              </a:rPr>
+              <a:t>String Slice()</a:t>
+            </a:r>
+            <a:endParaRPr lang="en-CA" sz="3600" dirty="0">
+              <a:solidFill>
+                <a:schemeClr val="bg1"/>
+              </a:solidFill>
+            </a:endParaRPr>
+          </a:p>
+        </p:txBody>
+      </p:sp>
+      <p:sp>
+        <p:nvSpPr>
+          <p:cNvPr id="5" name="TextBox 4">
+            <a:extLst>
+              <a:ext uri="{FF2B5EF4-FFF2-40B4-BE49-F238E27FC236}">
+                <a16:creationId xmlns:a16="http://schemas.microsoft.com/office/drawing/2014/main" id="{70BC3C63-DCD6-47D5-B231-4897AD490FB8}"/>
+              </a:ext>
+            </a:extLst>
+          </p:cNvPr>
+          <p:cNvSpPr txBox="1"/>
+          <p:nvPr/>
+        </p:nvSpPr>
+        <p:spPr>
+          <a:xfrm>
+            <a:off x="843379" y="1380413"/>
+            <a:ext cx="10599937" cy="4465005"/>
+          </a:xfrm>
+          <a:prstGeom prst="rect">
+            <a:avLst/>
+          </a:prstGeom>
+          <a:noFill/>
+        </p:spPr>
+        <p:txBody>
+          <a:bodyPr wrap="square">
+            <a:spAutoFit/>
+          </a:bodyPr>
+          <a:lstStyle/>
+          <a:p>
+            <a:pPr algn="l">
+              <a:lnSpc>
+                <a:spcPct val="150000"/>
+              </a:lnSpc>
+            </a:pPr>
+            <a:r>
+              <a:rPr lang="en-US" sz="2400" b="0" i="0" dirty="0">
+                <a:solidFill>
+                  <a:schemeClr val="bg1"/>
+                </a:solidFill>
+                <a:effectLst/>
+                <a:latin typeface="Verdana" panose="020B0604030504040204" pitchFamily="34" charset="0"/>
+              </a:rPr>
+              <a:t>If omit the second parameter, the method will slice out the rest of the string:</a:t>
+            </a:r>
+          </a:p>
+          <a:p>
+            <a:pPr algn="l">
+              <a:lnSpc>
+                <a:spcPct val="150000"/>
+              </a:lnSpc>
+            </a:pPr>
+            <a:endParaRPr lang="en-US" sz="2400" b="0" i="0" dirty="0">
+              <a:solidFill>
+                <a:schemeClr val="bg1"/>
+              </a:solidFill>
+              <a:effectLst/>
+              <a:latin typeface="Segoe UI" panose="020B0502040204020203" pitchFamily="34" charset="0"/>
+            </a:endParaRPr>
+          </a:p>
+          <a:p>
+            <a:pPr algn="l">
+              <a:lnSpc>
+                <a:spcPct val="150000"/>
+              </a:lnSpc>
+            </a:pPr>
+            <a:r>
+              <a:rPr lang="en-US" sz="2400" b="0" i="0" dirty="0">
+                <a:solidFill>
+                  <a:srgbClr val="FFFF00"/>
+                </a:solidFill>
+                <a:effectLst/>
+                <a:latin typeface="Consolas" panose="020B0609020204030204" pitchFamily="49" charset="0"/>
+              </a:rPr>
+              <a:t>let part = </a:t>
+            </a:r>
+            <a:r>
+              <a:rPr lang="en-US" sz="2400" b="0" i="0" dirty="0" err="1">
+                <a:solidFill>
+                  <a:srgbClr val="FFFF00"/>
+                </a:solidFill>
+                <a:effectLst/>
+                <a:latin typeface="Consolas" panose="020B0609020204030204" pitchFamily="49" charset="0"/>
+              </a:rPr>
+              <a:t>str.slice</a:t>
+            </a:r>
+            <a:r>
+              <a:rPr lang="en-US" sz="2400" b="0" i="0" dirty="0">
+                <a:solidFill>
+                  <a:srgbClr val="FFFF00"/>
+                </a:solidFill>
+                <a:effectLst/>
+                <a:latin typeface="Consolas" panose="020B0609020204030204" pitchFamily="49" charset="0"/>
+              </a:rPr>
+              <a:t>(7);</a:t>
+            </a:r>
+          </a:p>
+          <a:p>
+            <a:pPr algn="l">
+              <a:lnSpc>
+                <a:spcPct val="150000"/>
+              </a:lnSpc>
+            </a:pPr>
+            <a:endParaRPr lang="en-US" sz="2400" b="0" i="0" dirty="0">
+              <a:solidFill>
+                <a:schemeClr val="bg1"/>
+              </a:solidFill>
+              <a:effectLst/>
+              <a:latin typeface="Verdana" panose="020B0604030504040204" pitchFamily="34" charset="0"/>
+            </a:endParaRPr>
+          </a:p>
+          <a:p>
+            <a:pPr algn="l">
+              <a:lnSpc>
+                <a:spcPct val="150000"/>
+              </a:lnSpc>
+            </a:pPr>
+            <a:r>
+              <a:rPr lang="en-US" sz="2400" b="0" i="0" dirty="0">
+                <a:solidFill>
+                  <a:schemeClr val="bg1"/>
+                </a:solidFill>
+                <a:effectLst/>
+                <a:latin typeface="Verdana" panose="020B0604030504040204" pitchFamily="34" charset="0"/>
+              </a:rPr>
+              <a:t>or, counting from the end:</a:t>
+            </a:r>
+          </a:p>
+          <a:p>
+            <a:pPr algn="l">
+              <a:lnSpc>
+                <a:spcPct val="150000"/>
+              </a:lnSpc>
+            </a:pPr>
+            <a:endParaRPr lang="en-US" sz="2400" b="0" i="0" dirty="0">
+              <a:solidFill>
+                <a:schemeClr val="bg1"/>
+              </a:solidFill>
+              <a:effectLst/>
+              <a:latin typeface="Segoe UI" panose="020B0502040204020203" pitchFamily="34" charset="0"/>
+            </a:endParaRPr>
+          </a:p>
+          <a:p>
+            <a:pPr algn="l">
+              <a:lnSpc>
+                <a:spcPct val="150000"/>
+              </a:lnSpc>
+            </a:pPr>
+            <a:r>
+              <a:rPr lang="en-US" sz="2400" b="0" i="0" dirty="0">
+                <a:solidFill>
+                  <a:srgbClr val="FFFF00"/>
+                </a:solidFill>
+                <a:effectLst/>
+                <a:latin typeface="Consolas" panose="020B0609020204030204" pitchFamily="49" charset="0"/>
+              </a:rPr>
+              <a:t>let part = </a:t>
+            </a:r>
+            <a:r>
+              <a:rPr lang="en-US" sz="2400" b="0" i="0" dirty="0" err="1">
+                <a:solidFill>
+                  <a:srgbClr val="FFFF00"/>
+                </a:solidFill>
+                <a:effectLst/>
+                <a:latin typeface="Consolas" panose="020B0609020204030204" pitchFamily="49" charset="0"/>
+              </a:rPr>
+              <a:t>str.slice</a:t>
+            </a:r>
+            <a:r>
+              <a:rPr lang="en-US" sz="2400" b="0" i="0" dirty="0">
+                <a:solidFill>
+                  <a:srgbClr val="FFFF00"/>
+                </a:solidFill>
+                <a:effectLst/>
+                <a:latin typeface="Consolas" panose="020B0609020204030204" pitchFamily="49" charset="0"/>
+              </a:rPr>
+              <a:t>(-12);</a:t>
+            </a:r>
+          </a:p>
+        </p:txBody>
+      </p:sp>
+    </p:spTree>
+    <p:extLst>
+      <p:ext uri="{BB962C8B-B14F-4D97-AF65-F5344CB8AC3E}">
+        <p14:creationId xmlns:p14="http://schemas.microsoft.com/office/powerpoint/2010/main" val="2898283042"/>
+      </p:ext>
+    </p:extLst>
+  </p:cSld>
+  <p:clrMapOvr>
+    <a:masterClrMapping/>
+  </p:clrMapOvr>
+  <p:transition>
+    <p:fade/>
+  </p:transition>
+  <p:timing>
+    <p:tnLst>
+      <p:par>
+        <p:cTn id="1" dur="indefinite" restart="never" nodeType="tmRoot">
+          <p:childTnLst>
+            <p:seq concurrent="1" nextAc="seek">
+              <p:cTn id="2" dur="indefinite" nodeType="mainSeq">
+                <p:childTnLst>
+                  <p:par>
+                    <p:cTn id="3" fill="hold">
+                      <p:stCondLst>
+                        <p:cond delay="indefinite"/>
+                        <p:cond evt="onBegin" delay="0">
+                          <p:tn val="2"/>
+                        </p:cond>
+                      </p:stCondLst>
+                      <p:childTnLst>
+                        <p:par>
+                          <p:cTn id="4" fill="hold">
+                            <p:stCondLst>
+                              <p:cond delay="0"/>
+                            </p:stCondLst>
+                            <p:childTnLst>
+                              <p:par>
+                                <p:cTn id="5" presetID="2" presetClass="entr" presetSubtype="2" fill="hold" grpId="0" nodeType="afterEffect">
+                                  <p:stCondLst>
+                                    <p:cond delay="0"/>
+                                  </p:stCondLst>
+                                  <p:childTnLst>
+                                    <p:set>
+                                      <p:cBhvr>
+                                        <p:cTn id="6" dur="1" fill="hold">
+                                          <p:stCondLst>
+                                            <p:cond delay="0"/>
+                                          </p:stCondLst>
+                                        </p:cTn>
+                                        <p:tgtEl>
+                                          <p:spTgt spid="145"/>
+                                        </p:tgtEl>
+                                        <p:attrNameLst>
+                                          <p:attrName>style.visibility</p:attrName>
+                                        </p:attrNameLst>
+                                      </p:cBhvr>
+                                      <p:to>
+                                        <p:strVal val="visible"/>
+                                      </p:to>
+                                    </p:set>
+                                    <p:anim calcmode="lin" valueType="num">
+                                      <p:cBhvr additive="base">
+                                        <p:cTn id="7" dur="500" fill="hold"/>
+                                        <p:tgtEl>
+                                          <p:spTgt spid="145"/>
+                                        </p:tgtEl>
+                                        <p:attrNameLst>
+                                          <p:attrName>ppt_x</p:attrName>
+                                        </p:attrNameLst>
+                                      </p:cBhvr>
+                                      <p:tavLst>
+                                        <p:tav tm="0">
+                                          <p:val>
+                                            <p:strVal val="1+#ppt_w/2"/>
+                                          </p:val>
+                                        </p:tav>
+                                        <p:tav tm="100000">
+                                          <p:val>
+                                            <p:strVal val="#ppt_x"/>
+                                          </p:val>
+                                        </p:tav>
+                                      </p:tavLst>
+                                    </p:anim>
+                                    <p:anim calcmode="lin" valueType="num">
+                                      <p:cBhvr additive="base">
+                                        <p:cTn id="8" dur="500" fill="hold"/>
+                                        <p:tgtEl>
+                                          <p:spTgt spid="145"/>
+                                        </p:tgtEl>
+                                        <p:attrNameLst>
+                                          <p:attrName>ppt_y</p:attrName>
+                                        </p:attrNameLst>
+                                      </p:cBhvr>
+                                      <p:tavLst>
+                                        <p:tav tm="0">
+                                          <p:val>
+                                            <p:strVal val="#ppt_y"/>
+                                          </p:val>
+                                        </p:tav>
+                                        <p:tav tm="100000">
+                                          <p:val>
+                                            <p:strVal val="#ppt_y"/>
+                                          </p:val>
+                                        </p:tav>
+                                      </p:tavLst>
+                                    </p:anim>
+                                  </p:childTnLst>
+                                </p:cTn>
+                              </p:par>
+                            </p:childTnLst>
+                          </p:cTn>
+                        </p:par>
+                      </p:childTnLst>
+                    </p:cTn>
+                  </p:par>
+                </p:childTnLst>
+              </p:cTn>
+              <p:prevCondLst>
+                <p:cond evt="onPrev" delay="0">
+                  <p:tgtEl>
+                    <p:sldTgt/>
+                  </p:tgtEl>
+                </p:cond>
+              </p:prevCondLst>
+              <p:nextCondLst>
+                <p:cond evt="onNext" delay="0">
+                  <p:tgtEl>
+                    <p:sldTgt/>
+                  </p:tgtEl>
+                </p:cond>
+              </p:nextCondLst>
+            </p:seq>
+          </p:childTnLst>
+        </p:cTn>
+      </p:par>
+    </p:tnLst>
+    <p:bldLst>
+      <p:bldP spid="145" grpId="0"/>
+    </p:bldLst>
+  </p:timing>
+</p:sld>
+</file>
+
+<file path=ppt/slides/slide22.xml><?xml version="1.0" encoding="utf-8"?>
+<p:sld xmlns:a="http://schemas.openxmlformats.org/drawingml/2006/main" xmlns:r="http://schemas.openxmlformats.org/officeDocument/2006/relationships" xmlns:p="http://schemas.openxmlformats.org/presentationml/2006/main">
+  <p:cSld>
+    <p:spTree>
+      <p:nvGrpSpPr>
+        <p:cNvPr id="1" name=""/>
+        <p:cNvGrpSpPr/>
+        <p:nvPr/>
+      </p:nvGrpSpPr>
+      <p:grpSpPr>
+        <a:xfrm>
+          <a:off x="0" y="0"/>
+          <a:ext cx="0" cy="0"/>
+          <a:chOff x="0" y="0"/>
+          <a:chExt cx="0" cy="0"/>
+        </a:xfrm>
+      </p:grpSpPr>
+      <p:sp>
+        <p:nvSpPr>
+          <p:cNvPr id="145" name="文本框 144"/>
+          <p:cNvSpPr txBox="1"/>
+          <p:nvPr/>
+        </p:nvSpPr>
+        <p:spPr>
+          <a:xfrm>
+            <a:off x="1908699" y="186776"/>
+            <a:ext cx="8087557" cy="646331"/>
+          </a:xfrm>
+          <a:prstGeom prst="rect">
+            <a:avLst/>
+          </a:prstGeom>
+          <a:noFill/>
+        </p:spPr>
+        <p:txBody>
+          <a:bodyPr wrap="square" rtlCol="0">
+            <a:spAutoFit/>
+          </a:bodyPr>
+          <a:lstStyle/>
+          <a:p>
+            <a:pPr algn="ctr"/>
+            <a:r>
+              <a:rPr lang="en-US" sz="3600" dirty="0">
+                <a:solidFill>
+                  <a:schemeClr val="bg1"/>
+                </a:solidFill>
+              </a:rPr>
+              <a:t>String substring()</a:t>
+            </a:r>
+            <a:endParaRPr lang="en-CA" sz="3600" dirty="0">
+              <a:solidFill>
+                <a:schemeClr val="bg1"/>
+              </a:solidFill>
+            </a:endParaRPr>
+          </a:p>
+        </p:txBody>
+      </p:sp>
+      <p:sp>
+        <p:nvSpPr>
+          <p:cNvPr id="6" name="TextBox 5">
+            <a:extLst>
+              <a:ext uri="{FF2B5EF4-FFF2-40B4-BE49-F238E27FC236}">
+                <a16:creationId xmlns:a16="http://schemas.microsoft.com/office/drawing/2014/main" id="{8020C876-1AD9-436A-A63D-56D9243A66CD}"/>
+              </a:ext>
+            </a:extLst>
+          </p:cNvPr>
+          <p:cNvSpPr txBox="1"/>
+          <p:nvPr/>
+        </p:nvSpPr>
+        <p:spPr>
+          <a:xfrm>
+            <a:off x="656947" y="1218804"/>
+            <a:ext cx="11061577" cy="4463401"/>
+          </a:xfrm>
+          <a:prstGeom prst="rect">
+            <a:avLst/>
+          </a:prstGeom>
+          <a:noFill/>
+        </p:spPr>
+        <p:txBody>
+          <a:bodyPr wrap="square">
+            <a:spAutoFit/>
+          </a:bodyPr>
+          <a:lstStyle/>
+          <a:p>
+            <a:pPr marL="0" marR="0" lvl="0" indent="0" algn="l" defTabSz="914400" rtl="0" eaLnBrk="0" fontAlgn="base" latinLnBrk="0" hangingPunct="0">
+              <a:lnSpc>
+                <a:spcPct val="150000"/>
+              </a:lnSpc>
+              <a:spcBef>
+                <a:spcPct val="0"/>
+              </a:spcBef>
+              <a:spcAft>
+                <a:spcPct val="0"/>
+              </a:spcAft>
+              <a:buClrTx/>
+              <a:buSzTx/>
+              <a:buFontTx/>
+              <a:buNone/>
+              <a:tabLst/>
+            </a:pPr>
+            <a:r>
+              <a:rPr kumimoji="0" lang="en-US" altLang="en-US" sz="2400" b="0" i="0" u="none" strike="noStrike" cap="none" normalizeH="0" baseline="0" dirty="0">
+                <a:ln>
+                  <a:noFill/>
+                </a:ln>
+                <a:solidFill>
+                  <a:schemeClr val="bg1"/>
+                </a:solidFill>
+                <a:effectLst/>
+                <a:latin typeface="Consolas" panose="020B0609020204030204" pitchFamily="49" charset="0"/>
+              </a:rPr>
+              <a:t>substring()</a:t>
+            </a:r>
+            <a:r>
+              <a:rPr kumimoji="0" lang="en-US" altLang="en-US" sz="2400" b="0" i="0" u="none" strike="noStrike" cap="none" normalizeH="0" baseline="0" dirty="0">
+                <a:ln>
+                  <a:noFill/>
+                </a:ln>
+                <a:solidFill>
+                  <a:schemeClr val="bg1"/>
+                </a:solidFill>
+                <a:effectLst/>
+                <a:latin typeface="Verdana" panose="020B0604030504040204" pitchFamily="34" charset="0"/>
+              </a:rPr>
+              <a:t> is similar to </a:t>
+            </a:r>
+            <a:r>
+              <a:rPr kumimoji="0" lang="en-US" altLang="en-US" sz="2400" b="0" i="0" u="none" strike="noStrike" cap="none" normalizeH="0" baseline="0" dirty="0">
+                <a:ln>
+                  <a:noFill/>
+                </a:ln>
+                <a:solidFill>
+                  <a:schemeClr val="bg1"/>
+                </a:solidFill>
+                <a:effectLst/>
+                <a:latin typeface="Consolas" panose="020B0609020204030204" pitchFamily="49" charset="0"/>
+              </a:rPr>
+              <a:t>slice()</a:t>
+            </a:r>
+            <a:r>
+              <a:rPr kumimoji="0" lang="en-US" altLang="en-US" sz="2400" b="0" i="0" u="none" strike="noStrike" cap="none" normalizeH="0" baseline="0" dirty="0">
+                <a:ln>
+                  <a:noFill/>
+                </a:ln>
+                <a:solidFill>
+                  <a:schemeClr val="bg1"/>
+                </a:solidFill>
+                <a:effectLst/>
+                <a:latin typeface="Verdana" panose="020B0604030504040204" pitchFamily="34" charset="0"/>
+              </a:rPr>
+              <a:t>.</a:t>
+            </a:r>
+            <a:endParaRPr kumimoji="0" lang="en-US" altLang="en-US" sz="2400" b="0" i="0" u="none" strike="noStrike" cap="none" normalizeH="0" baseline="0" dirty="0">
+              <a:ln>
+                <a:noFill/>
+              </a:ln>
+              <a:solidFill>
+                <a:schemeClr val="bg1"/>
+              </a:solidFill>
+              <a:effectLst/>
+            </a:endParaRPr>
+          </a:p>
+          <a:p>
+            <a:pPr marL="0" marR="0" lvl="0" indent="0" algn="l" defTabSz="914400" rtl="0" eaLnBrk="0" fontAlgn="base" latinLnBrk="0" hangingPunct="0">
+              <a:lnSpc>
+                <a:spcPct val="150000"/>
+              </a:lnSpc>
+              <a:spcBef>
+                <a:spcPct val="0"/>
+              </a:spcBef>
+              <a:spcAft>
+                <a:spcPct val="0"/>
+              </a:spcAft>
+              <a:buClrTx/>
+              <a:buSzTx/>
+              <a:buFontTx/>
+              <a:buNone/>
+              <a:tabLst/>
+            </a:pPr>
+            <a:r>
+              <a:rPr kumimoji="0" lang="en-US" altLang="en-US" sz="2400" b="0" i="0" u="none" strike="noStrike" cap="none" normalizeH="0" baseline="0" dirty="0">
+                <a:ln>
+                  <a:noFill/>
+                </a:ln>
+                <a:solidFill>
+                  <a:schemeClr val="bg1"/>
+                </a:solidFill>
+                <a:effectLst/>
+                <a:latin typeface="Verdana" panose="020B0604030504040204" pitchFamily="34" charset="0"/>
+              </a:rPr>
+              <a:t>The difference is that </a:t>
+            </a:r>
+            <a:r>
+              <a:rPr kumimoji="0" lang="en-US" altLang="en-US" sz="2400" b="0" i="0" u="none" strike="noStrike" cap="none" normalizeH="0" baseline="0" dirty="0">
+                <a:ln>
+                  <a:noFill/>
+                </a:ln>
+                <a:solidFill>
+                  <a:schemeClr val="bg1"/>
+                </a:solidFill>
+                <a:effectLst/>
+                <a:latin typeface="Consolas" panose="020B0609020204030204" pitchFamily="49" charset="0"/>
+              </a:rPr>
+              <a:t>substring()</a:t>
+            </a:r>
+            <a:r>
+              <a:rPr kumimoji="0" lang="en-US" altLang="en-US" sz="2400" b="0" i="0" u="none" strike="noStrike" cap="none" normalizeH="0" baseline="0" dirty="0">
+                <a:ln>
+                  <a:noFill/>
+                </a:ln>
+                <a:solidFill>
+                  <a:schemeClr val="bg1"/>
+                </a:solidFill>
+                <a:effectLst/>
+                <a:latin typeface="Verdana" panose="020B0604030504040204" pitchFamily="34" charset="0"/>
+              </a:rPr>
+              <a:t> cannot accept negative indexes.</a:t>
+            </a:r>
+            <a:endParaRPr kumimoji="0" lang="en-US" altLang="en-US" sz="2400" b="0" i="0" u="none" strike="noStrike" cap="none" normalizeH="0" baseline="0" dirty="0">
+              <a:ln>
+                <a:noFill/>
+              </a:ln>
+              <a:solidFill>
+                <a:schemeClr val="bg1"/>
+              </a:solidFill>
+              <a:effectLst/>
+            </a:endParaRPr>
+          </a:p>
+          <a:p>
+            <a:pPr marL="0" marR="0" lvl="0" indent="0" algn="l" defTabSz="914400" rtl="0" eaLnBrk="0" fontAlgn="base" latinLnBrk="0" hangingPunct="0">
+              <a:lnSpc>
+                <a:spcPct val="150000"/>
+              </a:lnSpc>
+              <a:spcBef>
+                <a:spcPct val="0"/>
+              </a:spcBef>
+              <a:spcAft>
+                <a:spcPct val="0"/>
+              </a:spcAft>
+              <a:buClrTx/>
+              <a:buSzTx/>
+              <a:buFontTx/>
+              <a:buNone/>
+              <a:tabLst/>
+            </a:pPr>
+            <a:endParaRPr kumimoji="0" lang="en-US" altLang="en-US" sz="2400" b="0" i="0" u="none" strike="noStrike" cap="none" normalizeH="0" baseline="0" dirty="0">
+              <a:ln>
+                <a:noFill/>
+              </a:ln>
+              <a:solidFill>
+                <a:schemeClr val="bg1"/>
+              </a:solidFill>
+              <a:effectLst/>
+              <a:latin typeface="Segoe UI" panose="020B0502040204020203" pitchFamily="34" charset="0"/>
+              <a:cs typeface="Segoe UI" panose="020B0502040204020203" pitchFamily="34" charset="0"/>
+            </a:endParaRPr>
+          </a:p>
+          <a:p>
+            <a:pPr marL="0" marR="0" lvl="0" indent="0" algn="l" defTabSz="914400" rtl="0" eaLnBrk="0" fontAlgn="base" latinLnBrk="0" hangingPunct="0">
+              <a:lnSpc>
+                <a:spcPct val="150000"/>
+              </a:lnSpc>
+              <a:spcBef>
+                <a:spcPct val="0"/>
+              </a:spcBef>
+              <a:spcAft>
+                <a:spcPct val="0"/>
+              </a:spcAft>
+              <a:buClrTx/>
+              <a:buSzTx/>
+              <a:buFontTx/>
+              <a:buNone/>
+              <a:tabLst/>
+            </a:pPr>
+            <a:r>
+              <a:rPr kumimoji="0" lang="en-US" altLang="en-US" sz="2400" b="0" i="0" u="none" strike="noStrike" cap="none" normalizeH="0" baseline="0" dirty="0">
+                <a:ln>
+                  <a:noFill/>
+                </a:ln>
+                <a:solidFill>
+                  <a:srgbClr val="FFFF00"/>
+                </a:solidFill>
+                <a:effectLst/>
+                <a:latin typeface="Consolas" panose="020B0609020204030204" pitchFamily="49" charset="0"/>
+              </a:rPr>
+              <a:t>let str = "Apple, Banana, Kiwi";</a:t>
+            </a:r>
+            <a:br>
+              <a:rPr kumimoji="0" lang="en-US" altLang="en-US" sz="2400" b="0" i="0" u="none" strike="noStrike" cap="none" normalizeH="0" baseline="0" dirty="0">
+                <a:ln>
+                  <a:noFill/>
+                </a:ln>
+                <a:solidFill>
+                  <a:srgbClr val="FFFF00"/>
+                </a:solidFill>
+                <a:effectLst/>
+                <a:latin typeface="Consolas" panose="020B0609020204030204" pitchFamily="49" charset="0"/>
+              </a:rPr>
+            </a:br>
+            <a:r>
+              <a:rPr kumimoji="0" lang="en-US" altLang="en-US" sz="2400" b="0" i="0" u="none" strike="noStrike" cap="none" normalizeH="0" baseline="0" dirty="0">
+                <a:ln>
+                  <a:noFill/>
+                </a:ln>
+                <a:solidFill>
+                  <a:srgbClr val="FFFF00"/>
+                </a:solidFill>
+                <a:effectLst/>
+                <a:latin typeface="Consolas" panose="020B0609020204030204" pitchFamily="49" charset="0"/>
+              </a:rPr>
+              <a:t>let part = </a:t>
+            </a:r>
+            <a:r>
+              <a:rPr kumimoji="0" lang="en-US" altLang="en-US" sz="2400" b="0" i="0" u="none" strike="noStrike" cap="none" normalizeH="0" baseline="0" dirty="0" err="1">
+                <a:ln>
+                  <a:noFill/>
+                </a:ln>
+                <a:solidFill>
+                  <a:srgbClr val="FFFF00"/>
+                </a:solidFill>
+                <a:effectLst/>
+                <a:latin typeface="Consolas" panose="020B0609020204030204" pitchFamily="49" charset="0"/>
+              </a:rPr>
+              <a:t>str.substring</a:t>
+            </a:r>
+            <a:r>
+              <a:rPr kumimoji="0" lang="en-US" altLang="en-US" sz="2400" b="0" i="0" u="none" strike="noStrike" cap="none" normalizeH="0" baseline="0" dirty="0">
+                <a:ln>
+                  <a:noFill/>
+                </a:ln>
+                <a:solidFill>
+                  <a:srgbClr val="FFFF00"/>
+                </a:solidFill>
+                <a:effectLst/>
+                <a:latin typeface="Consolas" panose="020B0609020204030204" pitchFamily="49" charset="0"/>
+              </a:rPr>
+              <a:t>(7, 13);</a:t>
+            </a:r>
+            <a:endParaRPr lang="en-US" altLang="en-US" sz="2400" dirty="0">
+              <a:solidFill>
+                <a:srgbClr val="FFFF00"/>
+              </a:solidFill>
+              <a:latin typeface="Verdana" panose="020B0604030504040204" pitchFamily="34" charset="0"/>
+              <a:ea typeface="Source Sans Pro" panose="020B0503030403020204" pitchFamily="34" charset="0"/>
+            </a:endParaRPr>
+          </a:p>
+          <a:p>
+            <a:pPr marL="0" marR="0" lvl="0" indent="0" algn="l" defTabSz="914400" rtl="0" eaLnBrk="0" fontAlgn="ctr" latinLnBrk="0" hangingPunct="0">
+              <a:lnSpc>
+                <a:spcPct val="150000"/>
+              </a:lnSpc>
+              <a:spcBef>
+                <a:spcPct val="0"/>
+              </a:spcBef>
+              <a:spcAft>
+                <a:spcPct val="0"/>
+              </a:spcAft>
+              <a:buClrTx/>
+              <a:buSzTx/>
+              <a:buFontTx/>
+              <a:buNone/>
+              <a:tabLst/>
+            </a:pPr>
+            <a:endParaRPr kumimoji="0" lang="en-US" altLang="en-US" sz="2400" b="0" i="0" u="none" strike="noStrike" cap="none" normalizeH="0" baseline="0" dirty="0">
+              <a:ln>
+                <a:noFill/>
+              </a:ln>
+              <a:solidFill>
+                <a:schemeClr val="bg1"/>
+              </a:solidFill>
+              <a:effectLst/>
+            </a:endParaRPr>
+          </a:p>
+          <a:p>
+            <a:pPr marL="0" marR="0" lvl="0" indent="0" algn="l" defTabSz="914400" rtl="0" eaLnBrk="0" fontAlgn="base" latinLnBrk="0" hangingPunct="0">
+              <a:lnSpc>
+                <a:spcPct val="150000"/>
+              </a:lnSpc>
+              <a:spcBef>
+                <a:spcPct val="0"/>
+              </a:spcBef>
+              <a:spcAft>
+                <a:spcPct val="0"/>
+              </a:spcAft>
+              <a:buClrTx/>
+              <a:buSzTx/>
+              <a:buFontTx/>
+              <a:buNone/>
+              <a:tabLst/>
+            </a:pPr>
+            <a:r>
+              <a:rPr kumimoji="0" lang="en-US" altLang="en-US" sz="2400" b="0" i="0" u="none" strike="noStrike" cap="none" normalizeH="0" baseline="0" dirty="0">
+                <a:ln>
+                  <a:noFill/>
+                </a:ln>
+                <a:solidFill>
+                  <a:schemeClr val="bg1"/>
+                </a:solidFill>
+                <a:effectLst/>
+                <a:latin typeface="Verdana" panose="020B0604030504040204" pitchFamily="34" charset="0"/>
+              </a:rPr>
+              <a:t>If omit the second parameter, </a:t>
+            </a:r>
+            <a:r>
+              <a:rPr kumimoji="0" lang="en-US" altLang="en-US" sz="2400" b="0" i="0" u="none" strike="noStrike" cap="none" normalizeH="0" baseline="0" dirty="0">
+                <a:ln>
+                  <a:noFill/>
+                </a:ln>
+                <a:solidFill>
+                  <a:schemeClr val="bg1"/>
+                </a:solidFill>
+                <a:effectLst/>
+                <a:latin typeface="Consolas" panose="020B0609020204030204" pitchFamily="49" charset="0"/>
+              </a:rPr>
+              <a:t>substring()</a:t>
+            </a:r>
+            <a:r>
+              <a:rPr kumimoji="0" lang="en-US" altLang="en-US" sz="2400" b="0" i="0" u="none" strike="noStrike" cap="none" normalizeH="0" baseline="0" dirty="0">
+                <a:ln>
+                  <a:noFill/>
+                </a:ln>
+                <a:solidFill>
+                  <a:schemeClr val="bg1"/>
+                </a:solidFill>
+                <a:effectLst/>
+                <a:latin typeface="Verdana" panose="020B0604030504040204" pitchFamily="34" charset="0"/>
+              </a:rPr>
+              <a:t> will slice out the rest of the string</a:t>
+            </a:r>
+            <a:endParaRPr lang="en-CA" sz="2400" dirty="0">
+              <a:solidFill>
+                <a:schemeClr val="bg1"/>
+              </a:solidFill>
+            </a:endParaRPr>
+          </a:p>
+        </p:txBody>
+      </p:sp>
+    </p:spTree>
+    <p:extLst>
+      <p:ext uri="{BB962C8B-B14F-4D97-AF65-F5344CB8AC3E}">
+        <p14:creationId xmlns:p14="http://schemas.microsoft.com/office/powerpoint/2010/main" val="1246120892"/>
+      </p:ext>
+    </p:extLst>
+  </p:cSld>
+  <p:clrMapOvr>
+    <a:masterClrMapping/>
+  </p:clrMapOvr>
+  <p:transition>
+    <p:fade/>
+  </p:transition>
+  <p:timing>
+    <p:tnLst>
+      <p:par>
+        <p:cTn id="1" dur="indefinite" restart="never" nodeType="tmRoot">
+          <p:childTnLst>
+            <p:seq concurrent="1" nextAc="seek">
+              <p:cTn id="2" dur="indefinite" nodeType="mainSeq">
+                <p:childTnLst>
+                  <p:par>
+                    <p:cTn id="3" fill="hold">
+                      <p:stCondLst>
+                        <p:cond delay="indefinite"/>
+                        <p:cond evt="onBegin" delay="0">
+                          <p:tn val="2"/>
+                        </p:cond>
+                      </p:stCondLst>
+                      <p:childTnLst>
+                        <p:par>
+                          <p:cTn id="4" fill="hold">
+                            <p:stCondLst>
+                              <p:cond delay="0"/>
+                            </p:stCondLst>
+                            <p:childTnLst>
+                              <p:par>
+                                <p:cTn id="5" presetID="2" presetClass="entr" presetSubtype="2" fill="hold" grpId="0" nodeType="afterEffect">
+                                  <p:stCondLst>
+                                    <p:cond delay="0"/>
+                                  </p:stCondLst>
+                                  <p:childTnLst>
+                                    <p:set>
+                                      <p:cBhvr>
+                                        <p:cTn id="6" dur="1" fill="hold">
+                                          <p:stCondLst>
+                                            <p:cond delay="0"/>
+                                          </p:stCondLst>
+                                        </p:cTn>
+                                        <p:tgtEl>
+                                          <p:spTgt spid="145"/>
+                                        </p:tgtEl>
+                                        <p:attrNameLst>
+                                          <p:attrName>style.visibility</p:attrName>
+                                        </p:attrNameLst>
+                                      </p:cBhvr>
+                                      <p:to>
+                                        <p:strVal val="visible"/>
+                                      </p:to>
+                                    </p:set>
+                                    <p:anim calcmode="lin" valueType="num">
+                                      <p:cBhvr additive="base">
+                                        <p:cTn id="7" dur="500" fill="hold"/>
+                                        <p:tgtEl>
+                                          <p:spTgt spid="145"/>
+                                        </p:tgtEl>
+                                        <p:attrNameLst>
+                                          <p:attrName>ppt_x</p:attrName>
+                                        </p:attrNameLst>
+                                      </p:cBhvr>
+                                      <p:tavLst>
+                                        <p:tav tm="0">
+                                          <p:val>
+                                            <p:strVal val="1+#ppt_w/2"/>
+                                          </p:val>
+                                        </p:tav>
+                                        <p:tav tm="100000">
+                                          <p:val>
+                                            <p:strVal val="#ppt_x"/>
+                                          </p:val>
+                                        </p:tav>
+                                      </p:tavLst>
+                                    </p:anim>
+                                    <p:anim calcmode="lin" valueType="num">
+                                      <p:cBhvr additive="base">
+                                        <p:cTn id="8" dur="500" fill="hold"/>
+                                        <p:tgtEl>
+                                          <p:spTgt spid="145"/>
+                                        </p:tgtEl>
+                                        <p:attrNameLst>
+                                          <p:attrName>ppt_y</p:attrName>
+                                        </p:attrNameLst>
+                                      </p:cBhvr>
+                                      <p:tavLst>
+                                        <p:tav tm="0">
+                                          <p:val>
+                                            <p:strVal val="#ppt_y"/>
+                                          </p:val>
+                                        </p:tav>
+                                        <p:tav tm="100000">
+                                          <p:val>
+                                            <p:strVal val="#ppt_y"/>
+                                          </p:val>
+                                        </p:tav>
+                                      </p:tavLst>
+                                    </p:anim>
+                                  </p:childTnLst>
+                                </p:cTn>
+                              </p:par>
+                            </p:childTnLst>
+                          </p:cTn>
+                        </p:par>
+                      </p:childTnLst>
+                    </p:cTn>
+                  </p:par>
+                </p:childTnLst>
+              </p:cTn>
+              <p:prevCondLst>
+                <p:cond evt="onPrev" delay="0">
+                  <p:tgtEl>
+                    <p:sldTgt/>
+                  </p:tgtEl>
+                </p:cond>
+              </p:prevCondLst>
+              <p:nextCondLst>
+                <p:cond evt="onNext" delay="0">
+                  <p:tgtEl>
+                    <p:sldTgt/>
+                  </p:tgtEl>
+                </p:cond>
+              </p:nextCondLst>
+            </p:seq>
+          </p:childTnLst>
+        </p:cTn>
+      </p:par>
+    </p:tnLst>
+    <p:bldLst>
+      <p:bldP spid="145" grpId="0"/>
+    </p:bldLst>
+  </p:timing>
+</p:sld>
+</file>
+
+<file path=ppt/slides/slide23.xml><?xml version="1.0" encoding="utf-8"?>
+<p:sld xmlns:a="http://schemas.openxmlformats.org/drawingml/2006/main" xmlns:r="http://schemas.openxmlformats.org/officeDocument/2006/relationships" xmlns:p="http://schemas.openxmlformats.org/presentationml/2006/main">
+  <p:cSld>
+    <p:spTree>
+      <p:nvGrpSpPr>
+        <p:cNvPr id="1" name=""/>
+        <p:cNvGrpSpPr/>
+        <p:nvPr/>
+      </p:nvGrpSpPr>
+      <p:grpSpPr>
+        <a:xfrm>
+          <a:off x="0" y="0"/>
+          <a:ext cx="0" cy="0"/>
+          <a:chOff x="0" y="0"/>
+          <a:chExt cx="0" cy="0"/>
+        </a:xfrm>
+      </p:grpSpPr>
+      <p:sp>
+        <p:nvSpPr>
+          <p:cNvPr id="145" name="文本框 144"/>
+          <p:cNvSpPr txBox="1"/>
+          <p:nvPr/>
+        </p:nvSpPr>
+        <p:spPr>
+          <a:xfrm>
+            <a:off x="1908699" y="186776"/>
+            <a:ext cx="8087557" cy="646331"/>
+          </a:xfrm>
+          <a:prstGeom prst="rect">
+            <a:avLst/>
+          </a:prstGeom>
+          <a:noFill/>
+        </p:spPr>
+        <p:txBody>
+          <a:bodyPr wrap="square" rtlCol="0">
+            <a:spAutoFit/>
+          </a:bodyPr>
+          <a:lstStyle/>
+          <a:p>
+            <a:pPr algn="ctr"/>
+            <a:r>
+              <a:rPr lang="en-US" sz="3600" dirty="0">
+                <a:solidFill>
+                  <a:schemeClr val="bg1"/>
+                </a:solidFill>
+              </a:rPr>
+              <a:t>String </a:t>
+            </a:r>
+            <a:r>
+              <a:rPr lang="en-US" sz="3600" dirty="0" err="1">
+                <a:solidFill>
+                  <a:schemeClr val="bg1"/>
+                </a:solidFill>
+              </a:rPr>
+              <a:t>substr</a:t>
+            </a:r>
+            <a:r>
+              <a:rPr lang="en-US" sz="3600" dirty="0">
+                <a:solidFill>
+                  <a:schemeClr val="bg1"/>
+                </a:solidFill>
+              </a:rPr>
+              <a:t>()</a:t>
+            </a:r>
+            <a:endParaRPr lang="en-CA" sz="3600" dirty="0">
+              <a:solidFill>
+                <a:schemeClr val="bg1"/>
+              </a:solidFill>
+            </a:endParaRPr>
+          </a:p>
+        </p:txBody>
+      </p:sp>
+      <p:sp>
+        <p:nvSpPr>
+          <p:cNvPr id="7" name="TextBox 6">
+            <a:extLst>
+              <a:ext uri="{FF2B5EF4-FFF2-40B4-BE49-F238E27FC236}">
+                <a16:creationId xmlns:a16="http://schemas.microsoft.com/office/drawing/2014/main" id="{6CD13B3F-92B2-4B61-89D0-3C02EC13BE89}"/>
+              </a:ext>
+            </a:extLst>
+          </p:cNvPr>
+          <p:cNvSpPr txBox="1"/>
+          <p:nvPr/>
+        </p:nvSpPr>
+        <p:spPr>
+          <a:xfrm>
+            <a:off x="541539" y="749367"/>
+            <a:ext cx="11123721" cy="5632311"/>
+          </a:xfrm>
+          <a:prstGeom prst="rect">
+            <a:avLst/>
+          </a:prstGeom>
+          <a:noFill/>
+        </p:spPr>
+        <p:txBody>
+          <a:bodyPr wrap="square">
+            <a:spAutoFit/>
+          </a:bodyPr>
+          <a:lstStyle/>
+          <a:p>
+            <a:pPr marL="0" marR="0" lvl="0" indent="0" algn="l" defTabSz="914400" rtl="0" eaLnBrk="0" fontAlgn="base" latinLnBrk="0" hangingPunct="0">
+              <a:lnSpc>
+                <a:spcPct val="100000"/>
+              </a:lnSpc>
+              <a:spcBef>
+                <a:spcPct val="0"/>
+              </a:spcBef>
+              <a:spcAft>
+                <a:spcPct val="0"/>
+              </a:spcAft>
+              <a:buClrTx/>
+              <a:buSzTx/>
+              <a:buFontTx/>
+              <a:buNone/>
+              <a:tabLst/>
+            </a:pPr>
+            <a:r>
+              <a:rPr kumimoji="0" lang="en-US" altLang="en-US" sz="2400" b="0" i="0" u="none" strike="noStrike" cap="none" normalizeH="0" baseline="0" dirty="0" err="1">
+                <a:ln>
+                  <a:noFill/>
+                </a:ln>
+                <a:solidFill>
+                  <a:srgbClr val="FF0000"/>
+                </a:solidFill>
+                <a:effectLst/>
+                <a:latin typeface="Consolas" panose="020B0609020204030204" pitchFamily="49" charset="0"/>
+              </a:rPr>
+              <a:t>substr</a:t>
+            </a:r>
+            <a:r>
+              <a:rPr kumimoji="0" lang="en-US" altLang="en-US" sz="2400" b="0" i="0" u="none" strike="noStrike" cap="none" normalizeH="0" baseline="0" dirty="0">
+                <a:ln>
+                  <a:noFill/>
+                </a:ln>
+                <a:solidFill>
+                  <a:srgbClr val="FF0000"/>
+                </a:solidFill>
+                <a:effectLst/>
+                <a:latin typeface="Consolas" panose="020B0609020204030204" pitchFamily="49" charset="0"/>
+              </a:rPr>
+              <a:t>()</a:t>
+            </a:r>
+            <a:r>
+              <a:rPr kumimoji="0" lang="en-US" altLang="en-US" sz="2400" b="0" i="0" u="none" strike="noStrike" cap="none" normalizeH="0" baseline="0" dirty="0">
+                <a:ln>
+                  <a:noFill/>
+                </a:ln>
+                <a:solidFill>
+                  <a:schemeClr val="bg1"/>
+                </a:solidFill>
+                <a:effectLst/>
+                <a:latin typeface="Verdana" panose="020B0604030504040204" pitchFamily="34" charset="0"/>
+              </a:rPr>
+              <a:t> is similar to </a:t>
+            </a:r>
+            <a:r>
+              <a:rPr kumimoji="0" lang="en-US" altLang="en-US" sz="2400" b="0" i="0" u="none" strike="noStrike" cap="none" normalizeH="0" baseline="0" dirty="0">
+                <a:ln>
+                  <a:noFill/>
+                </a:ln>
+                <a:solidFill>
+                  <a:srgbClr val="FF0000"/>
+                </a:solidFill>
+                <a:effectLst/>
+                <a:latin typeface="Consolas" panose="020B0609020204030204" pitchFamily="49" charset="0"/>
+              </a:rPr>
+              <a:t>slice()</a:t>
+            </a:r>
+            <a:r>
+              <a:rPr kumimoji="0" lang="en-US" altLang="en-US" sz="2400" b="0" i="0" u="none" strike="noStrike" cap="none" normalizeH="0" baseline="0" dirty="0">
+                <a:ln>
+                  <a:noFill/>
+                </a:ln>
+                <a:solidFill>
+                  <a:schemeClr val="bg1"/>
+                </a:solidFill>
+                <a:effectLst/>
+                <a:latin typeface="Verdana" panose="020B0604030504040204" pitchFamily="34" charset="0"/>
+              </a:rPr>
+              <a:t>.</a:t>
+            </a:r>
+            <a:endParaRPr kumimoji="0" lang="en-US" altLang="en-US" sz="2400" b="0" i="0" u="none" strike="noStrike" cap="none" normalizeH="0" baseline="0" dirty="0">
+              <a:ln>
+                <a:noFill/>
+              </a:ln>
+              <a:solidFill>
+                <a:schemeClr val="bg1"/>
+              </a:solidFill>
+              <a:effectLst/>
+            </a:endParaRPr>
+          </a:p>
+          <a:p>
+            <a:pPr marL="0" marR="0" lvl="0" indent="0" algn="l" defTabSz="914400" rtl="0" eaLnBrk="0" fontAlgn="base" latinLnBrk="0" hangingPunct="0">
+              <a:lnSpc>
+                <a:spcPct val="100000"/>
+              </a:lnSpc>
+              <a:spcBef>
+                <a:spcPct val="0"/>
+              </a:spcBef>
+              <a:spcAft>
+                <a:spcPct val="0"/>
+              </a:spcAft>
+              <a:buClrTx/>
+              <a:buSzTx/>
+              <a:buFontTx/>
+              <a:buNone/>
+              <a:tabLst/>
+            </a:pPr>
+            <a:r>
+              <a:rPr kumimoji="0" lang="en-US" altLang="en-US" sz="2400" b="0" i="0" u="none" strike="noStrike" cap="none" normalizeH="0" baseline="0" dirty="0">
+                <a:ln>
+                  <a:noFill/>
+                </a:ln>
+                <a:solidFill>
+                  <a:schemeClr val="bg1"/>
+                </a:solidFill>
+                <a:effectLst/>
+                <a:latin typeface="Verdana" panose="020B0604030504040204" pitchFamily="34" charset="0"/>
+              </a:rPr>
+              <a:t>The difference is that the second parameter specifies the </a:t>
+            </a:r>
+            <a:r>
+              <a:rPr kumimoji="0" lang="en-US" altLang="en-US" sz="2400" b="1" i="0" u="none" strike="noStrike" cap="none" normalizeH="0" baseline="0" dirty="0">
+                <a:ln>
+                  <a:noFill/>
+                </a:ln>
+                <a:solidFill>
+                  <a:schemeClr val="bg1"/>
+                </a:solidFill>
+                <a:effectLst/>
+                <a:latin typeface="Verdana" panose="020B0604030504040204" pitchFamily="34" charset="0"/>
+              </a:rPr>
+              <a:t>length</a:t>
+            </a:r>
+            <a:r>
+              <a:rPr kumimoji="0" lang="en-US" altLang="en-US" sz="2400" b="0" i="0" u="none" strike="noStrike" cap="none" normalizeH="0" baseline="0" dirty="0">
+                <a:ln>
+                  <a:noFill/>
+                </a:ln>
+                <a:solidFill>
+                  <a:schemeClr val="bg1"/>
+                </a:solidFill>
+                <a:effectLst/>
+                <a:latin typeface="Verdana" panose="020B0604030504040204" pitchFamily="34" charset="0"/>
+              </a:rPr>
+              <a:t> of the extracted part.</a:t>
+            </a:r>
+            <a:endParaRPr kumimoji="0" lang="en-US" altLang="en-US" sz="2400" b="0" i="0" u="none" strike="noStrike" cap="none" normalizeH="0" baseline="0" dirty="0">
+              <a:ln>
+                <a:noFill/>
+              </a:ln>
+              <a:solidFill>
+                <a:schemeClr val="bg1"/>
+              </a:solidFill>
+              <a:effectLst/>
+              <a:latin typeface="Segoe UI" panose="020B0502040204020203" pitchFamily="34" charset="0"/>
+              <a:cs typeface="Segoe UI" panose="020B0502040204020203" pitchFamily="34" charset="0"/>
+            </a:endParaRPr>
+          </a:p>
+          <a:p>
+            <a:pPr marL="0" marR="0" lvl="0" indent="0" algn="l" defTabSz="914400" rtl="0" eaLnBrk="0" fontAlgn="base" latinLnBrk="0" hangingPunct="0">
+              <a:lnSpc>
+                <a:spcPct val="100000"/>
+              </a:lnSpc>
+              <a:spcBef>
+                <a:spcPct val="0"/>
+              </a:spcBef>
+              <a:spcAft>
+                <a:spcPct val="0"/>
+              </a:spcAft>
+              <a:buClrTx/>
+              <a:buSzTx/>
+              <a:buFontTx/>
+              <a:buNone/>
+              <a:tabLst/>
+            </a:pPr>
+            <a:r>
+              <a:rPr kumimoji="0" lang="en-US" altLang="en-US" sz="2400" b="0" i="0" u="none" strike="noStrike" cap="none" normalizeH="0" baseline="0" dirty="0">
+                <a:ln>
+                  <a:noFill/>
+                </a:ln>
+                <a:solidFill>
+                  <a:srgbClr val="FFFF00"/>
+                </a:solidFill>
+                <a:effectLst/>
+                <a:latin typeface="Consolas" panose="020B0609020204030204" pitchFamily="49" charset="0"/>
+              </a:rPr>
+              <a:t>let str = "Apple, Banana, Kiwi";</a:t>
+            </a:r>
+            <a:br>
+              <a:rPr kumimoji="0" lang="en-US" altLang="en-US" sz="2400" b="0" i="0" u="none" strike="noStrike" cap="none" normalizeH="0" baseline="0" dirty="0">
+                <a:ln>
+                  <a:noFill/>
+                </a:ln>
+                <a:solidFill>
+                  <a:srgbClr val="FFFF00"/>
+                </a:solidFill>
+                <a:effectLst/>
+                <a:latin typeface="Consolas" panose="020B0609020204030204" pitchFamily="49" charset="0"/>
+              </a:rPr>
+            </a:br>
+            <a:r>
+              <a:rPr kumimoji="0" lang="en-US" altLang="en-US" sz="2400" b="0" i="0" u="none" strike="noStrike" cap="none" normalizeH="0" baseline="0" dirty="0">
+                <a:ln>
+                  <a:noFill/>
+                </a:ln>
+                <a:solidFill>
+                  <a:srgbClr val="FFFF00"/>
+                </a:solidFill>
+                <a:effectLst/>
+                <a:latin typeface="Consolas" panose="020B0609020204030204" pitchFamily="49" charset="0"/>
+              </a:rPr>
+              <a:t>let part = </a:t>
+            </a:r>
+            <a:r>
+              <a:rPr kumimoji="0" lang="en-US" altLang="en-US" sz="2400" b="0" i="0" u="none" strike="noStrike" cap="none" normalizeH="0" baseline="0" dirty="0" err="1">
+                <a:ln>
+                  <a:noFill/>
+                </a:ln>
+                <a:solidFill>
+                  <a:srgbClr val="FFFF00"/>
+                </a:solidFill>
+                <a:effectLst/>
+                <a:latin typeface="Consolas" panose="020B0609020204030204" pitchFamily="49" charset="0"/>
+              </a:rPr>
+              <a:t>str.substr</a:t>
+            </a:r>
+            <a:r>
+              <a:rPr kumimoji="0" lang="en-US" altLang="en-US" sz="2400" b="0" i="0" u="none" strike="noStrike" cap="none" normalizeH="0" baseline="0" dirty="0">
+                <a:ln>
+                  <a:noFill/>
+                </a:ln>
+                <a:solidFill>
+                  <a:srgbClr val="FFFF00"/>
+                </a:solidFill>
+                <a:effectLst/>
+                <a:latin typeface="Consolas" panose="020B0609020204030204" pitchFamily="49" charset="0"/>
+              </a:rPr>
+              <a:t>(7, 6);</a:t>
+            </a:r>
+            <a:endParaRPr lang="en-US" altLang="en-US" sz="2400" dirty="0">
+              <a:solidFill>
+                <a:srgbClr val="FFFF00"/>
+              </a:solidFill>
+              <a:latin typeface="Verdana" panose="020B0604030504040204" pitchFamily="34" charset="0"/>
+              <a:ea typeface="Source Sans Pro" panose="020B0503030403020204" pitchFamily="34" charset="0"/>
+            </a:endParaRPr>
+          </a:p>
+          <a:p>
+            <a:pPr marL="0" marR="0" lvl="0" indent="0" algn="l" defTabSz="914400" rtl="0" eaLnBrk="0" fontAlgn="ctr" latinLnBrk="0" hangingPunct="0">
+              <a:lnSpc>
+                <a:spcPct val="100000"/>
+              </a:lnSpc>
+              <a:spcBef>
+                <a:spcPct val="0"/>
+              </a:spcBef>
+              <a:spcAft>
+                <a:spcPct val="0"/>
+              </a:spcAft>
+              <a:buClrTx/>
+              <a:buSzTx/>
+              <a:buFontTx/>
+              <a:buNone/>
+              <a:tabLst/>
+            </a:pPr>
+            <a:endParaRPr kumimoji="0" lang="en-US" altLang="en-US" sz="2400" b="0" i="0" u="none" strike="noStrike" cap="none" normalizeH="0" baseline="0" dirty="0">
+              <a:ln>
+                <a:noFill/>
+              </a:ln>
+              <a:solidFill>
+                <a:schemeClr val="bg1"/>
+              </a:solidFill>
+              <a:effectLst/>
+            </a:endParaRPr>
+          </a:p>
+          <a:p>
+            <a:pPr marL="0" marR="0" lvl="0" indent="0" algn="l" defTabSz="914400" rtl="0" eaLnBrk="0" fontAlgn="base" latinLnBrk="0" hangingPunct="0">
+              <a:lnSpc>
+                <a:spcPct val="100000"/>
+              </a:lnSpc>
+              <a:spcBef>
+                <a:spcPct val="0"/>
+              </a:spcBef>
+              <a:spcAft>
+                <a:spcPct val="0"/>
+              </a:spcAft>
+              <a:buClrTx/>
+              <a:buSzTx/>
+              <a:buFontTx/>
+              <a:buNone/>
+              <a:tabLst/>
+            </a:pPr>
+            <a:r>
+              <a:rPr kumimoji="0" lang="en-US" altLang="en-US" sz="2400" b="0" i="0" u="none" strike="noStrike" cap="none" normalizeH="0" baseline="0" dirty="0">
+                <a:ln>
+                  <a:noFill/>
+                </a:ln>
+                <a:solidFill>
+                  <a:schemeClr val="bg1"/>
+                </a:solidFill>
+                <a:effectLst/>
+                <a:latin typeface="Verdana" panose="020B0604030504040204" pitchFamily="34" charset="0"/>
+              </a:rPr>
+              <a:t>If omit the second parameter, </a:t>
+            </a:r>
+            <a:r>
+              <a:rPr kumimoji="0" lang="en-US" altLang="en-US" sz="2400" b="0" i="0" u="none" strike="noStrike" cap="none" normalizeH="0" baseline="0" dirty="0" err="1">
+                <a:ln>
+                  <a:noFill/>
+                </a:ln>
+                <a:solidFill>
+                  <a:schemeClr val="bg1"/>
+                </a:solidFill>
+                <a:effectLst/>
+                <a:latin typeface="Consolas" panose="020B0609020204030204" pitchFamily="49" charset="0"/>
+              </a:rPr>
+              <a:t>substr</a:t>
+            </a:r>
+            <a:r>
+              <a:rPr kumimoji="0" lang="en-US" altLang="en-US" sz="2400" b="0" i="0" u="none" strike="noStrike" cap="none" normalizeH="0" baseline="0" dirty="0">
+                <a:ln>
+                  <a:noFill/>
+                </a:ln>
+                <a:solidFill>
+                  <a:schemeClr val="bg1"/>
+                </a:solidFill>
+                <a:effectLst/>
+                <a:latin typeface="Consolas" panose="020B0609020204030204" pitchFamily="49" charset="0"/>
+              </a:rPr>
+              <a:t>()</a:t>
+            </a:r>
+            <a:r>
+              <a:rPr kumimoji="0" lang="en-US" altLang="en-US" sz="2400" b="0" i="0" u="none" strike="noStrike" cap="none" normalizeH="0" baseline="0" dirty="0">
+                <a:ln>
+                  <a:noFill/>
+                </a:ln>
+                <a:solidFill>
+                  <a:schemeClr val="bg1"/>
+                </a:solidFill>
+                <a:effectLst/>
+                <a:latin typeface="Verdana" panose="020B0604030504040204" pitchFamily="34" charset="0"/>
+              </a:rPr>
+              <a:t> will slice out the rest of the string.</a:t>
+            </a:r>
+            <a:endParaRPr kumimoji="0" lang="en-US" altLang="en-US" sz="2400" b="0" i="0" u="none" strike="noStrike" cap="none" normalizeH="0" baseline="0" dirty="0">
+              <a:ln>
+                <a:noFill/>
+              </a:ln>
+              <a:solidFill>
+                <a:schemeClr val="bg1"/>
+              </a:solidFill>
+              <a:effectLst/>
+              <a:latin typeface="Segoe UI" panose="020B0502040204020203" pitchFamily="34" charset="0"/>
+              <a:cs typeface="Segoe UI" panose="020B0502040204020203" pitchFamily="34" charset="0"/>
+            </a:endParaRPr>
+          </a:p>
+          <a:p>
+            <a:pPr marL="0" marR="0" lvl="0" indent="0" algn="l" defTabSz="914400" rtl="0" eaLnBrk="0" fontAlgn="base" latinLnBrk="0" hangingPunct="0">
+              <a:lnSpc>
+                <a:spcPct val="100000"/>
+              </a:lnSpc>
+              <a:spcBef>
+                <a:spcPct val="0"/>
+              </a:spcBef>
+              <a:spcAft>
+                <a:spcPct val="0"/>
+              </a:spcAft>
+              <a:buClrTx/>
+              <a:buSzTx/>
+              <a:buFontTx/>
+              <a:buNone/>
+              <a:tabLst/>
+            </a:pPr>
+            <a:r>
+              <a:rPr kumimoji="0" lang="en-US" altLang="en-US" sz="2400" b="0" i="0" u="none" strike="noStrike" cap="none" normalizeH="0" baseline="0" dirty="0">
+                <a:ln>
+                  <a:noFill/>
+                </a:ln>
+                <a:solidFill>
+                  <a:srgbClr val="FFFF00"/>
+                </a:solidFill>
+                <a:effectLst/>
+                <a:latin typeface="Consolas" panose="020B0609020204030204" pitchFamily="49" charset="0"/>
+              </a:rPr>
+              <a:t>let str = "Apple, Banana, Kiwi";</a:t>
+            </a:r>
+            <a:br>
+              <a:rPr kumimoji="0" lang="en-US" altLang="en-US" sz="2400" b="0" i="0" u="none" strike="noStrike" cap="none" normalizeH="0" baseline="0" dirty="0">
+                <a:ln>
+                  <a:noFill/>
+                </a:ln>
+                <a:solidFill>
+                  <a:srgbClr val="FFFF00"/>
+                </a:solidFill>
+                <a:effectLst/>
+                <a:latin typeface="Consolas" panose="020B0609020204030204" pitchFamily="49" charset="0"/>
+              </a:rPr>
+            </a:br>
+            <a:r>
+              <a:rPr kumimoji="0" lang="en-US" altLang="en-US" sz="2400" b="0" i="0" u="none" strike="noStrike" cap="none" normalizeH="0" baseline="0" dirty="0">
+                <a:ln>
+                  <a:noFill/>
+                </a:ln>
+                <a:solidFill>
+                  <a:srgbClr val="FFFF00"/>
+                </a:solidFill>
+                <a:effectLst/>
+                <a:latin typeface="Consolas" panose="020B0609020204030204" pitchFamily="49" charset="0"/>
+              </a:rPr>
+              <a:t>let part = </a:t>
+            </a:r>
+            <a:r>
+              <a:rPr kumimoji="0" lang="en-US" altLang="en-US" sz="2400" b="0" i="0" u="none" strike="noStrike" cap="none" normalizeH="0" baseline="0" dirty="0" err="1">
+                <a:ln>
+                  <a:noFill/>
+                </a:ln>
+                <a:solidFill>
+                  <a:srgbClr val="FFFF00"/>
+                </a:solidFill>
+                <a:effectLst/>
+                <a:latin typeface="Consolas" panose="020B0609020204030204" pitchFamily="49" charset="0"/>
+              </a:rPr>
+              <a:t>str.substr</a:t>
+            </a:r>
+            <a:r>
+              <a:rPr kumimoji="0" lang="en-US" altLang="en-US" sz="2400" b="0" i="0" u="none" strike="noStrike" cap="none" normalizeH="0" baseline="0" dirty="0">
+                <a:ln>
+                  <a:noFill/>
+                </a:ln>
+                <a:solidFill>
+                  <a:srgbClr val="FFFF00"/>
+                </a:solidFill>
+                <a:effectLst/>
+                <a:latin typeface="Consolas" panose="020B0609020204030204" pitchFamily="49" charset="0"/>
+              </a:rPr>
+              <a:t>(7);</a:t>
+            </a:r>
+            <a:endParaRPr lang="en-US" altLang="en-US" sz="2400" dirty="0">
+              <a:solidFill>
+                <a:srgbClr val="FFFF00"/>
+              </a:solidFill>
+              <a:latin typeface="Verdana" panose="020B0604030504040204" pitchFamily="34" charset="0"/>
+              <a:ea typeface="Source Sans Pro" panose="020B0503030403020204" pitchFamily="34" charset="0"/>
+            </a:endParaRPr>
+          </a:p>
+          <a:p>
+            <a:pPr marL="0" marR="0" lvl="0" indent="0" algn="l" defTabSz="914400" rtl="0" eaLnBrk="0" fontAlgn="ctr" latinLnBrk="0" hangingPunct="0">
+              <a:lnSpc>
+                <a:spcPct val="100000"/>
+              </a:lnSpc>
+              <a:spcBef>
+                <a:spcPct val="0"/>
+              </a:spcBef>
+              <a:spcAft>
+                <a:spcPct val="0"/>
+              </a:spcAft>
+              <a:buClrTx/>
+              <a:buSzTx/>
+              <a:buFontTx/>
+              <a:buNone/>
+              <a:tabLst/>
+            </a:pPr>
+            <a:endParaRPr kumimoji="0" lang="en-US" altLang="en-US" sz="2400" b="0" i="0" u="none" strike="noStrike" cap="none" normalizeH="0" baseline="0" dirty="0">
+              <a:ln>
+                <a:noFill/>
+              </a:ln>
+              <a:solidFill>
+                <a:schemeClr val="bg1"/>
+              </a:solidFill>
+              <a:effectLst/>
+            </a:endParaRPr>
+          </a:p>
+          <a:p>
+            <a:pPr marL="0" marR="0" lvl="0" indent="0" algn="l" defTabSz="914400" rtl="0" eaLnBrk="0" fontAlgn="base" latinLnBrk="0" hangingPunct="0">
+              <a:lnSpc>
+                <a:spcPct val="100000"/>
+              </a:lnSpc>
+              <a:spcBef>
+                <a:spcPct val="0"/>
+              </a:spcBef>
+              <a:spcAft>
+                <a:spcPct val="0"/>
+              </a:spcAft>
+              <a:buClrTx/>
+              <a:buSzTx/>
+              <a:buFontTx/>
+              <a:buNone/>
+              <a:tabLst/>
+            </a:pPr>
+            <a:r>
+              <a:rPr kumimoji="0" lang="en-US" altLang="en-US" sz="2400" b="0" i="0" u="none" strike="noStrike" cap="none" normalizeH="0" baseline="0" dirty="0">
+                <a:ln>
+                  <a:noFill/>
+                </a:ln>
+                <a:solidFill>
+                  <a:schemeClr val="bg1"/>
+                </a:solidFill>
+                <a:effectLst/>
+                <a:latin typeface="Verdana" panose="020B0604030504040204" pitchFamily="34" charset="0"/>
+              </a:rPr>
+              <a:t>If the first parameter is negative, the position counts from the end of the string.</a:t>
+            </a:r>
+            <a:endParaRPr kumimoji="0" lang="en-US" altLang="en-US" sz="2400" b="0" i="0" u="none" strike="noStrike" cap="none" normalizeH="0" baseline="0" dirty="0">
+              <a:ln>
+                <a:noFill/>
+              </a:ln>
+              <a:solidFill>
+                <a:schemeClr val="bg1"/>
+              </a:solidFill>
+              <a:effectLst/>
+              <a:latin typeface="Segoe UI" panose="020B0502040204020203" pitchFamily="34" charset="0"/>
+              <a:cs typeface="Segoe UI" panose="020B0502040204020203" pitchFamily="34" charset="0"/>
+            </a:endParaRPr>
+          </a:p>
+          <a:p>
+            <a:pPr marL="0" marR="0" lvl="0" indent="0" algn="l" defTabSz="914400" rtl="0" eaLnBrk="0" fontAlgn="base" latinLnBrk="0" hangingPunct="0">
+              <a:lnSpc>
+                <a:spcPct val="100000"/>
+              </a:lnSpc>
+              <a:spcBef>
+                <a:spcPct val="0"/>
+              </a:spcBef>
+              <a:spcAft>
+                <a:spcPct val="0"/>
+              </a:spcAft>
+              <a:buClrTx/>
+              <a:buSzTx/>
+              <a:buFontTx/>
+              <a:buNone/>
+              <a:tabLst/>
+            </a:pPr>
+            <a:r>
+              <a:rPr kumimoji="0" lang="en-US" altLang="en-US" sz="2400" b="0" i="0" u="none" strike="noStrike" cap="none" normalizeH="0" baseline="0" dirty="0">
+                <a:ln>
+                  <a:noFill/>
+                </a:ln>
+                <a:solidFill>
+                  <a:srgbClr val="FFFF00"/>
+                </a:solidFill>
+                <a:effectLst/>
+                <a:latin typeface="Consolas" panose="020B0609020204030204" pitchFamily="49" charset="0"/>
+              </a:rPr>
+              <a:t>let str = "Apple, Banana, Kiwi";</a:t>
+            </a:r>
+            <a:br>
+              <a:rPr kumimoji="0" lang="en-US" altLang="en-US" sz="2400" b="0" i="0" u="none" strike="noStrike" cap="none" normalizeH="0" baseline="0" dirty="0">
+                <a:ln>
+                  <a:noFill/>
+                </a:ln>
+                <a:solidFill>
+                  <a:srgbClr val="FFFF00"/>
+                </a:solidFill>
+                <a:effectLst/>
+                <a:latin typeface="Consolas" panose="020B0609020204030204" pitchFamily="49" charset="0"/>
+              </a:rPr>
+            </a:br>
+            <a:r>
+              <a:rPr kumimoji="0" lang="en-US" altLang="en-US" sz="2400" b="0" i="0" u="none" strike="noStrike" cap="none" normalizeH="0" baseline="0" dirty="0">
+                <a:ln>
+                  <a:noFill/>
+                </a:ln>
+                <a:solidFill>
+                  <a:srgbClr val="FFFF00"/>
+                </a:solidFill>
+                <a:effectLst/>
+                <a:latin typeface="Consolas" panose="020B0609020204030204" pitchFamily="49" charset="0"/>
+              </a:rPr>
+              <a:t>let part = </a:t>
+            </a:r>
+            <a:r>
+              <a:rPr kumimoji="0" lang="en-US" altLang="en-US" sz="2400" b="0" i="0" u="none" strike="noStrike" cap="none" normalizeH="0" baseline="0" dirty="0" err="1">
+                <a:ln>
+                  <a:noFill/>
+                </a:ln>
+                <a:solidFill>
+                  <a:srgbClr val="FFFF00"/>
+                </a:solidFill>
+                <a:effectLst/>
+                <a:latin typeface="Consolas" panose="020B0609020204030204" pitchFamily="49" charset="0"/>
+              </a:rPr>
+              <a:t>str.substr</a:t>
+            </a:r>
+            <a:r>
+              <a:rPr kumimoji="0" lang="en-US" altLang="en-US" sz="2400" b="0" i="0" u="none" strike="noStrike" cap="none" normalizeH="0" baseline="0" dirty="0">
+                <a:ln>
+                  <a:noFill/>
+                </a:ln>
+                <a:solidFill>
+                  <a:srgbClr val="FFFF00"/>
+                </a:solidFill>
+                <a:effectLst/>
+                <a:latin typeface="Consolas" panose="020B0609020204030204" pitchFamily="49" charset="0"/>
+              </a:rPr>
+              <a:t>(-4);</a:t>
+            </a:r>
+            <a:endParaRPr lang="en-CA" sz="2400" dirty="0">
+              <a:solidFill>
+                <a:srgbClr val="FFFF00"/>
+              </a:solidFill>
+            </a:endParaRPr>
+          </a:p>
+        </p:txBody>
+      </p:sp>
+    </p:spTree>
+    <p:extLst>
+      <p:ext uri="{BB962C8B-B14F-4D97-AF65-F5344CB8AC3E}">
+        <p14:creationId xmlns:p14="http://schemas.microsoft.com/office/powerpoint/2010/main" val="2308046554"/>
+      </p:ext>
+    </p:extLst>
+  </p:cSld>
+  <p:clrMapOvr>
+    <a:masterClrMapping/>
+  </p:clrMapOvr>
+  <p:transition>
+    <p:fade/>
+  </p:transition>
+  <p:timing>
+    <p:tnLst>
+      <p:par>
+        <p:cTn id="1" dur="indefinite" restart="never" nodeType="tmRoot">
+          <p:childTnLst>
+            <p:seq concurrent="1" nextAc="seek">
+              <p:cTn id="2" dur="indefinite" nodeType="mainSeq">
+                <p:childTnLst>
+                  <p:par>
+                    <p:cTn id="3" fill="hold">
+                      <p:stCondLst>
+                        <p:cond delay="indefinite"/>
+                        <p:cond evt="onBegin" delay="0">
+                          <p:tn val="2"/>
+                        </p:cond>
+                      </p:stCondLst>
+                      <p:childTnLst>
+                        <p:par>
+                          <p:cTn id="4" fill="hold">
+                            <p:stCondLst>
+                              <p:cond delay="0"/>
+                            </p:stCondLst>
+                            <p:childTnLst>
+                              <p:par>
+                                <p:cTn id="5" presetID="2" presetClass="entr" presetSubtype="2" fill="hold" grpId="0" nodeType="afterEffect">
+                                  <p:stCondLst>
+                                    <p:cond delay="0"/>
+                                  </p:stCondLst>
+                                  <p:childTnLst>
+                                    <p:set>
+                                      <p:cBhvr>
+                                        <p:cTn id="6" dur="1" fill="hold">
+                                          <p:stCondLst>
+                                            <p:cond delay="0"/>
+                                          </p:stCondLst>
+                                        </p:cTn>
+                                        <p:tgtEl>
+                                          <p:spTgt spid="145"/>
+                                        </p:tgtEl>
+                                        <p:attrNameLst>
+                                          <p:attrName>style.visibility</p:attrName>
+                                        </p:attrNameLst>
+                                      </p:cBhvr>
+                                      <p:to>
+                                        <p:strVal val="visible"/>
+                                      </p:to>
+                                    </p:set>
+                                    <p:anim calcmode="lin" valueType="num">
+                                      <p:cBhvr additive="base">
+                                        <p:cTn id="7" dur="500" fill="hold"/>
+                                        <p:tgtEl>
+                                          <p:spTgt spid="145"/>
+                                        </p:tgtEl>
+                                        <p:attrNameLst>
+                                          <p:attrName>ppt_x</p:attrName>
+                                        </p:attrNameLst>
+                                      </p:cBhvr>
+                                      <p:tavLst>
+                                        <p:tav tm="0">
+                                          <p:val>
+                                            <p:strVal val="1+#ppt_w/2"/>
+                                          </p:val>
+                                        </p:tav>
+                                        <p:tav tm="100000">
+                                          <p:val>
+                                            <p:strVal val="#ppt_x"/>
+                                          </p:val>
+                                        </p:tav>
+                                      </p:tavLst>
+                                    </p:anim>
+                                    <p:anim calcmode="lin" valueType="num">
+                                      <p:cBhvr additive="base">
+                                        <p:cTn id="8" dur="500" fill="hold"/>
+                                        <p:tgtEl>
+                                          <p:spTgt spid="145"/>
+                                        </p:tgtEl>
+                                        <p:attrNameLst>
+                                          <p:attrName>ppt_y</p:attrName>
+                                        </p:attrNameLst>
+                                      </p:cBhvr>
+                                      <p:tavLst>
+                                        <p:tav tm="0">
+                                          <p:val>
+                                            <p:strVal val="#ppt_y"/>
+                                          </p:val>
+                                        </p:tav>
+                                        <p:tav tm="100000">
+                                          <p:val>
+                                            <p:strVal val="#ppt_y"/>
+                                          </p:val>
+                                        </p:tav>
+                                      </p:tavLst>
+                                    </p:anim>
+                                  </p:childTnLst>
+                                </p:cTn>
+                              </p:par>
+                            </p:childTnLst>
+                          </p:cTn>
+                        </p:par>
+                      </p:childTnLst>
+                    </p:cTn>
+                  </p:par>
+                </p:childTnLst>
+              </p:cTn>
+              <p:prevCondLst>
+                <p:cond evt="onPrev" delay="0">
+                  <p:tgtEl>
+                    <p:sldTgt/>
+                  </p:tgtEl>
+                </p:cond>
+              </p:prevCondLst>
+              <p:nextCondLst>
+                <p:cond evt="onNext" delay="0">
+                  <p:tgtEl>
+                    <p:sldTgt/>
+                  </p:tgtEl>
+                </p:cond>
+              </p:nextCondLst>
+            </p:seq>
+          </p:childTnLst>
+        </p:cTn>
+      </p:par>
+    </p:tnLst>
+    <p:bldLst>
+      <p:bldP spid="145" grpId="0"/>
+    </p:bldLst>
+  </p:timing>
+</p:sld>
+</file>
+
+<file path=ppt/slides/slide24.xml><?xml version="1.0" encoding="utf-8"?>
 <p:sld xmlns:a="http://schemas.openxmlformats.org/drawingml/2006/main" xmlns:r="http://schemas.openxmlformats.org/officeDocument/2006/relationships" xmlns:p="http://schemas.openxmlformats.org/presentationml/2006/main">
   <p:cSld>
     <p:bg>
@@ -12146,1299 +18933,6 @@
 </p:sld>
 </file>
 
-<file path=ppt/slides/slide2.xml><?xml version="1.0" encoding="utf-8"?>
-<p:sld xmlns:a="http://schemas.openxmlformats.org/drawingml/2006/main" xmlns:r="http://schemas.openxmlformats.org/officeDocument/2006/relationships" xmlns:p="http://schemas.openxmlformats.org/presentationml/2006/main">
-  <p:cSld>
-    <p:bg>
-      <p:bgPr>
-        <a:blipFill rotWithShape="1">
-          <a:blip r:embed="rId2"/>
-          <a:stretch>
-            <a:fillRect/>
-          </a:stretch>
-        </a:blipFill>
-        <a:effectLst/>
-      </p:bgPr>
-    </p:bg>
-    <p:spTree>
-      <p:nvGrpSpPr>
-        <p:cNvPr id="1" name=""/>
-        <p:cNvGrpSpPr/>
-        <p:nvPr/>
-      </p:nvGrpSpPr>
-      <p:grpSpPr>
-        <a:xfrm>
-          <a:off x="0" y="0"/>
-          <a:ext cx="0" cy="0"/>
-          <a:chOff x="0" y="0"/>
-          <a:chExt cx="0" cy="0"/>
-        </a:xfrm>
-      </p:grpSpPr>
-      <p:sp>
-        <p:nvSpPr>
-          <p:cNvPr id="2" name="文本框 1"/>
-          <p:cNvSpPr txBox="1"/>
-          <p:nvPr/>
-        </p:nvSpPr>
-        <p:spPr>
-          <a:xfrm>
-            <a:off x="2234444" y="218395"/>
-            <a:ext cx="2989943" cy="4702810"/>
-          </a:xfrm>
-          <a:prstGeom prst="rect">
-            <a:avLst/>
-          </a:prstGeom>
-          <a:noFill/>
-          <a:ln>
-            <a:noFill/>
-          </a:ln>
-        </p:spPr>
-        <p:txBody>
-          <a:bodyPr wrap="square" rtlCol="0">
-            <a:spAutoFit/>
-          </a:bodyPr>
-          <a:lstStyle/>
-          <a:p>
-            <a:r>
-              <a:rPr lang="en-US" altLang="zh-CN" sz="30000" b="1" dirty="0">
-                <a:ln>
-                  <a:solidFill>
-                    <a:schemeClr val="bg1">
-                      <a:alpha val="50000"/>
-                    </a:schemeClr>
-                  </a:solidFill>
-                </a:ln>
-                <a:solidFill>
-                  <a:schemeClr val="bg1">
-                    <a:alpha val="20000"/>
-                  </a:schemeClr>
-                </a:solidFill>
-                <a:ea typeface="微软雅黑" panose="020B0503020204020204" pitchFamily="34" charset="-122"/>
-              </a:rPr>
-              <a:t>1</a:t>
-            </a:r>
-            <a:endParaRPr lang="zh-CN" altLang="en-US" sz="30000" b="1" dirty="0">
-              <a:ln>
-                <a:solidFill>
-                  <a:schemeClr val="bg1">
-                    <a:alpha val="50000"/>
-                  </a:schemeClr>
-                </a:solidFill>
-              </a:ln>
-              <a:solidFill>
-                <a:schemeClr val="bg1">
-                  <a:alpha val="20000"/>
-                </a:schemeClr>
-              </a:solidFill>
-              <a:ea typeface="微软雅黑" panose="020B0503020204020204" pitchFamily="34" charset="-122"/>
-            </a:endParaRPr>
-          </a:p>
-        </p:txBody>
-      </p:sp>
-      <p:sp>
-        <p:nvSpPr>
-          <p:cNvPr id="49" name="文本框 48"/>
-          <p:cNvSpPr txBox="1"/>
-          <p:nvPr/>
-        </p:nvSpPr>
-        <p:spPr>
-          <a:xfrm>
-            <a:off x="4263637" y="2142032"/>
-            <a:ext cx="6620715" cy="923330"/>
-          </a:xfrm>
-          <a:prstGeom prst="rect">
-            <a:avLst/>
-          </a:prstGeom>
-          <a:noFill/>
-        </p:spPr>
-        <p:txBody>
-          <a:bodyPr wrap="square" rtlCol="0">
-            <a:spAutoFit/>
-          </a:bodyPr>
-          <a:lstStyle/>
-          <a:p>
-            <a:pPr algn="ctr"/>
-            <a:r>
-              <a:rPr lang="en-US" altLang="zh-CN" sz="5400" b="1" dirty="0" err="1">
-                <a:solidFill>
-                  <a:schemeClr val="bg1"/>
-                </a:solidFill>
-                <a:ea typeface="微软雅黑" panose="020B0503020204020204" pitchFamily="34" charset="-122"/>
-              </a:rPr>
-              <a:t>Javascript</a:t>
-            </a:r>
-            <a:r>
-              <a:rPr lang="en-US" altLang="zh-CN" sz="5400" b="1" dirty="0">
-                <a:solidFill>
-                  <a:schemeClr val="bg1"/>
-                </a:solidFill>
-                <a:ea typeface="微软雅黑" panose="020B0503020204020204" pitchFamily="34" charset="-122"/>
-              </a:rPr>
-              <a:t> Object</a:t>
-            </a:r>
-            <a:endParaRPr lang="zh-CN" altLang="en-US" sz="5400" b="1" dirty="0">
-              <a:solidFill>
-                <a:schemeClr val="bg1"/>
-              </a:solidFill>
-              <a:ea typeface="微软雅黑" panose="020B0503020204020204" pitchFamily="34" charset="-122"/>
-            </a:endParaRPr>
-          </a:p>
-        </p:txBody>
-      </p:sp>
-      <p:sp>
-        <p:nvSpPr>
-          <p:cNvPr id="50" name="椭圆 49"/>
-          <p:cNvSpPr/>
-          <p:nvPr/>
-        </p:nvSpPr>
-        <p:spPr>
-          <a:xfrm>
-            <a:off x="3966788" y="2962995"/>
-            <a:ext cx="296849" cy="297371"/>
-          </a:xfrm>
-          <a:prstGeom prst="ellipse">
-            <a:avLst/>
-          </a:prstGeom>
-          <a:gradFill flip="none" rotWithShape="1">
-            <a:gsLst>
-              <a:gs pos="0">
-                <a:schemeClr val="bg1"/>
-              </a:gs>
-              <a:gs pos="58000">
-                <a:srgbClr val="FBFDFE">
-                  <a:alpha val="20000"/>
-                </a:srgbClr>
-              </a:gs>
-              <a:gs pos="100000">
-                <a:schemeClr val="bg1">
-                  <a:alpha val="0"/>
-                </a:schemeClr>
-              </a:gs>
-            </a:gsLst>
-            <a:path path="shape">
-              <a:fillToRect l="50000" t="50000" r="50000" b="50000"/>
-            </a:path>
-            <a:tileRect/>
-          </a:gradFill>
-          <a:ln>
-            <a:noFill/>
-          </a:ln>
-          <a:effectLst>
-            <a:softEdge rad="12700"/>
-          </a:effectLst>
-        </p:spPr>
-        <p:style>
-          <a:lnRef idx="2">
-            <a:schemeClr val="accent1">
-              <a:shade val="50000"/>
-            </a:schemeClr>
-          </a:lnRef>
-          <a:fillRef idx="1">
-            <a:schemeClr val="accent1"/>
-          </a:fillRef>
-          <a:effectRef idx="0">
-            <a:schemeClr val="accent1"/>
-          </a:effectRef>
-          <a:fontRef idx="minor">
-            <a:schemeClr val="lt1"/>
-          </a:fontRef>
-        </p:style>
-        <p:txBody>
-          <a:bodyPr rtlCol="0" anchor="ctr"/>
-          <a:lstStyle/>
-          <a:p>
-            <a:pPr algn="ctr"/>
-            <a:endParaRPr lang="zh-CN" altLang="en-US" dirty="0">
-              <a:ea typeface="微软雅黑" panose="020B0503020204020204" pitchFamily="34" charset="-122"/>
-            </a:endParaRPr>
-          </a:p>
-        </p:txBody>
-      </p:sp>
-      <p:sp>
-        <p:nvSpPr>
-          <p:cNvPr id="51" name="椭圆 50"/>
-          <p:cNvSpPr/>
-          <p:nvPr/>
-        </p:nvSpPr>
-        <p:spPr>
-          <a:xfrm>
-            <a:off x="5112315" y="3016095"/>
-            <a:ext cx="395208" cy="395905"/>
-          </a:xfrm>
-          <a:prstGeom prst="ellipse">
-            <a:avLst/>
-          </a:prstGeom>
-          <a:gradFill flip="none" rotWithShape="1">
-            <a:gsLst>
-              <a:gs pos="0">
-                <a:schemeClr val="bg1"/>
-              </a:gs>
-              <a:gs pos="60000">
-                <a:srgbClr val="FBFDFE">
-                  <a:alpha val="20000"/>
-                </a:srgbClr>
-              </a:gs>
-              <a:gs pos="100000">
-                <a:schemeClr val="bg1">
-                  <a:alpha val="0"/>
-                </a:schemeClr>
-              </a:gs>
-            </a:gsLst>
-            <a:path path="shape">
-              <a:fillToRect l="50000" t="50000" r="50000" b="50000"/>
-            </a:path>
-            <a:tileRect/>
-          </a:gradFill>
-          <a:ln>
-            <a:noFill/>
-          </a:ln>
-          <a:effectLst>
-            <a:softEdge rad="12700"/>
-          </a:effectLst>
-        </p:spPr>
-        <p:style>
-          <a:lnRef idx="2">
-            <a:schemeClr val="accent1">
-              <a:shade val="50000"/>
-            </a:schemeClr>
-          </a:lnRef>
-          <a:fillRef idx="1">
-            <a:schemeClr val="accent1"/>
-          </a:fillRef>
-          <a:effectRef idx="0">
-            <a:schemeClr val="accent1"/>
-          </a:effectRef>
-          <a:fontRef idx="minor">
-            <a:schemeClr val="lt1"/>
-          </a:fontRef>
-        </p:style>
-        <p:txBody>
-          <a:bodyPr rtlCol="0" anchor="ctr"/>
-          <a:lstStyle/>
-          <a:p>
-            <a:pPr algn="ctr"/>
-            <a:endParaRPr lang="zh-CN" altLang="en-US" dirty="0">
-              <a:ea typeface="微软雅黑" panose="020B0503020204020204" pitchFamily="34" charset="-122"/>
-            </a:endParaRPr>
-          </a:p>
-        </p:txBody>
-      </p:sp>
-      <p:sp>
-        <p:nvSpPr>
-          <p:cNvPr id="52" name="椭圆 51"/>
-          <p:cNvSpPr/>
-          <p:nvPr/>
-        </p:nvSpPr>
-        <p:spPr>
-          <a:xfrm>
-            <a:off x="6203238" y="3065362"/>
-            <a:ext cx="296849" cy="297371"/>
-          </a:xfrm>
-          <a:prstGeom prst="ellipse">
-            <a:avLst/>
-          </a:prstGeom>
-          <a:gradFill flip="none" rotWithShape="1">
-            <a:gsLst>
-              <a:gs pos="0">
-                <a:schemeClr val="bg1"/>
-              </a:gs>
-              <a:gs pos="58000">
-                <a:srgbClr val="FBFDFE">
-                  <a:alpha val="20000"/>
-                </a:srgbClr>
-              </a:gs>
-              <a:gs pos="100000">
-                <a:schemeClr val="bg1">
-                  <a:alpha val="0"/>
-                </a:schemeClr>
-              </a:gs>
-            </a:gsLst>
-            <a:path path="shape">
-              <a:fillToRect l="50000" t="50000" r="50000" b="50000"/>
-            </a:path>
-            <a:tileRect/>
-          </a:gradFill>
-          <a:ln>
-            <a:noFill/>
-          </a:ln>
-          <a:effectLst>
-            <a:softEdge rad="12700"/>
-          </a:effectLst>
-        </p:spPr>
-        <p:style>
-          <a:lnRef idx="2">
-            <a:schemeClr val="accent1">
-              <a:shade val="50000"/>
-            </a:schemeClr>
-          </a:lnRef>
-          <a:fillRef idx="1">
-            <a:schemeClr val="accent1"/>
-          </a:fillRef>
-          <a:effectRef idx="0">
-            <a:schemeClr val="accent1"/>
-          </a:effectRef>
-          <a:fontRef idx="minor">
-            <a:schemeClr val="lt1"/>
-          </a:fontRef>
-        </p:style>
-        <p:txBody>
-          <a:bodyPr rtlCol="0" anchor="ctr"/>
-          <a:lstStyle/>
-          <a:p>
-            <a:pPr algn="ctr"/>
-            <a:endParaRPr lang="zh-CN" altLang="en-US" dirty="0">
-              <a:ea typeface="微软雅黑" panose="020B0503020204020204" pitchFamily="34" charset="-122"/>
-            </a:endParaRPr>
-          </a:p>
-        </p:txBody>
-      </p:sp>
-      <p:sp>
-        <p:nvSpPr>
-          <p:cNvPr id="56" name="椭圆 55"/>
-          <p:cNvSpPr/>
-          <p:nvPr/>
-        </p:nvSpPr>
-        <p:spPr>
-          <a:xfrm>
-            <a:off x="8516863" y="3065362"/>
-            <a:ext cx="296849" cy="297371"/>
-          </a:xfrm>
-          <a:prstGeom prst="ellipse">
-            <a:avLst/>
-          </a:prstGeom>
-          <a:gradFill flip="none" rotWithShape="1">
-            <a:gsLst>
-              <a:gs pos="0">
-                <a:schemeClr val="bg1"/>
-              </a:gs>
-              <a:gs pos="58000">
-                <a:srgbClr val="FBFDFE">
-                  <a:alpha val="20000"/>
-                </a:srgbClr>
-              </a:gs>
-              <a:gs pos="100000">
-                <a:schemeClr val="bg1">
-                  <a:alpha val="0"/>
-                </a:schemeClr>
-              </a:gs>
-            </a:gsLst>
-            <a:path path="shape">
-              <a:fillToRect l="50000" t="50000" r="50000" b="50000"/>
-            </a:path>
-            <a:tileRect/>
-          </a:gradFill>
-          <a:ln>
-            <a:noFill/>
-          </a:ln>
-          <a:effectLst>
-            <a:softEdge rad="12700"/>
-          </a:effectLst>
-        </p:spPr>
-        <p:style>
-          <a:lnRef idx="2">
-            <a:schemeClr val="accent1">
-              <a:shade val="50000"/>
-            </a:schemeClr>
-          </a:lnRef>
-          <a:fillRef idx="1">
-            <a:schemeClr val="accent1"/>
-          </a:fillRef>
-          <a:effectRef idx="0">
-            <a:schemeClr val="accent1"/>
-          </a:effectRef>
-          <a:fontRef idx="minor">
-            <a:schemeClr val="lt1"/>
-          </a:fontRef>
-        </p:style>
-        <p:txBody>
-          <a:bodyPr rtlCol="0" anchor="ctr"/>
-          <a:lstStyle/>
-          <a:p>
-            <a:pPr algn="ctr"/>
-            <a:endParaRPr lang="zh-CN" altLang="en-US" dirty="0">
-              <a:ea typeface="微软雅黑" panose="020B0503020204020204" pitchFamily="34" charset="-122"/>
-            </a:endParaRPr>
-          </a:p>
-        </p:txBody>
-      </p:sp>
-      <p:sp>
-        <p:nvSpPr>
-          <p:cNvPr id="57" name="椭圆 56"/>
-          <p:cNvSpPr/>
-          <p:nvPr/>
-        </p:nvSpPr>
-        <p:spPr>
-          <a:xfrm>
-            <a:off x="7296355" y="3016095"/>
-            <a:ext cx="395208" cy="395905"/>
-          </a:xfrm>
-          <a:prstGeom prst="ellipse">
-            <a:avLst/>
-          </a:prstGeom>
-          <a:gradFill flip="none" rotWithShape="1">
-            <a:gsLst>
-              <a:gs pos="0">
-                <a:schemeClr val="bg1"/>
-              </a:gs>
-              <a:gs pos="60000">
-                <a:srgbClr val="FBFDFE">
-                  <a:alpha val="20000"/>
-                </a:srgbClr>
-              </a:gs>
-              <a:gs pos="100000">
-                <a:schemeClr val="bg1">
-                  <a:alpha val="0"/>
-                </a:schemeClr>
-              </a:gs>
-            </a:gsLst>
-            <a:path path="shape">
-              <a:fillToRect l="50000" t="50000" r="50000" b="50000"/>
-            </a:path>
-            <a:tileRect/>
-          </a:gradFill>
-          <a:ln>
-            <a:noFill/>
-          </a:ln>
-          <a:effectLst>
-            <a:softEdge rad="12700"/>
-          </a:effectLst>
-        </p:spPr>
-        <p:style>
-          <a:lnRef idx="2">
-            <a:schemeClr val="accent1">
-              <a:shade val="50000"/>
-            </a:schemeClr>
-          </a:lnRef>
-          <a:fillRef idx="1">
-            <a:schemeClr val="accent1"/>
-          </a:fillRef>
-          <a:effectRef idx="0">
-            <a:schemeClr val="accent1"/>
-          </a:effectRef>
-          <a:fontRef idx="minor">
-            <a:schemeClr val="lt1"/>
-          </a:fontRef>
-        </p:style>
-        <p:txBody>
-          <a:bodyPr rtlCol="0" anchor="ctr"/>
-          <a:lstStyle/>
-          <a:p>
-            <a:pPr algn="ctr"/>
-            <a:endParaRPr lang="zh-CN" altLang="en-US" dirty="0">
-              <a:ea typeface="微软雅黑" panose="020B0503020204020204" pitchFamily="34" charset="-122"/>
-            </a:endParaRPr>
-          </a:p>
-        </p:txBody>
-      </p:sp>
-      <p:cxnSp>
-        <p:nvCxnSpPr>
-          <p:cNvPr id="58" name="直接连接符 57"/>
-          <p:cNvCxnSpPr>
-            <a:stCxn id="50" idx="6"/>
-          </p:cNvCxnSpPr>
-          <p:nvPr/>
-        </p:nvCxnSpPr>
-        <p:spPr>
-          <a:xfrm flipV="1">
-            <a:off x="4263637" y="3125648"/>
-            <a:ext cx="671649" cy="3"/>
-          </a:xfrm>
-          <a:prstGeom prst="line">
-            <a:avLst/>
-          </a:prstGeom>
-          <a:noFill/>
-          <a:ln w="635">
-            <a:solidFill>
-              <a:schemeClr val="bg1">
-                <a:alpha val="30000"/>
-              </a:schemeClr>
-            </a:solidFill>
-          </a:ln>
-        </p:spPr>
-        <p:style>
-          <a:lnRef idx="1">
-            <a:schemeClr val="accent1"/>
-          </a:lnRef>
-          <a:fillRef idx="0">
-            <a:schemeClr val="accent1"/>
-          </a:fillRef>
-          <a:effectRef idx="0">
-            <a:schemeClr val="accent1"/>
-          </a:effectRef>
-          <a:fontRef idx="minor">
-            <a:schemeClr val="tx1"/>
-          </a:fontRef>
-        </p:style>
-      </p:cxnSp>
-      <p:cxnSp>
-        <p:nvCxnSpPr>
-          <p:cNvPr id="59" name="直接连接符 58"/>
-          <p:cNvCxnSpPr>
-            <a:stCxn id="51" idx="6"/>
-            <a:endCxn id="52" idx="2"/>
-          </p:cNvCxnSpPr>
-          <p:nvPr/>
-        </p:nvCxnSpPr>
-        <p:spPr>
-          <a:xfrm flipV="1">
-            <a:off x="5507523" y="3228018"/>
-            <a:ext cx="695960" cy="635"/>
-          </a:xfrm>
-          <a:prstGeom prst="line">
-            <a:avLst/>
-          </a:prstGeom>
-          <a:noFill/>
-          <a:ln w="635">
-            <a:solidFill>
-              <a:schemeClr val="bg1">
-                <a:alpha val="30000"/>
-              </a:schemeClr>
-            </a:solidFill>
-          </a:ln>
-        </p:spPr>
-        <p:style>
-          <a:lnRef idx="1">
-            <a:schemeClr val="accent1"/>
-          </a:lnRef>
-          <a:fillRef idx="0">
-            <a:schemeClr val="accent1"/>
-          </a:fillRef>
-          <a:effectRef idx="0">
-            <a:schemeClr val="accent1"/>
-          </a:effectRef>
-          <a:fontRef idx="minor">
-            <a:schemeClr val="tx1"/>
-          </a:fontRef>
-        </p:style>
-      </p:cxnSp>
-      <p:cxnSp>
-        <p:nvCxnSpPr>
-          <p:cNvPr id="61" name="直接连接符 60"/>
-          <p:cNvCxnSpPr>
-            <a:stCxn id="52" idx="6"/>
-            <a:endCxn id="57" idx="2"/>
-          </p:cNvCxnSpPr>
-          <p:nvPr/>
-        </p:nvCxnSpPr>
-        <p:spPr>
-          <a:xfrm>
-            <a:off x="6500087" y="3228018"/>
-            <a:ext cx="796290" cy="635"/>
-          </a:xfrm>
-          <a:prstGeom prst="line">
-            <a:avLst/>
-          </a:prstGeom>
-          <a:noFill/>
-          <a:ln w="635">
-            <a:solidFill>
-              <a:schemeClr val="bg1">
-                <a:alpha val="30000"/>
-              </a:schemeClr>
-            </a:solidFill>
-          </a:ln>
-        </p:spPr>
-        <p:style>
-          <a:lnRef idx="1">
-            <a:schemeClr val="accent1"/>
-          </a:lnRef>
-          <a:fillRef idx="0">
-            <a:schemeClr val="accent1"/>
-          </a:fillRef>
-          <a:effectRef idx="0">
-            <a:schemeClr val="accent1"/>
-          </a:effectRef>
-          <a:fontRef idx="minor">
-            <a:schemeClr val="tx1"/>
-          </a:fontRef>
-        </p:style>
-      </p:cxnSp>
-      <p:cxnSp>
-        <p:nvCxnSpPr>
-          <p:cNvPr id="62" name="直接连接符 61"/>
-          <p:cNvCxnSpPr>
-            <a:stCxn id="57" idx="6"/>
-            <a:endCxn id="56" idx="2"/>
-          </p:cNvCxnSpPr>
-          <p:nvPr/>
-        </p:nvCxnSpPr>
-        <p:spPr>
-          <a:xfrm flipV="1">
-            <a:off x="7690928" y="3228018"/>
-            <a:ext cx="825500" cy="635"/>
-          </a:xfrm>
-          <a:prstGeom prst="line">
-            <a:avLst/>
-          </a:prstGeom>
-          <a:noFill/>
-          <a:ln w="635">
-            <a:solidFill>
-              <a:schemeClr val="bg1">
-                <a:alpha val="30000"/>
-              </a:schemeClr>
-            </a:solidFill>
-          </a:ln>
-        </p:spPr>
-        <p:style>
-          <a:lnRef idx="1">
-            <a:schemeClr val="accent1"/>
-          </a:lnRef>
-          <a:fillRef idx="0">
-            <a:schemeClr val="accent1"/>
-          </a:fillRef>
-          <a:effectRef idx="0">
-            <a:schemeClr val="accent1"/>
-          </a:effectRef>
-          <a:fontRef idx="minor">
-            <a:schemeClr val="tx1"/>
-          </a:fontRef>
-        </p:style>
-      </p:cxnSp>
-      <p:sp>
-        <p:nvSpPr>
-          <p:cNvPr id="63" name="椭圆 62"/>
-          <p:cNvSpPr/>
-          <p:nvPr/>
-        </p:nvSpPr>
-        <p:spPr>
-          <a:xfrm>
-            <a:off x="9098029" y="2484967"/>
-            <a:ext cx="395208" cy="395905"/>
-          </a:xfrm>
-          <a:prstGeom prst="ellipse">
-            <a:avLst/>
-          </a:prstGeom>
-          <a:gradFill flip="none" rotWithShape="1">
-            <a:gsLst>
-              <a:gs pos="0">
-                <a:schemeClr val="bg1"/>
-              </a:gs>
-              <a:gs pos="60000">
-                <a:srgbClr val="FBFDFE">
-                  <a:alpha val="20000"/>
-                </a:srgbClr>
-              </a:gs>
-              <a:gs pos="100000">
-                <a:schemeClr val="bg1">
-                  <a:alpha val="0"/>
-                </a:schemeClr>
-              </a:gs>
-            </a:gsLst>
-            <a:path path="shape">
-              <a:fillToRect l="50000" t="50000" r="50000" b="50000"/>
-            </a:path>
-            <a:tileRect/>
-          </a:gradFill>
-          <a:ln>
-            <a:noFill/>
-          </a:ln>
-          <a:effectLst>
-            <a:softEdge rad="12700"/>
-          </a:effectLst>
-        </p:spPr>
-        <p:style>
-          <a:lnRef idx="2">
-            <a:schemeClr val="accent1">
-              <a:shade val="50000"/>
-            </a:schemeClr>
-          </a:lnRef>
-          <a:fillRef idx="1">
-            <a:schemeClr val="accent1"/>
-          </a:fillRef>
-          <a:effectRef idx="0">
-            <a:schemeClr val="accent1"/>
-          </a:effectRef>
-          <a:fontRef idx="minor">
-            <a:schemeClr val="lt1"/>
-          </a:fontRef>
-        </p:style>
-        <p:txBody>
-          <a:bodyPr rtlCol="0" anchor="ctr"/>
-          <a:lstStyle/>
-          <a:p>
-            <a:pPr algn="ctr"/>
-            <a:endParaRPr lang="zh-CN" altLang="en-US" dirty="0">
-              <a:ea typeface="微软雅黑" panose="020B0503020204020204" pitchFamily="34" charset="-122"/>
-            </a:endParaRPr>
-          </a:p>
-        </p:txBody>
-      </p:sp>
-      <p:cxnSp>
-        <p:nvCxnSpPr>
-          <p:cNvPr id="64" name="直接连接符 63"/>
-          <p:cNvCxnSpPr>
-            <a:stCxn id="63" idx="3"/>
-            <a:endCxn id="56" idx="7"/>
-          </p:cNvCxnSpPr>
-          <p:nvPr/>
-        </p:nvCxnSpPr>
-        <p:spPr>
-          <a:xfrm flipH="1">
-            <a:off x="8769826" y="2836228"/>
-            <a:ext cx="386080" cy="286385"/>
-          </a:xfrm>
-          <a:prstGeom prst="line">
-            <a:avLst/>
-          </a:prstGeom>
-          <a:noFill/>
-          <a:ln w="635">
-            <a:solidFill>
-              <a:schemeClr val="bg1">
-                <a:alpha val="30000"/>
-              </a:schemeClr>
-            </a:solidFill>
-          </a:ln>
-        </p:spPr>
-        <p:style>
-          <a:lnRef idx="1">
-            <a:schemeClr val="accent1"/>
-          </a:lnRef>
-          <a:fillRef idx="0">
-            <a:schemeClr val="accent1"/>
-          </a:fillRef>
-          <a:effectRef idx="0">
-            <a:schemeClr val="accent1"/>
-          </a:effectRef>
-          <a:fontRef idx="minor">
-            <a:schemeClr val="tx1"/>
-          </a:fontRef>
-        </p:style>
-      </p:cxnSp>
-    </p:spTree>
-  </p:cSld>
-  <p:clrMapOvr>
-    <a:masterClrMapping/>
-  </p:clrMapOvr>
-  <p:transition>
-    <p:fade/>
-  </p:transition>
-  <p:timing>
-    <p:tnLst>
-      <p:par>
-        <p:cTn id="1" dur="indefinite" restart="never" nodeType="tmRoot">
-          <p:childTnLst>
-            <p:seq concurrent="1" nextAc="seek">
-              <p:cTn id="2" dur="indefinite" nodeType="mainSeq">
-                <p:childTnLst>
-                  <p:par>
-                    <p:cTn id="3" fill="hold">
-                      <p:stCondLst>
-                        <p:cond delay="indefinite"/>
-                        <p:cond evt="onBegin" delay="0">
-                          <p:tn val="2"/>
-                        </p:cond>
-                      </p:stCondLst>
-                      <p:childTnLst>
-                        <p:par>
-                          <p:cTn id="4" fill="hold">
-                            <p:stCondLst>
-                              <p:cond delay="0"/>
-                            </p:stCondLst>
-                            <p:childTnLst>
-                              <p:par>
-                                <p:cTn id="5" presetID="10" presetClass="entr" presetSubtype="0" fill="hold" grpId="0" nodeType="afterEffect">
-                                  <p:stCondLst>
-                                    <p:cond delay="0"/>
-                                  </p:stCondLst>
-                                  <p:childTnLst>
-                                    <p:set>
-                                      <p:cBhvr>
-                                        <p:cTn id="6" dur="1" fill="hold">
-                                          <p:stCondLst>
-                                            <p:cond delay="0"/>
-                                          </p:stCondLst>
-                                        </p:cTn>
-                                        <p:tgtEl>
-                                          <p:spTgt spid="2"/>
-                                        </p:tgtEl>
-                                        <p:attrNameLst>
-                                          <p:attrName>style.visibility</p:attrName>
-                                        </p:attrNameLst>
-                                      </p:cBhvr>
-                                      <p:to>
-                                        <p:strVal val="visible"/>
-                                      </p:to>
-                                    </p:set>
-                                    <p:animEffect transition="in" filter="fade">
-                                      <p:cBhvr>
-                                        <p:cTn id="7" dur="500"/>
-                                        <p:tgtEl>
-                                          <p:spTgt spid="2"/>
-                                        </p:tgtEl>
-                                      </p:cBhvr>
-                                    </p:animEffect>
-                                  </p:childTnLst>
-                                </p:cTn>
-                              </p:par>
-                              <p:par>
-                                <p:cTn id="8" presetID="22" presetClass="entr" presetSubtype="2" fill="hold" grpId="0" nodeType="withEffect">
-                                  <p:stCondLst>
-                                    <p:cond delay="1500"/>
-                                  </p:stCondLst>
-                                  <p:childTnLst>
-                                    <p:set>
-                                      <p:cBhvr>
-                                        <p:cTn id="9" dur="1" fill="hold">
-                                          <p:stCondLst>
-                                            <p:cond delay="0"/>
-                                          </p:stCondLst>
-                                        </p:cTn>
-                                        <p:tgtEl>
-                                          <p:spTgt spid="49"/>
-                                        </p:tgtEl>
-                                        <p:attrNameLst>
-                                          <p:attrName>style.visibility</p:attrName>
-                                        </p:attrNameLst>
-                                      </p:cBhvr>
-                                      <p:to>
-                                        <p:strVal val="visible"/>
-                                      </p:to>
-                                    </p:set>
-                                    <p:animEffect transition="in" filter="wipe(right)">
-                                      <p:cBhvr>
-                                        <p:cTn id="10" dur="500"/>
-                                        <p:tgtEl>
-                                          <p:spTgt spid="49"/>
-                                        </p:tgtEl>
-                                      </p:cBhvr>
-                                    </p:animEffect>
-                                  </p:childTnLst>
-                                </p:cTn>
-                              </p:par>
-                              <p:par>
-                                <p:cTn id="11" presetID="10" presetClass="entr" presetSubtype="0" fill="hold" grpId="0" nodeType="withEffect">
-                                  <p:stCondLst>
-                                    <p:cond delay="0"/>
-                                  </p:stCondLst>
-                                  <p:childTnLst>
-                                    <p:set>
-                                      <p:cBhvr>
-                                        <p:cTn id="12" dur="1" fill="hold">
-                                          <p:stCondLst>
-                                            <p:cond delay="0"/>
-                                          </p:stCondLst>
-                                        </p:cTn>
-                                        <p:tgtEl>
-                                          <p:spTgt spid="50"/>
-                                        </p:tgtEl>
-                                        <p:attrNameLst>
-                                          <p:attrName>style.visibility</p:attrName>
-                                        </p:attrNameLst>
-                                      </p:cBhvr>
-                                      <p:to>
-                                        <p:strVal val="visible"/>
-                                      </p:to>
-                                    </p:set>
-                                    <p:animEffect transition="in" filter="fade">
-                                      <p:cBhvr>
-                                        <p:cTn id="13" dur="500"/>
-                                        <p:tgtEl>
-                                          <p:spTgt spid="50"/>
-                                        </p:tgtEl>
-                                      </p:cBhvr>
-                                    </p:animEffect>
-                                  </p:childTnLst>
-                                </p:cTn>
-                              </p:par>
-                            </p:childTnLst>
-                          </p:cTn>
-                        </p:par>
-                        <p:par>
-                          <p:cTn id="14" fill="hold">
-                            <p:stCondLst>
-                              <p:cond delay="500"/>
-                            </p:stCondLst>
-                            <p:childTnLst>
-                              <p:par>
-                                <p:cTn id="15" presetID="22" presetClass="entr" presetSubtype="8" fill="hold" nodeType="afterEffect">
-                                  <p:stCondLst>
-                                    <p:cond delay="0"/>
-                                  </p:stCondLst>
-                                  <p:childTnLst>
-                                    <p:set>
-                                      <p:cBhvr>
-                                        <p:cTn id="16" dur="1" fill="hold">
-                                          <p:stCondLst>
-                                            <p:cond delay="0"/>
-                                          </p:stCondLst>
-                                        </p:cTn>
-                                        <p:tgtEl>
-                                          <p:spTgt spid="58"/>
-                                        </p:tgtEl>
-                                        <p:attrNameLst>
-                                          <p:attrName>style.visibility</p:attrName>
-                                        </p:attrNameLst>
-                                      </p:cBhvr>
-                                      <p:to>
-                                        <p:strVal val="visible"/>
-                                      </p:to>
-                                    </p:set>
-                                    <p:animEffect transition="in" filter="wipe(left)">
-                                      <p:cBhvr>
-                                        <p:cTn id="17" dur="250"/>
-                                        <p:tgtEl>
-                                          <p:spTgt spid="58"/>
-                                        </p:tgtEl>
-                                      </p:cBhvr>
-                                    </p:animEffect>
-                                  </p:childTnLst>
-                                </p:cTn>
-                              </p:par>
-                              <p:par>
-                                <p:cTn id="18" presetID="22" presetClass="entr" presetSubtype="8" fill="hold" nodeType="withEffect">
-                                  <p:stCondLst>
-                                    <p:cond delay="250"/>
-                                  </p:stCondLst>
-                                  <p:childTnLst>
-                                    <p:set>
-                                      <p:cBhvr>
-                                        <p:cTn id="19" dur="1" fill="hold">
-                                          <p:stCondLst>
-                                            <p:cond delay="0"/>
-                                          </p:stCondLst>
-                                        </p:cTn>
-                                        <p:tgtEl>
-                                          <p:spTgt spid="59"/>
-                                        </p:tgtEl>
-                                        <p:attrNameLst>
-                                          <p:attrName>style.visibility</p:attrName>
-                                        </p:attrNameLst>
-                                      </p:cBhvr>
-                                      <p:to>
-                                        <p:strVal val="visible"/>
-                                      </p:to>
-                                    </p:set>
-                                    <p:animEffect transition="in" filter="wipe(left)">
-                                      <p:cBhvr>
-                                        <p:cTn id="20" dur="250"/>
-                                        <p:tgtEl>
-                                          <p:spTgt spid="59"/>
-                                        </p:tgtEl>
-                                      </p:cBhvr>
-                                    </p:animEffect>
-                                  </p:childTnLst>
-                                </p:cTn>
-                              </p:par>
-                              <p:par>
-                                <p:cTn id="21" presetID="10" presetClass="entr" presetSubtype="0" fill="hold" grpId="0" nodeType="withEffect">
-                                  <p:stCondLst>
-                                    <p:cond delay="250"/>
-                                  </p:stCondLst>
-                                  <p:childTnLst>
-                                    <p:set>
-                                      <p:cBhvr>
-                                        <p:cTn id="22" dur="1" fill="hold">
-                                          <p:stCondLst>
-                                            <p:cond delay="0"/>
-                                          </p:stCondLst>
-                                        </p:cTn>
-                                        <p:tgtEl>
-                                          <p:spTgt spid="51"/>
-                                        </p:tgtEl>
-                                        <p:attrNameLst>
-                                          <p:attrName>style.visibility</p:attrName>
-                                        </p:attrNameLst>
-                                      </p:cBhvr>
-                                      <p:to>
-                                        <p:strVal val="visible"/>
-                                      </p:to>
-                                    </p:set>
-                                    <p:animEffect transition="in" filter="fade">
-                                      <p:cBhvr>
-                                        <p:cTn id="23" dur="250"/>
-                                        <p:tgtEl>
-                                          <p:spTgt spid="51"/>
-                                        </p:tgtEl>
-                                      </p:cBhvr>
-                                    </p:animEffect>
-                                  </p:childTnLst>
-                                </p:cTn>
-                              </p:par>
-                              <p:par>
-                                <p:cTn id="24" presetID="22" presetClass="entr" presetSubtype="8" fill="hold" nodeType="withEffect">
-                                  <p:stCondLst>
-                                    <p:cond delay="500"/>
-                                  </p:stCondLst>
-                                  <p:childTnLst>
-                                    <p:set>
-                                      <p:cBhvr>
-                                        <p:cTn id="25" dur="1" fill="hold">
-                                          <p:stCondLst>
-                                            <p:cond delay="0"/>
-                                          </p:stCondLst>
-                                        </p:cTn>
-                                        <p:tgtEl>
-                                          <p:spTgt spid="61"/>
-                                        </p:tgtEl>
-                                        <p:attrNameLst>
-                                          <p:attrName>style.visibility</p:attrName>
-                                        </p:attrNameLst>
-                                      </p:cBhvr>
-                                      <p:to>
-                                        <p:strVal val="visible"/>
-                                      </p:to>
-                                    </p:set>
-                                    <p:animEffect transition="in" filter="wipe(left)">
-                                      <p:cBhvr>
-                                        <p:cTn id="26" dur="250"/>
-                                        <p:tgtEl>
-                                          <p:spTgt spid="61"/>
-                                        </p:tgtEl>
-                                      </p:cBhvr>
-                                    </p:animEffect>
-                                  </p:childTnLst>
-                                </p:cTn>
-                              </p:par>
-                              <p:par>
-                                <p:cTn id="27" presetID="10" presetClass="entr" presetSubtype="0" fill="hold" grpId="0" nodeType="withEffect">
-                                  <p:stCondLst>
-                                    <p:cond delay="500"/>
-                                  </p:stCondLst>
-                                  <p:childTnLst>
-                                    <p:set>
-                                      <p:cBhvr>
-                                        <p:cTn id="28" dur="1" fill="hold">
-                                          <p:stCondLst>
-                                            <p:cond delay="0"/>
-                                          </p:stCondLst>
-                                        </p:cTn>
-                                        <p:tgtEl>
-                                          <p:spTgt spid="52"/>
-                                        </p:tgtEl>
-                                        <p:attrNameLst>
-                                          <p:attrName>style.visibility</p:attrName>
-                                        </p:attrNameLst>
-                                      </p:cBhvr>
-                                      <p:to>
-                                        <p:strVal val="visible"/>
-                                      </p:to>
-                                    </p:set>
-                                    <p:animEffect transition="in" filter="fade">
-                                      <p:cBhvr>
-                                        <p:cTn id="29" dur="250"/>
-                                        <p:tgtEl>
-                                          <p:spTgt spid="52"/>
-                                        </p:tgtEl>
-                                      </p:cBhvr>
-                                    </p:animEffect>
-                                  </p:childTnLst>
-                                </p:cTn>
-                              </p:par>
-                              <p:par>
-                                <p:cTn id="30" presetID="22" presetClass="entr" presetSubtype="8" fill="hold" nodeType="withEffect">
-                                  <p:stCondLst>
-                                    <p:cond delay="750"/>
-                                  </p:stCondLst>
-                                  <p:childTnLst>
-                                    <p:set>
-                                      <p:cBhvr>
-                                        <p:cTn id="31" dur="1" fill="hold">
-                                          <p:stCondLst>
-                                            <p:cond delay="0"/>
-                                          </p:stCondLst>
-                                        </p:cTn>
-                                        <p:tgtEl>
-                                          <p:spTgt spid="62"/>
-                                        </p:tgtEl>
-                                        <p:attrNameLst>
-                                          <p:attrName>style.visibility</p:attrName>
-                                        </p:attrNameLst>
-                                      </p:cBhvr>
-                                      <p:to>
-                                        <p:strVal val="visible"/>
-                                      </p:to>
-                                    </p:set>
-                                    <p:animEffect transition="in" filter="wipe(left)">
-                                      <p:cBhvr>
-                                        <p:cTn id="32" dur="250"/>
-                                        <p:tgtEl>
-                                          <p:spTgt spid="62"/>
-                                        </p:tgtEl>
-                                      </p:cBhvr>
-                                    </p:animEffect>
-                                  </p:childTnLst>
-                                </p:cTn>
-                              </p:par>
-                              <p:par>
-                                <p:cTn id="33" presetID="10" presetClass="entr" presetSubtype="0" fill="hold" grpId="0" nodeType="withEffect">
-                                  <p:stCondLst>
-                                    <p:cond delay="750"/>
-                                  </p:stCondLst>
-                                  <p:childTnLst>
-                                    <p:set>
-                                      <p:cBhvr>
-                                        <p:cTn id="34" dur="1" fill="hold">
-                                          <p:stCondLst>
-                                            <p:cond delay="0"/>
-                                          </p:stCondLst>
-                                        </p:cTn>
-                                        <p:tgtEl>
-                                          <p:spTgt spid="57"/>
-                                        </p:tgtEl>
-                                        <p:attrNameLst>
-                                          <p:attrName>style.visibility</p:attrName>
-                                        </p:attrNameLst>
-                                      </p:cBhvr>
-                                      <p:to>
-                                        <p:strVal val="visible"/>
-                                      </p:to>
-                                    </p:set>
-                                    <p:animEffect transition="in" filter="fade">
-                                      <p:cBhvr>
-                                        <p:cTn id="35" dur="250"/>
-                                        <p:tgtEl>
-                                          <p:spTgt spid="57"/>
-                                        </p:tgtEl>
-                                      </p:cBhvr>
-                                    </p:animEffect>
-                                  </p:childTnLst>
-                                </p:cTn>
-                              </p:par>
-                              <p:par>
-                                <p:cTn id="36" presetID="22" presetClass="entr" presetSubtype="8" fill="hold" nodeType="withEffect">
-                                  <p:stCondLst>
-                                    <p:cond delay="1000"/>
-                                  </p:stCondLst>
-                                  <p:childTnLst>
-                                    <p:set>
-                                      <p:cBhvr>
-                                        <p:cTn id="37" dur="1" fill="hold">
-                                          <p:stCondLst>
-                                            <p:cond delay="0"/>
-                                          </p:stCondLst>
-                                        </p:cTn>
-                                        <p:tgtEl>
-                                          <p:spTgt spid="64"/>
-                                        </p:tgtEl>
-                                        <p:attrNameLst>
-                                          <p:attrName>style.visibility</p:attrName>
-                                        </p:attrNameLst>
-                                      </p:cBhvr>
-                                      <p:to>
-                                        <p:strVal val="visible"/>
-                                      </p:to>
-                                    </p:set>
-                                    <p:animEffect transition="in" filter="wipe(left)">
-                                      <p:cBhvr>
-                                        <p:cTn id="38" dur="250"/>
-                                        <p:tgtEl>
-                                          <p:spTgt spid="64"/>
-                                        </p:tgtEl>
-                                      </p:cBhvr>
-                                    </p:animEffect>
-                                  </p:childTnLst>
-                                </p:cTn>
-                              </p:par>
-                              <p:par>
-                                <p:cTn id="39" presetID="10" presetClass="entr" presetSubtype="0" fill="hold" grpId="0" nodeType="withEffect">
-                                  <p:stCondLst>
-                                    <p:cond delay="1000"/>
-                                  </p:stCondLst>
-                                  <p:childTnLst>
-                                    <p:set>
-                                      <p:cBhvr>
-                                        <p:cTn id="40" dur="1" fill="hold">
-                                          <p:stCondLst>
-                                            <p:cond delay="0"/>
-                                          </p:stCondLst>
-                                        </p:cTn>
-                                        <p:tgtEl>
-                                          <p:spTgt spid="56"/>
-                                        </p:tgtEl>
-                                        <p:attrNameLst>
-                                          <p:attrName>style.visibility</p:attrName>
-                                        </p:attrNameLst>
-                                      </p:cBhvr>
-                                      <p:to>
-                                        <p:strVal val="visible"/>
-                                      </p:to>
-                                    </p:set>
-                                    <p:animEffect transition="in" filter="fade">
-                                      <p:cBhvr>
-                                        <p:cTn id="41" dur="250"/>
-                                        <p:tgtEl>
-                                          <p:spTgt spid="56"/>
-                                        </p:tgtEl>
-                                      </p:cBhvr>
-                                    </p:animEffect>
-                                  </p:childTnLst>
-                                </p:cTn>
-                              </p:par>
-                              <p:par>
-                                <p:cTn id="42" presetID="10" presetClass="entr" presetSubtype="0" fill="hold" grpId="0" nodeType="withEffect">
-                                  <p:stCondLst>
-                                    <p:cond delay="1250"/>
-                                  </p:stCondLst>
-                                  <p:childTnLst>
-                                    <p:set>
-                                      <p:cBhvr>
-                                        <p:cTn id="43" dur="1" fill="hold">
-                                          <p:stCondLst>
-                                            <p:cond delay="0"/>
-                                          </p:stCondLst>
-                                        </p:cTn>
-                                        <p:tgtEl>
-                                          <p:spTgt spid="63"/>
-                                        </p:tgtEl>
-                                        <p:attrNameLst>
-                                          <p:attrName>style.visibility</p:attrName>
-                                        </p:attrNameLst>
-                                      </p:cBhvr>
-                                      <p:to>
-                                        <p:strVal val="visible"/>
-                                      </p:to>
-                                    </p:set>
-                                    <p:animEffect transition="in" filter="fade">
-                                      <p:cBhvr>
-                                        <p:cTn id="44" dur="250"/>
-                                        <p:tgtEl>
-                                          <p:spTgt spid="63"/>
-                                        </p:tgtEl>
-                                      </p:cBhvr>
-                                    </p:animEffect>
-                                  </p:childTnLst>
-                                </p:cTn>
-                              </p:par>
-                            </p:childTnLst>
-                          </p:cTn>
-                        </p:par>
-                      </p:childTnLst>
-                    </p:cTn>
-                  </p:par>
-                </p:childTnLst>
-              </p:cTn>
-              <p:prevCondLst>
-                <p:cond evt="onPrev" delay="0">
-                  <p:tgtEl>
-                    <p:sldTgt/>
-                  </p:tgtEl>
-                </p:cond>
-              </p:prevCondLst>
-              <p:nextCondLst>
-                <p:cond evt="onNext" delay="0">
-                  <p:tgtEl>
-                    <p:sldTgt/>
-                  </p:tgtEl>
-                </p:cond>
-              </p:nextCondLst>
-            </p:seq>
-          </p:childTnLst>
-        </p:cTn>
-      </p:par>
-    </p:tnLst>
-    <p:bldLst>
-      <p:bldP spid="2" grpId="0"/>
-      <p:bldP spid="49" grpId="0"/>
-      <p:bldP spid="50" grpId="0" bldLvl="0" animBg="1"/>
-      <p:bldP spid="51" grpId="0" bldLvl="0" animBg="1"/>
-      <p:bldP spid="52" grpId="0" bldLvl="0" animBg="1"/>
-      <p:bldP spid="56" grpId="0" bldLvl="0" animBg="1"/>
-      <p:bldP spid="57" grpId="0" bldLvl="0" animBg="1"/>
-      <p:bldP spid="63" grpId="0" bldLvl="0" animBg="1"/>
-    </p:bldLst>
-  </p:timing>
-</p:sld>
-</file>
-
 <file path=ppt/slides/slide3.xml><?xml version="1.0" encoding="utf-8"?>
 <p:sld xmlns:a="http://schemas.openxmlformats.org/drawingml/2006/main" xmlns:r="http://schemas.openxmlformats.org/officeDocument/2006/relationships" xmlns:p="http://schemas.openxmlformats.org/presentationml/2006/main">
   <p:cSld>

--- a/WebLecture/Lecture13-Javascript4.pptx
+++ b/WebLecture/Lecture13-Javascript4.pptx
@@ -225,7 +225,7 @@
             <a:fld id="{8BEFEC64-3B02-48AC-B709-B2823D518D38}" type="datetimeFigureOut">
               <a:rPr lang="zh-CN" altLang="en-US" smtClean="0"/>
               <a:pPr/>
-              <a:t>2022/3/4</a:t>
+              <a:t>2022/3/5</a:t>
             </a:fld>
             <a:endParaRPr lang="zh-CN" altLang="en-US" dirty="0"/>
           </a:p>
@@ -626,7 +626,7 @@
           <a:p>
             <a:fld id="{82F288E0-7875-42C4-84C8-98DBBD3BF4D2}" type="datetimeFigureOut">
               <a:rPr lang="zh-CN" altLang="en-US" smtClean="0"/>
-              <a:t>2022/3/4</a:t>
+              <a:t>2022/3/5</a:t>
             </a:fld>
             <a:endParaRPr lang="zh-CN" altLang="en-US"/>
           </a:p>
@@ -772,7 +772,7 @@
           <a:p>
             <a:fld id="{82F288E0-7875-42C4-84C8-98DBBD3BF4D2}" type="datetimeFigureOut">
               <a:rPr lang="zh-CN" altLang="en-US" smtClean="0"/>
-              <a:t>2022/3/4</a:t>
+              <a:t>2022/3/5</a:t>
             </a:fld>
             <a:endParaRPr lang="zh-CN" altLang="en-US"/>
           </a:p>
@@ -935,7 +935,7 @@
           <a:p>
             <a:fld id="{82F288E0-7875-42C4-84C8-98DBBD3BF4D2}" type="datetimeFigureOut">
               <a:rPr lang="zh-CN" altLang="en-US" smtClean="0"/>
-              <a:t>2022/3/4</a:t>
+              <a:t>2022/3/5</a:t>
             </a:fld>
             <a:endParaRPr lang="zh-CN" altLang="en-US"/>
           </a:p>
@@ -1175,7 +1175,7 @@
           <a:p>
             <a:fld id="{82F288E0-7875-42C4-84C8-98DBBD3BF4D2}" type="datetimeFigureOut">
               <a:rPr lang="zh-CN" altLang="en-US" smtClean="0"/>
-              <a:t>2022/3/4</a:t>
+              <a:t>2022/3/5</a:t>
             </a:fld>
             <a:endParaRPr lang="zh-CN" altLang="en-US"/>
           </a:p>
@@ -1399,7 +1399,7 @@
           <a:p>
             <a:fld id="{82F288E0-7875-42C4-84C8-98DBBD3BF4D2}" type="datetimeFigureOut">
               <a:rPr lang="zh-CN" altLang="en-US" smtClean="0"/>
-              <a:t>2022/3/4</a:t>
+              <a:t>2022/3/5</a:t>
             </a:fld>
             <a:endParaRPr lang="zh-CN" altLang="en-US"/>
           </a:p>
@@ -1758,7 +1758,7 @@
           <a:p>
             <a:fld id="{82F288E0-7875-42C4-84C8-98DBBD3BF4D2}" type="datetimeFigureOut">
               <a:rPr lang="zh-CN" altLang="en-US" smtClean="0"/>
-              <a:t>2022/3/4</a:t>
+              <a:t>2022/3/5</a:t>
             </a:fld>
             <a:endParaRPr lang="zh-CN" altLang="en-US"/>
           </a:p>
@@ -1870,7 +1870,7 @@
           <a:p>
             <a:fld id="{82F288E0-7875-42C4-84C8-98DBBD3BF4D2}" type="datetimeFigureOut">
               <a:rPr lang="zh-CN" altLang="en-US" smtClean="0"/>
-              <a:t>2022/3/4</a:t>
+              <a:t>2022/3/5</a:t>
             </a:fld>
             <a:endParaRPr lang="zh-CN" altLang="en-US"/>
           </a:p>
@@ -1960,7 +1960,7 @@
           <a:p>
             <a:fld id="{82F288E0-7875-42C4-84C8-98DBBD3BF4D2}" type="datetimeFigureOut">
               <a:rPr lang="zh-CN" altLang="en-US" smtClean="0"/>
-              <a:t>2022/3/4</a:t>
+              <a:t>2022/3/5</a:t>
             </a:fld>
             <a:endParaRPr lang="zh-CN" altLang="en-US"/>
           </a:p>
@@ -2207,7 +2207,7 @@
           <a:p>
             <a:fld id="{82F288E0-7875-42C4-84C8-98DBBD3BF4D2}" type="datetimeFigureOut">
               <a:rPr lang="zh-CN" altLang="en-US" smtClean="0"/>
-              <a:t>2022/3/4</a:t>
+              <a:t>2022/3/5</a:t>
             </a:fld>
             <a:endParaRPr lang="zh-CN" altLang="en-US"/>
           </a:p>
@@ -2380,7 +2380,7 @@
           <a:p>
             <a:fld id="{82F288E0-7875-42C4-84C8-98DBBD3BF4D2}" type="datetimeFigureOut">
               <a:rPr lang="zh-CN" altLang="en-US" smtClean="0"/>
-              <a:t>2022/3/4</a:t>
+              <a:t>2022/3/5</a:t>
             </a:fld>
             <a:endParaRPr lang="zh-CN" altLang="en-US"/>
           </a:p>
@@ -2594,7 +2594,7 @@
             <a:fld id="{82F288E0-7875-42C4-84C8-98DBBD3BF4D2}" type="datetimeFigureOut">
               <a:rPr lang="zh-CN" altLang="en-US" smtClean="0"/>
               <a:pPr/>
-              <a:t>2022/3/4</a:t>
+              <a:t>2022/3/5</a:t>
             </a:fld>
             <a:endParaRPr lang="zh-CN" altLang="en-US" dirty="0"/>
           </a:p>
@@ -4890,8 +4890,8 @@
         </p:nvSpPr>
         <p:spPr bwMode="auto">
           <a:xfrm>
-            <a:off x="204280" y="1146642"/>
-            <a:ext cx="11828836" cy="4875641"/>
+            <a:off x="204280" y="915269"/>
+            <a:ext cx="11828836" cy="5515945"/>
           </a:xfrm>
           <a:prstGeom prst="rect">
             <a:avLst/>
@@ -5063,7 +5063,7 @@
           <a:p>
             <a:pPr marL="0" marR="0" lvl="0" indent="0" algn="l" defTabSz="914400" rtl="0" eaLnBrk="0" fontAlgn="base" latinLnBrk="0" hangingPunct="0">
               <a:lnSpc>
-                <a:spcPct val="100000"/>
+                <a:spcPct val="150000"/>
               </a:lnSpc>
               <a:spcBef>
                 <a:spcPct val="0"/>
@@ -5088,7 +5088,20 @@
                 <a:effectLst/>
                 <a:latin typeface="Verdana" panose="020B0604030504040204" pitchFamily="34" charset="0"/>
               </a:rPr>
-              <a:t>An HTML event can be something the browser does, or something a user does.</a:t>
+              <a:t>An HTML event can be something the browser does, or something a user does </a:t>
+            </a:r>
+            <a:r>
+              <a:rPr kumimoji="0" lang="en-US" altLang="zh-CN" b="0" i="0" u="none" strike="noStrike" cap="none" normalizeH="0" baseline="0" dirty="0">
+                <a:ln>
+                  <a:noFill/>
+                </a:ln>
+                <a:solidFill>
+                  <a:srgbClr val="000000"/>
+                </a:solidFill>
+                <a:effectLst/>
+                <a:latin typeface="Verdana" panose="020B0604030504040204" pitchFamily="34" charset="0"/>
+              </a:rPr>
+              <a:t>as below:</a:t>
             </a:r>
             <a:endParaRPr kumimoji="0" lang="en-US" altLang="en-US" b="0" i="0" u="none" strike="noStrike" cap="none" normalizeH="0" baseline="0" dirty="0">
               <a:ln>
@@ -5103,7 +5116,109 @@
           <a:p>
             <a:pPr marL="0" marR="0" lvl="0" indent="0" algn="l" defTabSz="914400" rtl="0" eaLnBrk="0" fontAlgn="base" latinLnBrk="0" hangingPunct="0">
               <a:lnSpc>
-                <a:spcPct val="100000"/>
+                <a:spcPct val="150000"/>
+              </a:lnSpc>
+              <a:spcBef>
+                <a:spcPct val="0"/>
+              </a:spcBef>
+              <a:spcAft>
+                <a:spcPct val="0"/>
+              </a:spcAft>
+              <a:buClrTx/>
+              <a:buSzTx/>
+              <a:buFontTx/>
+              <a:buChar char="•"/>
+              <a:tabLst/>
+            </a:pPr>
+            <a:r>
+              <a:rPr kumimoji="0" lang="en-US" altLang="en-US" b="0" i="0" u="none" strike="noStrike" cap="none" normalizeH="0" baseline="0" dirty="0">
+                <a:ln>
+                  <a:noFill/>
+                </a:ln>
+                <a:solidFill>
+                  <a:srgbClr val="000000"/>
+                </a:solidFill>
+                <a:effectLst/>
+                <a:latin typeface="Verdana" panose="020B0604030504040204" pitchFamily="34" charset="0"/>
+              </a:rPr>
+              <a:t>An HTML web page has finished loading </a:t>
+            </a:r>
+          </a:p>
+          <a:p>
+            <a:pPr marL="0" marR="0" lvl="0" indent="0" algn="l" defTabSz="914400" rtl="0" eaLnBrk="0" fontAlgn="base" latinLnBrk="0" hangingPunct="0">
+              <a:lnSpc>
+                <a:spcPct val="150000"/>
+              </a:lnSpc>
+              <a:spcBef>
+                <a:spcPct val="0"/>
+              </a:spcBef>
+              <a:spcAft>
+                <a:spcPct val="0"/>
+              </a:spcAft>
+              <a:buClrTx/>
+              <a:buSzTx/>
+              <a:buFontTx/>
+              <a:buChar char="•"/>
+              <a:tabLst/>
+            </a:pPr>
+            <a:r>
+              <a:rPr kumimoji="0" lang="en-US" altLang="en-US" b="0" i="0" u="none" strike="noStrike" cap="none" normalizeH="0" baseline="0" dirty="0">
+                <a:ln>
+                  <a:noFill/>
+                </a:ln>
+                <a:solidFill>
+                  <a:srgbClr val="000000"/>
+                </a:solidFill>
+                <a:effectLst/>
+                <a:latin typeface="Verdana" panose="020B0604030504040204" pitchFamily="34" charset="0"/>
+              </a:rPr>
+              <a:t>An HTML input field was changed</a:t>
+            </a:r>
+          </a:p>
+          <a:p>
+            <a:pPr marL="0" marR="0" lvl="0" indent="0" algn="l" defTabSz="914400" rtl="0" eaLnBrk="0" fontAlgn="base" latinLnBrk="0" hangingPunct="0">
+              <a:lnSpc>
+                <a:spcPct val="150000"/>
+              </a:lnSpc>
+              <a:spcBef>
+                <a:spcPct val="0"/>
+              </a:spcBef>
+              <a:spcAft>
+                <a:spcPct val="0"/>
+              </a:spcAft>
+              <a:buClrTx/>
+              <a:buSzTx/>
+              <a:buFontTx/>
+              <a:buChar char="•"/>
+              <a:tabLst/>
+            </a:pPr>
+            <a:r>
+              <a:rPr kumimoji="0" lang="en-US" altLang="en-US" b="0" i="0" u="none" strike="noStrike" cap="none" normalizeH="0" baseline="0" dirty="0">
+                <a:ln>
+                  <a:noFill/>
+                </a:ln>
+                <a:solidFill>
+                  <a:srgbClr val="000000"/>
+                </a:solidFill>
+                <a:effectLst/>
+                <a:latin typeface="Verdana" panose="020B0604030504040204" pitchFamily="34" charset="0"/>
+              </a:rPr>
+              <a:t>An HTML button was clicked</a:t>
+            </a:r>
+            <a:endParaRPr kumimoji="0" lang="en-US" altLang="en-US" b="0" i="0" u="none" strike="noStrike" cap="none" normalizeH="0" baseline="0" dirty="0">
+              <a:ln>
+                <a:noFill/>
+              </a:ln>
+              <a:solidFill>
+                <a:schemeClr val="tx1"/>
+              </a:solidFill>
+              <a:effectLst/>
+            </a:endParaRPr>
+          </a:p>
+          <a:p>
+            <a:pPr marL="0" marR="0" lvl="0" indent="0" algn="l" defTabSz="914400" rtl="0" eaLnBrk="0" fontAlgn="base" latinLnBrk="0" hangingPunct="0">
+              <a:lnSpc>
+                <a:spcPct val="150000"/>
               </a:lnSpc>
               <a:spcBef>
                 <a:spcPct val="0"/>
@@ -5128,7 +5243,7 @@
                 <a:effectLst/>
                 <a:latin typeface="Verdana" panose="020B0604030504040204" pitchFamily="34" charset="0"/>
               </a:rPr>
-              <a:t>Here are some examples of HTML events:</a:t>
+              <a:t>JavaScript lets you execute code when events are detected.</a:t>
             </a:r>
             <a:endParaRPr kumimoji="0" lang="en-US" altLang="en-US" b="0" i="0" u="none" strike="noStrike" cap="none" normalizeH="0" baseline="0" dirty="0">
               <a:ln>
@@ -5143,100 +5258,7 @@
           <a:p>
             <a:pPr marL="0" marR="0" lvl="0" indent="0" algn="l" defTabSz="914400" rtl="0" eaLnBrk="0" fontAlgn="base" latinLnBrk="0" hangingPunct="0">
               <a:lnSpc>
-                <a:spcPct val="100000"/>
-              </a:lnSpc>
-              <a:spcBef>
-                <a:spcPct val="0"/>
-              </a:spcBef>
-              <a:spcAft>
-                <a:spcPct val="0"/>
-              </a:spcAft>
-              <a:buClrTx/>
-              <a:buSzTx/>
-              <a:buFontTx/>
-              <a:buChar char="•"/>
-              <a:tabLst/>
-            </a:pPr>
-            <a:r>
-              <a:rPr kumimoji="0" lang="en-US" altLang="en-US" b="0" i="0" u="none" strike="noStrike" cap="none" normalizeH="0" baseline="0" dirty="0">
-                <a:ln>
-                  <a:noFill/>
-                </a:ln>
-                <a:solidFill>
-                  <a:srgbClr val="000000"/>
-                </a:solidFill>
-                <a:effectLst/>
-                <a:latin typeface="Verdana" panose="020B0604030504040204" pitchFamily="34" charset="0"/>
-              </a:rPr>
-              <a:t>An HTML web page has finished loading</a:t>
-            </a:r>
-          </a:p>
-          <a:p>
-            <a:pPr marL="0" marR="0" lvl="0" indent="0" algn="l" defTabSz="914400" rtl="0" eaLnBrk="0" fontAlgn="base" latinLnBrk="0" hangingPunct="0">
-              <a:lnSpc>
-                <a:spcPct val="100000"/>
-              </a:lnSpc>
-              <a:spcBef>
-                <a:spcPct val="0"/>
-              </a:spcBef>
-              <a:spcAft>
-                <a:spcPct val="0"/>
-              </a:spcAft>
-              <a:buClrTx/>
-              <a:buSzTx/>
-              <a:buFontTx/>
-              <a:buChar char="•"/>
-              <a:tabLst/>
-            </a:pPr>
-            <a:r>
-              <a:rPr kumimoji="0" lang="en-US" altLang="en-US" b="0" i="0" u="none" strike="noStrike" cap="none" normalizeH="0" baseline="0" dirty="0">
-                <a:ln>
-                  <a:noFill/>
-                </a:ln>
-                <a:solidFill>
-                  <a:srgbClr val="000000"/>
-                </a:solidFill>
-                <a:effectLst/>
-                <a:latin typeface="Verdana" panose="020B0604030504040204" pitchFamily="34" charset="0"/>
-              </a:rPr>
-              <a:t>An HTML input field was changed</a:t>
-            </a:r>
-          </a:p>
-          <a:p>
-            <a:pPr marL="0" marR="0" lvl="0" indent="0" algn="l" defTabSz="914400" rtl="0" eaLnBrk="0" fontAlgn="base" latinLnBrk="0" hangingPunct="0">
-              <a:lnSpc>
-                <a:spcPct val="100000"/>
-              </a:lnSpc>
-              <a:spcBef>
-                <a:spcPct val="0"/>
-              </a:spcBef>
-              <a:spcAft>
-                <a:spcPct val="0"/>
-              </a:spcAft>
-              <a:buClrTx/>
-              <a:buSzTx/>
-              <a:buFontTx/>
-              <a:buChar char="•"/>
-              <a:tabLst/>
-            </a:pPr>
-            <a:r>
-              <a:rPr kumimoji="0" lang="en-US" altLang="en-US" b="0" i="0" u="none" strike="noStrike" cap="none" normalizeH="0" baseline="0" dirty="0">
-                <a:ln>
-                  <a:noFill/>
-                </a:ln>
-                <a:solidFill>
-                  <a:srgbClr val="000000"/>
-                </a:solidFill>
-                <a:effectLst/>
-                <a:latin typeface="Verdana" panose="020B0604030504040204" pitchFamily="34" charset="0"/>
-              </a:rPr>
-              <a:t>An HTML button was clicked</a:t>
-            </a:r>
-          </a:p>
-          <a:p>
-            <a:pPr marL="0" marR="0" lvl="0" indent="0" algn="l" defTabSz="914400" rtl="0" eaLnBrk="0" fontAlgn="base" latinLnBrk="0" hangingPunct="0">
-              <a:lnSpc>
-                <a:spcPct val="100000"/>
+                <a:spcPct val="150000"/>
               </a:lnSpc>
               <a:spcBef>
                 <a:spcPct val="0"/>
@@ -5261,7 +5283,33 @@
                 <a:effectLst/>
                 <a:latin typeface="Verdana" panose="020B0604030504040204" pitchFamily="34" charset="0"/>
               </a:rPr>
-              <a:t>Often, when events happen, you may want to do something.</a:t>
+              <a:t>HTML allows event handler attributes, </a:t>
+            </a:r>
+            <a:r>
+              <a:rPr kumimoji="0" lang="en-US" altLang="en-US" b="1" i="0" u="none" strike="noStrike" cap="none" normalizeH="0" baseline="0" dirty="0">
+                <a:ln>
+                  <a:noFill/>
+                </a:ln>
+                <a:solidFill>
+                  <a:srgbClr val="000000"/>
+                </a:solidFill>
+                <a:effectLst/>
+                <a:latin typeface="Verdana" panose="020B0604030504040204" pitchFamily="34" charset="0"/>
+              </a:rPr>
+              <a:t>with JavaScript code</a:t>
+            </a:r>
+            <a:r>
+              <a:rPr kumimoji="0" lang="en-US" altLang="en-US" b="0" i="0" u="none" strike="noStrike" cap="none" normalizeH="0" baseline="0" dirty="0">
+                <a:ln>
+                  <a:noFill/>
+                </a:ln>
+                <a:solidFill>
+                  <a:srgbClr val="000000"/>
+                </a:solidFill>
+                <a:effectLst/>
+                <a:latin typeface="Verdana" panose="020B0604030504040204" pitchFamily="34" charset="0"/>
+              </a:rPr>
+              <a:t>, to be added to HTML elements.</a:t>
             </a:r>
             <a:endParaRPr kumimoji="0" lang="en-US" altLang="en-US" b="0" i="0" u="none" strike="noStrike" cap="none" normalizeH="0" baseline="0" dirty="0">
               <a:ln>
@@ -5276,7 +5324,7 @@
           <a:p>
             <a:pPr marL="0" marR="0" lvl="0" indent="0" algn="l" defTabSz="914400" rtl="0" eaLnBrk="0" fontAlgn="base" latinLnBrk="0" hangingPunct="0">
               <a:lnSpc>
-                <a:spcPct val="100000"/>
+                <a:spcPct val="150000"/>
               </a:lnSpc>
               <a:spcBef>
                 <a:spcPct val="0"/>
@@ -5301,7 +5349,29 @@
                 <a:effectLst/>
                 <a:latin typeface="Verdana" panose="020B0604030504040204" pitchFamily="34" charset="0"/>
               </a:rPr>
-              <a:t>JavaScript lets you execute code when events are detected.</a:t>
+              <a:t>With single </a:t>
+            </a:r>
+            <a:r>
+              <a:rPr lang="en-US" altLang="en-US" dirty="0">
+                <a:solidFill>
+                  <a:srgbClr val="000000"/>
+                </a:solidFill>
+                <a:latin typeface="Verdana" panose="020B0604030504040204" pitchFamily="34" charset="0"/>
+              </a:rPr>
+              <a:t>or double </a:t>
+            </a:r>
+            <a:r>
+              <a:rPr kumimoji="0" lang="en-US" altLang="en-US" b="0" i="0" u="none" strike="noStrike" cap="none" normalizeH="0" baseline="0" dirty="0">
+                <a:ln>
+                  <a:noFill/>
+                </a:ln>
+                <a:solidFill>
+                  <a:srgbClr val="000000"/>
+                </a:solidFill>
+                <a:effectLst/>
+                <a:latin typeface="Verdana" panose="020B0604030504040204" pitchFamily="34" charset="0"/>
+              </a:rPr>
+              <a:t>quotes:</a:t>
             </a:r>
             <a:endParaRPr kumimoji="0" lang="en-US" altLang="en-US" b="0" i="0" u="none" strike="noStrike" cap="none" normalizeH="0" baseline="0" dirty="0">
               <a:ln>
@@ -5316,7 +5386,7 @@
           <a:p>
             <a:pPr marL="0" marR="0" lvl="0" indent="0" algn="l" defTabSz="914400" rtl="0" eaLnBrk="0" fontAlgn="base" latinLnBrk="0" hangingPunct="0">
               <a:lnSpc>
-                <a:spcPct val="100000"/>
+                <a:spcPct val="150000"/>
               </a:lnSpc>
               <a:spcBef>
                 <a:spcPct val="0"/>
@@ -5336,12 +5406,64 @@
                   <a:noFill/>
                 </a:ln>
                 <a:solidFill>
-                  <a:srgbClr val="000000"/>
-                </a:solidFill>
-                <a:effectLst/>
-                <a:latin typeface="Verdana" panose="020B0604030504040204" pitchFamily="34" charset="0"/>
-              </a:rPr>
-              <a:t>HTML allows event handler attributes, </a:t>
+                  <a:srgbClr val="0000CD"/>
+                </a:solidFill>
+                <a:effectLst/>
+                <a:latin typeface="Consolas" panose="020B0609020204030204" pitchFamily="49" charset="0"/>
+              </a:rPr>
+              <a:t>&lt;</a:t>
+            </a:r>
+            <a:r>
+              <a:rPr kumimoji="0" lang="en-US" altLang="en-US" b="0" i="1" u="none" strike="noStrike" cap="none" normalizeH="0" baseline="0" dirty="0">
+                <a:ln>
+                  <a:noFill/>
+                </a:ln>
+                <a:solidFill>
+                  <a:srgbClr val="A52A2A"/>
+                </a:solidFill>
+                <a:effectLst/>
+                <a:latin typeface="Consolas" panose="020B0609020204030204" pitchFamily="49" charset="0"/>
+              </a:rPr>
+              <a:t>element</a:t>
+            </a:r>
+            <a:r>
+              <a:rPr kumimoji="0" lang="en-US" altLang="en-US" b="0" i="0" u="none" strike="noStrike" cap="none" normalizeH="0" baseline="0" dirty="0">
+                <a:ln>
+                  <a:noFill/>
+                </a:ln>
+                <a:solidFill>
+                  <a:srgbClr val="FF0000"/>
+                </a:solidFill>
+                <a:effectLst/>
+                <a:latin typeface="Consolas" panose="020B0609020204030204" pitchFamily="49" charset="0"/>
+              </a:rPr>
+              <a:t> </a:t>
+            </a:r>
+            <a:r>
+              <a:rPr kumimoji="0" lang="en-US" altLang="en-US" b="0" i="1" u="none" strike="noStrike" cap="none" normalizeH="0" baseline="0" dirty="0">
+                <a:ln>
+                  <a:noFill/>
+                </a:ln>
+                <a:solidFill>
+                  <a:srgbClr val="FF0000"/>
+                </a:solidFill>
+                <a:effectLst/>
+                <a:latin typeface="Consolas" panose="020B0609020204030204" pitchFamily="49" charset="0"/>
+              </a:rPr>
+              <a:t>event</a:t>
+            </a:r>
+            <a:r>
+              <a:rPr kumimoji="0" lang="en-US" altLang="en-US" b="0" i="0" u="none" strike="noStrike" cap="none" normalizeH="0" baseline="0" dirty="0">
+                <a:ln>
+                  <a:noFill/>
+                </a:ln>
+                <a:solidFill>
+                  <a:srgbClr val="0000CD"/>
+                </a:solidFill>
+                <a:effectLst/>
+                <a:latin typeface="Consolas" panose="020B0609020204030204" pitchFamily="49" charset="0"/>
+              </a:rPr>
+              <a:t>=</a:t>
             </a:r>
             <a:r>
               <a:rPr kumimoji="0" lang="en-US" altLang="en-US" b="1" i="0" u="none" strike="noStrike" cap="none" normalizeH="0" baseline="0" dirty="0">
@@ -5349,12 +5471,38 @@
                   <a:noFill/>
                 </a:ln>
                 <a:solidFill>
-                  <a:srgbClr val="000000"/>
-                </a:solidFill>
-                <a:effectLst/>
-                <a:latin typeface="Verdana" panose="020B0604030504040204" pitchFamily="34" charset="0"/>
-              </a:rPr>
-              <a:t>with JavaScript code</a:t>
+                  <a:srgbClr val="0000CD"/>
+                </a:solidFill>
+                <a:effectLst/>
+                <a:latin typeface="Consolas" panose="020B0609020204030204" pitchFamily="49" charset="0"/>
+              </a:rPr>
+              <a:t>'</a:t>
+            </a:r>
+            <a:r>
+              <a:rPr kumimoji="0" lang="en-US" altLang="en-US" b="1" i="1" u="none" strike="noStrike" cap="none" normalizeH="0" baseline="0" dirty="0">
+                <a:ln>
+                  <a:noFill/>
+                </a:ln>
+                <a:solidFill>
+                  <a:srgbClr val="0000CD"/>
+                </a:solidFill>
+                <a:effectLst/>
+                <a:latin typeface="Consolas" panose="020B0609020204030204" pitchFamily="49" charset="0"/>
+              </a:rPr>
+              <a:t>some JavaScript</a:t>
+            </a:r>
+            <a:r>
+              <a:rPr kumimoji="0" lang="en-US" altLang="en-US" b="1" i="0" u="none" strike="noStrike" cap="none" normalizeH="0" baseline="0" dirty="0">
+                <a:ln>
+                  <a:noFill/>
+                </a:ln>
+                <a:solidFill>
+                  <a:srgbClr val="0000CD"/>
+                </a:solidFill>
+                <a:effectLst/>
+                <a:latin typeface="Consolas" panose="020B0609020204030204" pitchFamily="49" charset="0"/>
+              </a:rPr>
+              <a:t>'</a:t>
             </a:r>
             <a:r>
               <a:rPr kumimoji="0" lang="en-US" altLang="en-US" b="0" i="0" u="none" strike="noStrike" cap="none" normalizeH="0" baseline="0" dirty="0">
@@ -5362,12 +5510,12 @@
                   <a:noFill/>
                 </a:ln>
                 <a:solidFill>
-                  <a:srgbClr val="000000"/>
-                </a:solidFill>
-                <a:effectLst/>
-                <a:latin typeface="Verdana" panose="020B0604030504040204" pitchFamily="34" charset="0"/>
-              </a:rPr>
-              <a:t>, to be added to HTML elements.</a:t>
+                  <a:srgbClr val="0000CD"/>
+                </a:solidFill>
+                <a:effectLst/>
+                <a:latin typeface="Consolas" panose="020B0609020204030204" pitchFamily="49" charset="0"/>
+              </a:rPr>
+              <a:t>&gt;</a:t>
             </a:r>
             <a:endParaRPr kumimoji="0" lang="en-US" altLang="en-US" b="0" i="0" u="none" strike="noStrike" cap="none" normalizeH="0" baseline="0" dirty="0">
               <a:ln>
@@ -5382,7 +5530,7 @@
           <a:p>
             <a:pPr marL="0" marR="0" lvl="0" indent="0" algn="l" defTabSz="914400" rtl="0" eaLnBrk="0" fontAlgn="base" latinLnBrk="0" hangingPunct="0">
               <a:lnSpc>
-                <a:spcPct val="100000"/>
+                <a:spcPct val="150000"/>
               </a:lnSpc>
               <a:spcBef>
                 <a:spcPct val="0"/>
@@ -5402,52 +5550,38 @@
                   <a:noFill/>
                 </a:ln>
                 <a:solidFill>
-                  <a:srgbClr val="000000"/>
-                </a:solidFill>
-                <a:effectLst/>
-                <a:latin typeface="Verdana" panose="020B0604030504040204" pitchFamily="34" charset="0"/>
-              </a:rPr>
-              <a:t>With single quotes:</a:t>
-            </a:r>
-            <a:endParaRPr kumimoji="0" lang="en-US" altLang="en-US" b="0" i="0" u="none" strike="noStrike" cap="none" normalizeH="0" baseline="0" dirty="0">
-              <a:ln>
-                <a:noFill/>
-              </a:ln>
-              <a:solidFill>
-                <a:schemeClr val="tx1"/>
-              </a:solidFill>
-              <a:effectLst/>
-            </a:endParaRPr>
-          </a:p>
-          <a:p>
-            <a:pPr marL="0" marR="0" lvl="0" indent="0" algn="l" defTabSz="914400" rtl="0" eaLnBrk="0" fontAlgn="base" latinLnBrk="0" hangingPunct="0">
-              <a:lnSpc>
-                <a:spcPct val="100000"/>
-              </a:lnSpc>
-              <a:spcBef>
-                <a:spcPct val="0"/>
-              </a:spcBef>
-              <a:spcAft>
-                <a:spcPct val="0"/>
-              </a:spcAft>
-              <a:buClrTx/>
-              <a:buSzTx/>
-              <a:buFontTx/>
-              <a:buNone/>
-              <a:tabLst/>
-            </a:pPr>
+                  <a:srgbClr val="0000CD"/>
+                </a:solidFill>
+                <a:effectLst/>
+                <a:latin typeface="Consolas" panose="020B0609020204030204" pitchFamily="49" charset="0"/>
+              </a:rPr>
+              <a:t>&lt;</a:t>
+            </a:r>
+            <a:r>
+              <a:rPr kumimoji="0" lang="en-US" altLang="en-US" b="0" i="1" u="none" strike="noStrike" cap="none" normalizeH="0" baseline="0" dirty="0">
+                <a:ln>
+                  <a:noFill/>
+                </a:ln>
+                <a:solidFill>
+                  <a:srgbClr val="A52A2A"/>
+                </a:solidFill>
+                <a:effectLst/>
+                <a:latin typeface="Consolas" panose="020B0609020204030204" pitchFamily="49" charset="0"/>
+              </a:rPr>
+              <a:t>element</a:t>
+            </a:r>
             <a:r>
               <a:rPr kumimoji="0" lang="en-US" altLang="en-US" b="0" i="0" u="none" strike="noStrike" cap="none" normalizeH="0" baseline="0" dirty="0">
                 <a:ln>
                   <a:noFill/>
                 </a:ln>
                 <a:solidFill>
-                  <a:srgbClr val="0000CD"/>
+                  <a:srgbClr val="FF0000"/>
                 </a:solidFill>
                 <a:effectLst/>
                 <a:latin typeface="Consolas" panose="020B0609020204030204" pitchFamily="49" charset="0"/>
               </a:rPr>
-              <a:t>&lt;</a:t>
+              <a:t> </a:t>
             </a:r>
             <a:r>
               <a:rPr kumimoji="0" lang="en-US" altLang="en-US" b="0" i="1" u="none" strike="noStrike" cap="none" normalizeH="0" baseline="0" dirty="0">
@@ -5455,12 +5589,12 @@
                   <a:noFill/>
                 </a:ln>
                 <a:solidFill>
-                  <a:srgbClr val="A52A2A"/>
+                  <a:srgbClr val="FF0000"/>
                 </a:solidFill>
                 <a:effectLst/>
                 <a:latin typeface="Consolas" panose="020B0609020204030204" pitchFamily="49" charset="0"/>
               </a:rPr>
-              <a:t>element</a:t>
+              <a:t>event</a:t>
             </a:r>
             <a:r>
               <a:rPr kumimoji="0" lang="en-US" altLang="en-US" b="0" i="0" u="none" strike="noStrike" cap="none" normalizeH="0" baseline="0" dirty="0">
@@ -5468,25 +5602,51 @@
                   <a:noFill/>
                 </a:ln>
                 <a:solidFill>
-                  <a:srgbClr val="FF0000"/>
+                  <a:srgbClr val="0000CD"/>
                 </a:solidFill>
                 <a:effectLst/>
                 <a:latin typeface="Consolas" panose="020B0609020204030204" pitchFamily="49" charset="0"/>
               </a:rPr>
-              <a:t> </a:t>
-            </a:r>
-            <a:r>
-              <a:rPr kumimoji="0" lang="en-US" altLang="en-US" b="0" i="1" u="none" strike="noStrike" cap="none" normalizeH="0" baseline="0" dirty="0">
+              <a:t>=</a:t>
+            </a:r>
+            <a:r>
+              <a:rPr kumimoji="0" lang="en-US" altLang="en-US" b="1" i="0" u="none" strike="noStrike" cap="none" normalizeH="0" baseline="0" dirty="0">
                 <a:ln>
                   <a:noFill/>
                 </a:ln>
                 <a:solidFill>
-                  <a:srgbClr val="FF0000"/>
+                  <a:srgbClr val="0000CD"/>
                 </a:solidFill>
                 <a:effectLst/>
                 <a:latin typeface="Consolas" panose="020B0609020204030204" pitchFamily="49" charset="0"/>
               </a:rPr>
-              <a:t>event</a:t>
+              <a:t>"</a:t>
+            </a:r>
+            <a:r>
+              <a:rPr kumimoji="0" lang="en-US" altLang="en-US" b="1" i="1" u="none" strike="noStrike" cap="none" normalizeH="0" baseline="0" dirty="0">
+                <a:ln>
+                  <a:noFill/>
+                </a:ln>
+                <a:solidFill>
+                  <a:srgbClr val="0000CD"/>
+                </a:solidFill>
+                <a:effectLst/>
+                <a:latin typeface="Consolas" panose="020B0609020204030204" pitchFamily="49" charset="0"/>
+              </a:rPr>
+              <a:t>some JavaScript</a:t>
+            </a:r>
+            <a:r>
+              <a:rPr kumimoji="0" lang="en-US" altLang="en-US" b="1" i="0" u="none" strike="noStrike" cap="none" normalizeH="0" baseline="0" dirty="0">
+                <a:ln>
+                  <a:noFill/>
+                </a:ln>
+                <a:solidFill>
+                  <a:srgbClr val="0000CD"/>
+                </a:solidFill>
+                <a:effectLst/>
+                <a:latin typeface="Consolas" panose="020B0609020204030204" pitchFamily="49" charset="0"/>
+              </a:rPr>
+              <a:t>"</a:t>
             </a:r>
             <a:r>
               <a:rPr kumimoji="0" lang="en-US" altLang="en-US" b="0" i="0" u="none" strike="noStrike" cap="none" normalizeH="0" baseline="0" dirty="0">
@@ -5499,350 +5659,13 @@
                 <a:effectLst/>
                 <a:latin typeface="Consolas" panose="020B0609020204030204" pitchFamily="49" charset="0"/>
               </a:rPr>
-              <a:t>=</a:t>
-            </a:r>
-            <a:r>
-              <a:rPr kumimoji="0" lang="en-US" altLang="en-US" b="1" i="0" u="none" strike="noStrike" cap="none" normalizeH="0" baseline="0" dirty="0">
-                <a:ln>
-                  <a:noFill/>
-                </a:ln>
-                <a:solidFill>
-                  <a:srgbClr val="0000CD"/>
-                </a:solidFill>
-                <a:effectLst/>
-                <a:latin typeface="Consolas" panose="020B0609020204030204" pitchFamily="49" charset="0"/>
-              </a:rPr>
-              <a:t>'</a:t>
-            </a:r>
-            <a:r>
-              <a:rPr kumimoji="0" lang="en-US" altLang="en-US" b="1" i="1" u="none" strike="noStrike" cap="none" normalizeH="0" baseline="0" dirty="0">
-                <a:ln>
-                  <a:noFill/>
-                </a:ln>
-                <a:solidFill>
-                  <a:srgbClr val="0000CD"/>
-                </a:solidFill>
-                <a:effectLst/>
-                <a:latin typeface="Consolas" panose="020B0609020204030204" pitchFamily="49" charset="0"/>
-              </a:rPr>
-              <a:t>some JavaScript</a:t>
-            </a:r>
-            <a:r>
-              <a:rPr kumimoji="0" lang="en-US" altLang="en-US" b="1" i="0" u="none" strike="noStrike" cap="none" normalizeH="0" baseline="0" dirty="0">
-                <a:ln>
-                  <a:noFill/>
-                </a:ln>
-                <a:solidFill>
-                  <a:srgbClr val="0000CD"/>
-                </a:solidFill>
-                <a:effectLst/>
-                <a:latin typeface="Consolas" panose="020B0609020204030204" pitchFamily="49" charset="0"/>
-              </a:rPr>
-              <a:t>'</a:t>
-            </a:r>
-            <a:r>
-              <a:rPr kumimoji="0" lang="en-US" altLang="en-US" b="0" i="0" u="none" strike="noStrike" cap="none" normalizeH="0" baseline="0" dirty="0">
-                <a:ln>
-                  <a:noFill/>
-                </a:ln>
-                <a:solidFill>
-                  <a:srgbClr val="0000CD"/>
-                </a:solidFill>
-                <a:effectLst/>
-                <a:latin typeface="Consolas" panose="020B0609020204030204" pitchFamily="49" charset="0"/>
-              </a:rPr>
               <a:t>&gt;</a:t>
             </a:r>
-            <a:endParaRPr kumimoji="0" lang="en-US" altLang="en-US" b="0" i="0" u="none" strike="noStrike" cap="none" normalizeH="0" baseline="0" dirty="0">
-              <a:ln>
-                <a:noFill/>
-              </a:ln>
-              <a:solidFill>
-                <a:schemeClr val="tx1"/>
-              </a:solidFill>
-              <a:effectLst/>
-            </a:endParaRPr>
           </a:p>
           <a:p>
             <a:pPr marL="0" marR="0" lvl="0" indent="0" algn="l" defTabSz="914400" rtl="0" eaLnBrk="0" fontAlgn="base" latinLnBrk="0" hangingPunct="0">
               <a:lnSpc>
-                <a:spcPct val="100000"/>
-              </a:lnSpc>
-              <a:spcBef>
-                <a:spcPct val="0"/>
-              </a:spcBef>
-              <a:spcAft>
-                <a:spcPct val="0"/>
-              </a:spcAft>
-              <a:buClrTx/>
-              <a:buSzTx/>
-              <a:buFontTx/>
-              <a:buNone/>
-              <a:tabLst/>
-            </a:pPr>
-            <a:r>
-              <a:rPr kumimoji="0" lang="en-US" altLang="en-US" b="0" i="0" u="none" strike="noStrike" cap="none" normalizeH="0" baseline="0" dirty="0">
-                <a:ln>
-                  <a:noFill/>
-                </a:ln>
-                <a:solidFill>
-                  <a:srgbClr val="000000"/>
-                </a:solidFill>
-                <a:effectLst/>
-                <a:latin typeface="Verdana" panose="020B0604030504040204" pitchFamily="34" charset="0"/>
-              </a:rPr>
-              <a:t>With double quotes:</a:t>
-            </a:r>
-            <a:endParaRPr kumimoji="0" lang="en-US" altLang="en-US" b="0" i="0" u="none" strike="noStrike" cap="none" normalizeH="0" baseline="0" dirty="0">
-              <a:ln>
-                <a:noFill/>
-              </a:ln>
-              <a:solidFill>
-                <a:schemeClr val="tx1"/>
-              </a:solidFill>
-              <a:effectLst/>
-            </a:endParaRPr>
-          </a:p>
-          <a:p>
-            <a:pPr marL="0" marR="0" lvl="0" indent="0" algn="l" defTabSz="914400" rtl="0" eaLnBrk="0" fontAlgn="base" latinLnBrk="0" hangingPunct="0">
-              <a:lnSpc>
-                <a:spcPct val="100000"/>
-              </a:lnSpc>
-              <a:spcBef>
-                <a:spcPct val="0"/>
-              </a:spcBef>
-              <a:spcAft>
-                <a:spcPct val="0"/>
-              </a:spcAft>
-              <a:buClrTx/>
-              <a:buSzTx/>
-              <a:buFontTx/>
-              <a:buNone/>
-              <a:tabLst/>
-            </a:pPr>
-            <a:r>
-              <a:rPr kumimoji="0" lang="en-US" altLang="en-US" b="0" i="0" u="none" strike="noStrike" cap="none" normalizeH="0" baseline="0" dirty="0">
-                <a:ln>
-                  <a:noFill/>
-                </a:ln>
-                <a:solidFill>
-                  <a:srgbClr val="0000CD"/>
-                </a:solidFill>
-                <a:effectLst/>
-                <a:latin typeface="Consolas" panose="020B0609020204030204" pitchFamily="49" charset="0"/>
-              </a:rPr>
-              <a:t>&lt;</a:t>
-            </a:r>
-            <a:r>
-              <a:rPr kumimoji="0" lang="en-US" altLang="en-US" b="0" i="1" u="none" strike="noStrike" cap="none" normalizeH="0" baseline="0" dirty="0">
-                <a:ln>
-                  <a:noFill/>
-                </a:ln>
-                <a:solidFill>
-                  <a:srgbClr val="A52A2A"/>
-                </a:solidFill>
-                <a:effectLst/>
-                <a:latin typeface="Consolas" panose="020B0609020204030204" pitchFamily="49" charset="0"/>
-              </a:rPr>
-              <a:t>element</a:t>
-            </a:r>
-            <a:r>
-              <a:rPr kumimoji="0" lang="en-US" altLang="en-US" b="0" i="0" u="none" strike="noStrike" cap="none" normalizeH="0" baseline="0" dirty="0">
-                <a:ln>
-                  <a:noFill/>
-                </a:ln>
-                <a:solidFill>
-                  <a:srgbClr val="FF0000"/>
-                </a:solidFill>
-                <a:effectLst/>
-                <a:latin typeface="Consolas" panose="020B0609020204030204" pitchFamily="49" charset="0"/>
-              </a:rPr>
-              <a:t> </a:t>
-            </a:r>
-            <a:r>
-              <a:rPr kumimoji="0" lang="en-US" altLang="en-US" b="0" i="1" u="none" strike="noStrike" cap="none" normalizeH="0" baseline="0" dirty="0">
-                <a:ln>
-                  <a:noFill/>
-                </a:ln>
-                <a:solidFill>
-                  <a:srgbClr val="FF0000"/>
-                </a:solidFill>
-                <a:effectLst/>
-                <a:latin typeface="Consolas" panose="020B0609020204030204" pitchFamily="49" charset="0"/>
-              </a:rPr>
-              <a:t>event</a:t>
-            </a:r>
-            <a:r>
-              <a:rPr kumimoji="0" lang="en-US" altLang="en-US" b="0" i="0" u="none" strike="noStrike" cap="none" normalizeH="0" baseline="0" dirty="0">
-                <a:ln>
-                  <a:noFill/>
-                </a:ln>
-                <a:solidFill>
-                  <a:srgbClr val="0000CD"/>
-                </a:solidFill>
-                <a:effectLst/>
-                <a:latin typeface="Consolas" panose="020B0609020204030204" pitchFamily="49" charset="0"/>
-              </a:rPr>
-              <a:t>=</a:t>
-            </a:r>
-            <a:r>
-              <a:rPr kumimoji="0" lang="en-US" altLang="en-US" b="1" i="0" u="none" strike="noStrike" cap="none" normalizeH="0" baseline="0" dirty="0">
-                <a:ln>
-                  <a:noFill/>
-                </a:ln>
-                <a:solidFill>
-                  <a:srgbClr val="0000CD"/>
-                </a:solidFill>
-                <a:effectLst/>
-                <a:latin typeface="Consolas" panose="020B0609020204030204" pitchFamily="49" charset="0"/>
-              </a:rPr>
-              <a:t>"</a:t>
-            </a:r>
-            <a:r>
-              <a:rPr kumimoji="0" lang="en-US" altLang="en-US" b="1" i="1" u="none" strike="noStrike" cap="none" normalizeH="0" baseline="0" dirty="0">
-                <a:ln>
-                  <a:noFill/>
-                </a:ln>
-                <a:solidFill>
-                  <a:srgbClr val="0000CD"/>
-                </a:solidFill>
-                <a:effectLst/>
-                <a:latin typeface="Consolas" panose="020B0609020204030204" pitchFamily="49" charset="0"/>
-              </a:rPr>
-              <a:t>some JavaScript</a:t>
-            </a:r>
-            <a:r>
-              <a:rPr kumimoji="0" lang="en-US" altLang="en-US" b="1" i="0" u="none" strike="noStrike" cap="none" normalizeH="0" baseline="0" dirty="0">
-                <a:ln>
-                  <a:noFill/>
-                </a:ln>
-                <a:solidFill>
-                  <a:srgbClr val="0000CD"/>
-                </a:solidFill>
-                <a:effectLst/>
-                <a:latin typeface="Consolas" panose="020B0609020204030204" pitchFamily="49" charset="0"/>
-              </a:rPr>
-              <a:t>"</a:t>
-            </a:r>
-            <a:r>
-              <a:rPr kumimoji="0" lang="en-US" altLang="en-US" b="0" i="0" u="none" strike="noStrike" cap="none" normalizeH="0" baseline="0" dirty="0">
-                <a:ln>
-                  <a:noFill/>
-                </a:ln>
-                <a:solidFill>
-                  <a:srgbClr val="0000CD"/>
-                </a:solidFill>
-                <a:effectLst/>
-                <a:latin typeface="Consolas" panose="020B0609020204030204" pitchFamily="49" charset="0"/>
-              </a:rPr>
-              <a:t>&gt;</a:t>
-            </a:r>
-            <a:endParaRPr kumimoji="0" lang="en-US" altLang="en-US" b="0" i="0" u="none" strike="noStrike" cap="none" normalizeH="0" baseline="0" dirty="0">
-              <a:ln>
-                <a:noFill/>
-              </a:ln>
-              <a:solidFill>
-                <a:schemeClr val="tx1"/>
-              </a:solidFill>
-              <a:effectLst/>
-            </a:endParaRPr>
-          </a:p>
-          <a:p>
-            <a:pPr marL="0" marR="0" lvl="0" indent="0" algn="l" defTabSz="914400" rtl="0" eaLnBrk="0" fontAlgn="base" latinLnBrk="0" hangingPunct="0">
-              <a:lnSpc>
-                <a:spcPct val="100000"/>
-              </a:lnSpc>
-              <a:spcBef>
-                <a:spcPct val="0"/>
-              </a:spcBef>
-              <a:spcAft>
-                <a:spcPct val="0"/>
-              </a:spcAft>
-              <a:buClrTx/>
-              <a:buSzTx/>
-              <a:buFontTx/>
-              <a:buNone/>
-              <a:tabLst/>
-            </a:pPr>
-            <a:r>
-              <a:rPr kumimoji="0" lang="en-US" altLang="en-US" b="0" i="0" u="none" strike="noStrike" cap="none" normalizeH="0" baseline="0" dirty="0">
-                <a:ln>
-                  <a:noFill/>
-                </a:ln>
-                <a:solidFill>
-                  <a:srgbClr val="000000"/>
-                </a:solidFill>
-                <a:effectLst/>
-                <a:latin typeface="Verdana" panose="020B0604030504040204" pitchFamily="34" charset="0"/>
-              </a:rPr>
-              <a:t>In the following example, an </a:t>
-            </a:r>
-            <a:r>
-              <a:rPr kumimoji="0" lang="en-US" altLang="en-US" b="0" i="0" u="none" strike="noStrike" cap="none" normalizeH="0" baseline="0" dirty="0">
-                <a:ln>
-                  <a:noFill/>
-                </a:ln>
-                <a:solidFill>
-                  <a:srgbClr val="DC143C"/>
-                </a:solidFill>
-                <a:effectLst/>
-                <a:latin typeface="Consolas" panose="020B0609020204030204" pitchFamily="49" charset="0"/>
-              </a:rPr>
-              <a:t>onclick</a:t>
-            </a:r>
-            <a:r>
-              <a:rPr kumimoji="0" lang="en-US" altLang="en-US" b="0" i="0" u="none" strike="noStrike" cap="none" normalizeH="0" baseline="0" dirty="0">
-                <a:ln>
-                  <a:noFill/>
-                </a:ln>
-                <a:solidFill>
-                  <a:srgbClr val="000000"/>
-                </a:solidFill>
-                <a:effectLst/>
-                <a:latin typeface="Verdana" panose="020B0604030504040204" pitchFamily="34" charset="0"/>
-              </a:rPr>
-              <a:t> attribute (with code), is added to a </a:t>
-            </a:r>
-            <a:r>
-              <a:rPr kumimoji="0" lang="en-US" altLang="en-US" b="0" i="0" u="none" strike="noStrike" cap="none" normalizeH="0" baseline="0" dirty="0">
-                <a:ln>
-                  <a:noFill/>
-                </a:ln>
-                <a:solidFill>
-                  <a:srgbClr val="DC143C"/>
-                </a:solidFill>
-                <a:effectLst/>
-                <a:latin typeface="Consolas" panose="020B0609020204030204" pitchFamily="49" charset="0"/>
-              </a:rPr>
-              <a:t>&lt;button&gt;</a:t>
-            </a:r>
-            <a:r>
-              <a:rPr kumimoji="0" lang="en-US" altLang="en-US" b="0" i="0" u="none" strike="noStrike" cap="none" normalizeH="0" baseline="0" dirty="0">
-                <a:ln>
-                  <a:noFill/>
-                </a:ln>
-                <a:solidFill>
-                  <a:srgbClr val="000000"/>
-                </a:solidFill>
-                <a:effectLst/>
-                <a:latin typeface="Verdana" panose="020B0604030504040204" pitchFamily="34" charset="0"/>
-              </a:rPr>
-              <a:t> element:</a:t>
-            </a:r>
-            <a:endParaRPr kumimoji="0" lang="en-US" altLang="en-US" b="0" i="0" u="none" strike="noStrike" cap="none" normalizeH="0" baseline="0" dirty="0">
-              <a:ln>
-                <a:noFill/>
-              </a:ln>
-              <a:solidFill>
-                <a:schemeClr val="tx1"/>
-              </a:solidFill>
-              <a:effectLst/>
-            </a:endParaRPr>
-          </a:p>
-          <a:p>
-            <a:pPr marL="0" marR="0" lvl="0" indent="0" algn="l" defTabSz="914400" rtl="0" eaLnBrk="0" fontAlgn="base" latinLnBrk="0" hangingPunct="0">
-              <a:lnSpc>
-                <a:spcPct val="100000"/>
+                <a:spcPct val="150000"/>
               </a:lnSpc>
               <a:spcBef>
                 <a:spcPct val="0"/>
@@ -5861,17 +5684,15 @@
                 <a:noFill/>
               </a:ln>
               <a:solidFill>
-                <a:srgbClr val="000000"/>
+                <a:schemeClr val="tx1"/>
               </a:solidFill>
               <a:effectLst/>
-              <a:latin typeface="Segoe UI" panose="020B0502040204020203" pitchFamily="34" charset="0"/>
-              <a:cs typeface="Segoe UI" panose="020B0502040204020203" pitchFamily="34" charset="0"/>
             </a:endParaRPr>
           </a:p>
           <a:p>
             <a:pPr marL="0" marR="0" lvl="0" indent="0" algn="l" defTabSz="914400" rtl="0" eaLnBrk="0" fontAlgn="base" latinLnBrk="0" hangingPunct="0">
               <a:lnSpc>
-                <a:spcPct val="100000"/>
+                <a:spcPct val="150000"/>
               </a:lnSpc>
               <a:spcBef>
                 <a:spcPct val="0"/>
@@ -5894,16 +5715,78 @@
                   <a:srgbClr val="000000"/>
                 </a:solidFill>
                 <a:effectLst/>
-                <a:latin typeface="Segoe UI" panose="020B0502040204020203" pitchFamily="34" charset="0"/>
-                <a:cs typeface="Segoe UI" panose="020B0502040204020203" pitchFamily="34" charset="0"/>
-              </a:rPr>
-              <a:t>Example</a:t>
-            </a:r>
+                <a:latin typeface="Verdana" panose="020B0604030504040204" pitchFamily="34" charset="0"/>
+              </a:rPr>
+              <a:t>In the following example, an </a:t>
+            </a:r>
+            <a:r>
+              <a:rPr kumimoji="0" lang="en-US" altLang="en-US" b="0" i="0" u="none" strike="noStrike" cap="none" normalizeH="0" baseline="0" dirty="0">
+                <a:ln>
+                  <a:noFill/>
+                </a:ln>
+                <a:solidFill>
+                  <a:srgbClr val="DC143C"/>
+                </a:solidFill>
+                <a:effectLst/>
+                <a:latin typeface="Consolas" panose="020B0609020204030204" pitchFamily="49" charset="0"/>
+              </a:rPr>
+              <a:t>onclick</a:t>
+            </a:r>
+            <a:r>
+              <a:rPr kumimoji="0" lang="en-US" altLang="en-US" b="0" i="0" u="none" strike="noStrike" cap="none" normalizeH="0" baseline="0" dirty="0">
+                <a:ln>
+                  <a:noFill/>
+                </a:ln>
+                <a:solidFill>
+                  <a:srgbClr val="000000"/>
+                </a:solidFill>
+                <a:effectLst/>
+                <a:latin typeface="Verdana" panose="020B0604030504040204" pitchFamily="34" charset="0"/>
+              </a:rPr>
+              <a:t> attribute (with code), is added to a </a:t>
+            </a:r>
+            <a:r>
+              <a:rPr kumimoji="0" lang="en-US" altLang="en-US" b="0" i="0" u="none" strike="noStrike" cap="none" normalizeH="0" baseline="0" dirty="0">
+                <a:ln>
+                  <a:noFill/>
+                </a:ln>
+                <a:solidFill>
+                  <a:srgbClr val="DC143C"/>
+                </a:solidFill>
+                <a:effectLst/>
+                <a:latin typeface="Consolas" panose="020B0609020204030204" pitchFamily="49" charset="0"/>
+              </a:rPr>
+              <a:t>&lt;button&gt;</a:t>
+            </a:r>
+            <a:r>
+              <a:rPr kumimoji="0" lang="en-US" altLang="en-US" b="0" i="0" u="none" strike="noStrike" cap="none" normalizeH="0" baseline="0" dirty="0">
+                <a:ln>
+                  <a:noFill/>
+                </a:ln>
+                <a:solidFill>
+                  <a:srgbClr val="000000"/>
+                </a:solidFill>
+                <a:effectLst/>
+                <a:latin typeface="Verdana" panose="020B0604030504040204" pitchFamily="34" charset="0"/>
+              </a:rPr>
+              <a:t> element:</a:t>
+            </a:r>
+            <a:endParaRPr kumimoji="0" lang="en-US" altLang="en-US" b="0" i="0" u="none" strike="noStrike" cap="none" normalizeH="0" baseline="0" dirty="0">
+              <a:ln>
+                <a:noFill/>
+              </a:ln>
+              <a:solidFill>
+                <a:srgbClr val="000000"/>
+              </a:solidFill>
+              <a:effectLst/>
+              <a:latin typeface="Segoe UI" panose="020B0502040204020203" pitchFamily="34" charset="0"/>
+              <a:cs typeface="Segoe UI" panose="020B0502040204020203" pitchFamily="34" charset="0"/>
+            </a:endParaRPr>
           </a:p>
           <a:p>
             <a:pPr marL="0" marR="0" lvl="0" indent="0" algn="l" defTabSz="914400" rtl="0" eaLnBrk="0" fontAlgn="base" latinLnBrk="0" hangingPunct="0">
               <a:lnSpc>
-                <a:spcPct val="100000"/>
+                <a:spcPct val="150000"/>
               </a:lnSpc>
               <a:spcBef>
                 <a:spcPct val="0"/>
@@ -6086,7 +5969,7 @@
           <a:p>
             <a:pPr marL="0" marR="0" lvl="0" indent="0" algn="l" defTabSz="914400" rtl="0" eaLnBrk="0" fontAlgn="base" latinLnBrk="0" hangingPunct="0">
               <a:lnSpc>
-                <a:spcPct val="100000"/>
+                <a:spcPct val="150000"/>
               </a:lnSpc>
               <a:spcBef>
                 <a:spcPct val="0"/>
@@ -7517,8 +7400,8 @@
         </p:nvSpPr>
         <p:spPr>
           <a:xfrm>
-            <a:off x="526472" y="1502028"/>
-            <a:ext cx="11333019" cy="4401205"/>
+            <a:off x="490960" y="862829"/>
+            <a:ext cx="11333019" cy="5649945"/>
           </a:xfrm>
           <a:prstGeom prst="rect">
             <a:avLst/>
@@ -7531,7 +7414,11 @@
           </a:bodyPr>
           <a:lstStyle/>
           <a:p>
-            <a:pPr algn="l"/>
+            <a:pPr algn="l">
+              <a:lnSpc>
+                <a:spcPct val="150000"/>
+              </a:lnSpc>
+            </a:pPr>
             <a:r>
               <a:rPr lang="en-US" sz="2000" b="0" i="0" dirty="0">
                 <a:solidFill>
@@ -7544,7 +7431,10 @@
             </a:r>
           </a:p>
           <a:p>
-            <a:pPr algn="l">
+            <a:pPr lvl="1">
+              <a:lnSpc>
+                <a:spcPct val="150000"/>
+              </a:lnSpc>
               <a:buFont typeface="Arial" panose="020B0604020202020204" pitchFamily="34" charset="0"/>
               <a:buChar char="•"/>
             </a:pPr>
@@ -7560,7 +7450,10 @@
             </a:r>
           </a:p>
           <a:p>
-            <a:pPr algn="l">
+            <a:pPr lvl="1">
+              <a:lnSpc>
+                <a:spcPct val="150000"/>
+              </a:lnSpc>
               <a:buFont typeface="Arial" panose="020B0604020202020204" pitchFamily="34" charset="0"/>
               <a:buChar char="•"/>
             </a:pPr>
@@ -7576,7 +7469,10 @@
             </a:r>
           </a:p>
           <a:p>
-            <a:pPr algn="l">
+            <a:pPr lvl="1">
+              <a:lnSpc>
+                <a:spcPct val="150000"/>
+              </a:lnSpc>
               <a:buFont typeface="Arial" panose="020B0604020202020204" pitchFamily="34" charset="0"/>
               <a:buChar char="•"/>
             </a:pPr>
@@ -7592,7 +7488,10 @@
             </a:r>
           </a:p>
           <a:p>
-            <a:pPr algn="l">
+            <a:pPr lvl="1">
+              <a:lnSpc>
+                <a:spcPct val="150000"/>
+              </a:lnSpc>
               <a:buFont typeface="Arial" panose="020B0604020202020204" pitchFamily="34" charset="0"/>
               <a:buChar char="•"/>
             </a:pPr>
@@ -7609,6 +7508,26 @@
           </a:p>
           <a:p>
             <a:pPr algn="l">
+              <a:lnSpc>
+                <a:spcPct val="150000"/>
+              </a:lnSpc>
+            </a:pPr>
+            <a:r>
+              <a:rPr lang="en-US" sz="2000" b="0" i="0" dirty="0">
+                <a:solidFill>
+                  <a:schemeClr val="bg1"/>
+                </a:solidFill>
+                <a:effectLst/>
+                <a:latin typeface="Verdana" panose="020B0604030504040204" pitchFamily="34" charset="0"/>
+              </a:rPr>
+              <a:t>Many different methods can be used to let JavaScript work with events:</a:t>
+            </a:r>
+          </a:p>
+          <a:p>
+            <a:pPr lvl="1">
+              <a:lnSpc>
+                <a:spcPct val="150000"/>
+              </a:lnSpc>
               <a:buFont typeface="Arial" panose="020B0604020202020204" pitchFamily="34" charset="0"/>
               <a:buChar char="•"/>
             </a:pPr>
@@ -7620,24 +7539,14 @@
                 <a:effectLst/>
                 <a:latin typeface="Verdana" panose="020B0604030504040204" pitchFamily="34" charset="0"/>
               </a:rPr>
-              <a:t>And more ...</a:t>
-            </a:r>
-          </a:p>
-          <a:p>
-            <a:pPr algn="l"/>
-            <a:r>
-              <a:rPr lang="en-US" sz="2000" b="0" i="0" dirty="0">
-                <a:solidFill>
-                  <a:schemeClr val="bg1"/>
-                </a:solidFill>
-                <a:effectLst/>
-                <a:latin typeface="Verdana" panose="020B0604030504040204" pitchFamily="34" charset="0"/>
-              </a:rPr>
-              <a:t>Many different methods can be used to let JavaScript work with events:</a:t>
-            </a:r>
-          </a:p>
-          <a:p>
-            <a:pPr algn="l">
+              <a:t>HTML event attributes can execute JavaScript code directly</a:t>
+            </a:r>
+          </a:p>
+          <a:p>
+            <a:pPr lvl="1">
+              <a:lnSpc>
+                <a:spcPct val="150000"/>
+              </a:lnSpc>
               <a:buFont typeface="Arial" panose="020B0604020202020204" pitchFamily="34" charset="0"/>
               <a:buChar char="•"/>
             </a:pPr>
@@ -7649,11 +7558,14 @@
                 <a:effectLst/>
                 <a:latin typeface="Verdana" panose="020B0604030504040204" pitchFamily="34" charset="0"/>
               </a:rPr>
-              <a:t>HTML event attributes can execute JavaScript code directly</a:t>
-            </a:r>
-          </a:p>
-          <a:p>
-            <a:pPr algn="l">
+              <a:t>HTML event attributes can call JavaScript functions</a:t>
+            </a:r>
+          </a:p>
+          <a:p>
+            <a:pPr lvl="1">
+              <a:lnSpc>
+                <a:spcPct val="150000"/>
+              </a:lnSpc>
               <a:buFont typeface="Arial" panose="020B0604020202020204" pitchFamily="34" charset="0"/>
               <a:buChar char="•"/>
             </a:pPr>
@@ -7665,11 +7577,14 @@
                 <a:effectLst/>
                 <a:latin typeface="Verdana" panose="020B0604030504040204" pitchFamily="34" charset="0"/>
               </a:rPr>
-              <a:t>HTML event attributes can call JavaScript functions</a:t>
-            </a:r>
-          </a:p>
-          <a:p>
-            <a:pPr algn="l">
+              <a:t>You can assign your own event handler functions to HTML elements</a:t>
+            </a:r>
+          </a:p>
+          <a:p>
+            <a:pPr lvl="1">
+              <a:lnSpc>
+                <a:spcPct val="150000"/>
+              </a:lnSpc>
               <a:buFont typeface="Arial" panose="020B0604020202020204" pitchFamily="34" charset="0"/>
               <a:buChar char="•"/>
             </a:pPr>
@@ -7681,62 +7596,34 @@
                 <a:effectLst/>
                 <a:latin typeface="Verdana" panose="020B0604030504040204" pitchFamily="34" charset="0"/>
               </a:rPr>
-              <a:t>You can assign your own event handler functions to HTML elements</a:t>
-            </a:r>
-          </a:p>
-          <a:p>
-            <a:pPr algn="l">
-              <a:buFont typeface="Arial" panose="020B0604020202020204" pitchFamily="34" charset="0"/>
-              <a:buChar char="•"/>
+              <a:t>You can prevent events from being sent or being handled</a:t>
+            </a:r>
+            <a:r>
+              <a:rPr lang="en-US" b="0" i="0" dirty="0">
+                <a:solidFill>
+                  <a:srgbClr val="000000"/>
+                </a:solidFill>
+                <a:effectLst/>
+                <a:latin typeface="Verdana" panose="020B0604030504040204" pitchFamily="34" charset="0"/>
+              </a:rPr>
+              <a:t>.</a:t>
+            </a:r>
+          </a:p>
+          <a:p>
+            <a:pPr lvl="1" algn="r">
+              <a:lnSpc>
+                <a:spcPct val="150000"/>
+              </a:lnSpc>
             </a:pPr>
             <a:r>
-              <a:rPr lang="en-US" sz="2000" b="0" i="0" dirty="0">
-                <a:solidFill>
-                  <a:schemeClr val="bg1"/>
+              <a:rPr lang="en-US" sz="2400" b="0" i="0" u="sng" dirty="0">
+                <a:solidFill>
+                  <a:srgbClr val="FF0000"/>
                 </a:solidFill>
                 <a:effectLst/>
                 <a:latin typeface="Verdana" panose="020B0604030504040204" pitchFamily="34" charset="0"/>
               </a:rPr>
-              <a:t>You can prevent events from being sent or being handled</a:t>
-            </a:r>
-          </a:p>
-          <a:p>
-            <a:pPr algn="l">
-              <a:buFont typeface="Arial" panose="020B0604020202020204" pitchFamily="34" charset="0"/>
-              <a:buChar char="•"/>
-            </a:pPr>
-            <a:r>
-              <a:rPr lang="en-US" sz="2000" b="0" i="0" dirty="0">
-                <a:solidFill>
-                  <a:schemeClr val="bg1"/>
-                </a:solidFill>
-                <a:effectLst/>
-                <a:latin typeface="Verdana" panose="020B0604030504040204" pitchFamily="34" charset="0"/>
-              </a:rPr>
-              <a:t>And more ...</a:t>
-            </a:r>
-          </a:p>
-          <a:p>
-            <a:pPr algn="l"/>
-            <a:r>
-              <a:rPr lang="en-US" sz="2000" b="0" i="0" dirty="0">
-                <a:solidFill>
-                  <a:schemeClr val="bg1"/>
-                </a:solidFill>
-                <a:effectLst/>
-                <a:latin typeface="Verdana" panose="020B0604030504040204" pitchFamily="34" charset="0"/>
-              </a:rPr>
-              <a:t>You will learn a lot more about events and event handlers in the HTML DOM chapters</a:t>
-            </a:r>
-            <a:r>
-              <a:rPr lang="en-US" b="0" i="0" dirty="0">
-                <a:solidFill>
-                  <a:srgbClr val="000000"/>
-                </a:solidFill>
-                <a:effectLst/>
-                <a:latin typeface="Verdana" panose="020B0604030504040204" pitchFamily="34" charset="0"/>
-              </a:rPr>
-              <a:t>.</a:t>
+              <a:t>https://www.w3schools.com/jsref/dom_obj_event.asp</a:t>
             </a:r>
           </a:p>
         </p:txBody>
@@ -12883,7 +12770,7 @@
             </a:endParaRPr>
           </a:p>
           <a:p>
-            <a:pPr marL="0" marR="0" lvl="0" indent="0" algn="l" defTabSz="914400" rtl="0" eaLnBrk="0" fontAlgn="base" latinLnBrk="0" hangingPunct="0">
+            <a:pPr marL="342900" marR="0" lvl="0" indent="-342900" algn="l" defTabSz="914400" rtl="0" eaLnBrk="0" fontAlgn="base" latinLnBrk="0" hangingPunct="0">
               <a:lnSpc>
                 <a:spcPct val="200000"/>
               </a:lnSpc>
@@ -12895,8 +12782,8 @@
               </a:spcAft>
               <a:buClrTx/>
               <a:buSzTx/>
-              <a:buFontTx/>
-              <a:buChar char="•"/>
+              <a:buFont typeface="Wingdings" panose="05000000000000000000" pitchFamily="2" charset="2"/>
+              <a:buChar char="Ø"/>
               <a:tabLst/>
             </a:pPr>
             <a:r>
@@ -12976,7 +12863,7 @@
             </a:endParaRPr>
           </a:p>
           <a:p>
-            <a:pPr marL="0" marR="0" lvl="0" indent="0" algn="l" defTabSz="914400" rtl="0" eaLnBrk="0" fontAlgn="base" latinLnBrk="0" hangingPunct="0">
+            <a:pPr marL="342900" marR="0" lvl="0" indent="-342900" algn="l" defTabSz="914400" rtl="0" eaLnBrk="0" fontAlgn="base" latinLnBrk="0" hangingPunct="0">
               <a:lnSpc>
                 <a:spcPct val="200000"/>
               </a:lnSpc>
@@ -12988,8 +12875,8 @@
               </a:spcAft>
               <a:buClrTx/>
               <a:buSzTx/>
-              <a:buFontTx/>
-              <a:buChar char="•"/>
+              <a:buFont typeface="Wingdings" panose="05000000000000000000" pitchFamily="2" charset="2"/>
+              <a:buChar char="Ø"/>
               <a:tabLst/>
             </a:pPr>
             <a:r>
@@ -13069,7 +12956,7 @@
             </a:endParaRPr>
           </a:p>
           <a:p>
-            <a:pPr marL="0" marR="0" lvl="0" indent="0" algn="l" defTabSz="914400" rtl="0" eaLnBrk="0" fontAlgn="base" latinLnBrk="0" hangingPunct="0">
+            <a:pPr marL="342900" marR="0" lvl="0" indent="-342900" algn="l" defTabSz="914400" rtl="0" eaLnBrk="0" fontAlgn="base" latinLnBrk="0" hangingPunct="0">
               <a:lnSpc>
                 <a:spcPct val="200000"/>
               </a:lnSpc>
@@ -13081,8 +12968,8 @@
               </a:spcAft>
               <a:buClrTx/>
               <a:buSzTx/>
-              <a:buFontTx/>
-              <a:buChar char="•"/>
+              <a:buFont typeface="Wingdings" panose="05000000000000000000" pitchFamily="2" charset="2"/>
+              <a:buChar char="Ø"/>
               <a:tabLst/>
             </a:pPr>
             <a:r>
@@ -22029,16 +21916,13 @@
                 <a:spcPct val="150000"/>
               </a:lnSpc>
             </a:pPr>
-            <a:r>
-              <a:rPr lang="en-US" sz="2400" b="0" i="0" dirty="0">
-                <a:solidFill>
-                  <a:schemeClr val="bg1"/>
-                </a:solidFill>
-                <a:effectLst/>
-                <a:latin typeface="Segoe UI" panose="020B0502040204020203" pitchFamily="34" charset="0"/>
-              </a:rPr>
-              <a:t>Example1</a:t>
-            </a:r>
+            <a:endParaRPr lang="en-US" sz="2400" b="0" i="0" dirty="0">
+              <a:solidFill>
+                <a:schemeClr val="bg1"/>
+              </a:solidFill>
+              <a:effectLst/>
+              <a:latin typeface="Segoe UI" panose="020B0502040204020203" pitchFamily="34" charset="0"/>
+            </a:endParaRPr>
           </a:p>
           <a:p>
             <a:pPr algn="l">
@@ -22073,16 +21957,13 @@
                 <a:spcPct val="150000"/>
               </a:lnSpc>
             </a:pPr>
-            <a:r>
-              <a:rPr lang="en-US" sz="2400" b="0" i="0" dirty="0">
-                <a:solidFill>
-                  <a:schemeClr val="bg1"/>
-                </a:solidFill>
-                <a:effectLst/>
-                <a:latin typeface="Segoe UI" panose="020B0502040204020203" pitchFamily="34" charset="0"/>
-              </a:rPr>
-              <a:t>Example2</a:t>
-            </a:r>
+            <a:endParaRPr lang="en-US" sz="2400" b="0" i="0" dirty="0">
+              <a:solidFill>
+                <a:schemeClr val="bg1"/>
+              </a:solidFill>
+              <a:effectLst/>
+              <a:latin typeface="Segoe UI" panose="020B0502040204020203" pitchFamily="34" charset="0"/>
+            </a:endParaRPr>
           </a:p>
           <a:p>
             <a:pPr algn="l">
